--- a/GPREC/02_Motion/Kit2_Motion_Training.pptx
+++ b/GPREC/02_Motion/Kit2_Motion_Training.pptx
@@ -1765,7 +1765,7 @@
           <a:p>
             <a:fld id="{A5593103-930B-4864-A0CC-E5CD95E9581E}" type="datetimeFigureOut">
               <a:rPr lang="en-GB" smtClean="0"/>
-              <a:t>19/11/2025</a:t>
+              <a:t>24/11/2025</a:t>
             </a:fld>
             <a:endParaRPr lang="en-GB"/>
           </a:p>
@@ -1965,7 +1965,7 @@
           <a:p>
             <a:fld id="{A5593103-930B-4864-A0CC-E5CD95E9581E}" type="datetimeFigureOut">
               <a:rPr lang="en-GB" smtClean="0"/>
-              <a:t>19/11/2025</a:t>
+              <a:t>24/11/2025</a:t>
             </a:fld>
             <a:endParaRPr lang="en-GB"/>
           </a:p>
@@ -2175,7 +2175,7 @@
           <a:p>
             <a:fld id="{A5593103-930B-4864-A0CC-E5CD95E9581E}" type="datetimeFigureOut">
               <a:rPr lang="en-GB" smtClean="0"/>
-              <a:t>19/11/2025</a:t>
+              <a:t>24/11/2025</a:t>
             </a:fld>
             <a:endParaRPr lang="en-GB"/>
           </a:p>
@@ -2397,7 +2397,7 @@
           <a:p>
             <a:fld id="{A1D51BA1-F58B-40DF-9C13-73BC69DE2A80}" type="datetimeFigureOut">
               <a:rPr lang="en-GB" smtClean="0"/>
-              <a:t>19/11/2025</a:t>
+              <a:t>24/11/2025</a:t>
             </a:fld>
             <a:endParaRPr lang="en-GB"/>
           </a:p>
@@ -2597,7 +2597,7 @@
           <a:p>
             <a:fld id="{A1D51BA1-F58B-40DF-9C13-73BC69DE2A80}" type="datetimeFigureOut">
               <a:rPr lang="en-GB" smtClean="0"/>
-              <a:t>19/11/2025</a:t>
+              <a:t>24/11/2025</a:t>
             </a:fld>
             <a:endParaRPr lang="en-GB"/>
           </a:p>
@@ -2873,7 +2873,7 @@
           <a:p>
             <a:fld id="{A1D51BA1-F58B-40DF-9C13-73BC69DE2A80}" type="datetimeFigureOut">
               <a:rPr lang="en-GB" smtClean="0"/>
-              <a:t>19/11/2025</a:t>
+              <a:t>24/11/2025</a:t>
             </a:fld>
             <a:endParaRPr lang="en-GB"/>
           </a:p>
@@ -3141,7 +3141,7 @@
           <a:p>
             <a:fld id="{A1D51BA1-F58B-40DF-9C13-73BC69DE2A80}" type="datetimeFigureOut">
               <a:rPr lang="en-GB" smtClean="0"/>
-              <a:t>19/11/2025</a:t>
+              <a:t>24/11/2025</a:t>
             </a:fld>
             <a:endParaRPr lang="en-GB"/>
           </a:p>
@@ -3556,7 +3556,7 @@
           <a:p>
             <a:fld id="{A1D51BA1-F58B-40DF-9C13-73BC69DE2A80}" type="datetimeFigureOut">
               <a:rPr lang="en-GB" smtClean="0"/>
-              <a:t>19/11/2025</a:t>
+              <a:t>24/11/2025</a:t>
             </a:fld>
             <a:endParaRPr lang="en-GB"/>
           </a:p>
@@ -3698,7 +3698,7 @@
           <a:p>
             <a:fld id="{A1D51BA1-F58B-40DF-9C13-73BC69DE2A80}" type="datetimeFigureOut">
               <a:rPr lang="en-GB" smtClean="0"/>
-              <a:t>19/11/2025</a:t>
+              <a:t>24/11/2025</a:t>
             </a:fld>
             <a:endParaRPr lang="en-GB"/>
           </a:p>
@@ -3811,7 +3811,7 @@
           <a:p>
             <a:fld id="{A1D51BA1-F58B-40DF-9C13-73BC69DE2A80}" type="datetimeFigureOut">
               <a:rPr lang="en-GB" smtClean="0"/>
-              <a:t>19/11/2025</a:t>
+              <a:t>24/11/2025</a:t>
             </a:fld>
             <a:endParaRPr lang="en-GB"/>
           </a:p>
@@ -4124,7 +4124,7 @@
           <a:p>
             <a:fld id="{A1D51BA1-F58B-40DF-9C13-73BC69DE2A80}" type="datetimeFigureOut">
               <a:rPr lang="en-GB" smtClean="0"/>
-              <a:t>19/11/2025</a:t>
+              <a:t>24/11/2025</a:t>
             </a:fld>
             <a:endParaRPr lang="en-GB"/>
           </a:p>
@@ -4324,7 +4324,7 @@
           <a:p>
             <a:fld id="{A5593103-930B-4864-A0CC-E5CD95E9581E}" type="datetimeFigureOut">
               <a:rPr lang="en-GB" smtClean="0"/>
-              <a:t>19/11/2025</a:t>
+              <a:t>24/11/2025</a:t>
             </a:fld>
             <a:endParaRPr lang="en-GB"/>
           </a:p>
@@ -4613,7 +4613,7 @@
           <a:p>
             <a:fld id="{A1D51BA1-F58B-40DF-9C13-73BC69DE2A80}" type="datetimeFigureOut">
               <a:rPr lang="en-GB" smtClean="0"/>
-              <a:t>19/11/2025</a:t>
+              <a:t>24/11/2025</a:t>
             </a:fld>
             <a:endParaRPr lang="en-GB"/>
           </a:p>
@@ -4813,7 +4813,7 @@
           <a:p>
             <a:fld id="{A1D51BA1-F58B-40DF-9C13-73BC69DE2A80}" type="datetimeFigureOut">
               <a:rPr lang="en-GB" smtClean="0"/>
-              <a:t>19/11/2025</a:t>
+              <a:t>24/11/2025</a:t>
             </a:fld>
             <a:endParaRPr lang="en-GB"/>
           </a:p>
@@ -5023,7 +5023,7 @@
           <a:p>
             <a:fld id="{A1D51BA1-F58B-40DF-9C13-73BC69DE2A80}" type="datetimeFigureOut">
               <a:rPr lang="en-GB" smtClean="0"/>
-              <a:t>19/11/2025</a:t>
+              <a:t>24/11/2025</a:t>
             </a:fld>
             <a:endParaRPr lang="en-GB"/>
           </a:p>
@@ -5299,7 +5299,7 @@
           <a:p>
             <a:fld id="{A5593103-930B-4864-A0CC-E5CD95E9581E}" type="datetimeFigureOut">
               <a:rPr lang="en-GB" smtClean="0"/>
-              <a:t>19/11/2025</a:t>
+              <a:t>24/11/2025</a:t>
             </a:fld>
             <a:endParaRPr lang="en-GB"/>
           </a:p>
@@ -5567,7 +5567,7 @@
           <a:p>
             <a:fld id="{A5593103-930B-4864-A0CC-E5CD95E9581E}" type="datetimeFigureOut">
               <a:rPr lang="en-GB" smtClean="0"/>
-              <a:t>19/11/2025</a:t>
+              <a:t>24/11/2025</a:t>
             </a:fld>
             <a:endParaRPr lang="en-GB"/>
           </a:p>
@@ -5982,7 +5982,7 @@
           <a:p>
             <a:fld id="{A5593103-930B-4864-A0CC-E5CD95E9581E}" type="datetimeFigureOut">
               <a:rPr lang="en-GB" smtClean="0"/>
-              <a:t>19/11/2025</a:t>
+              <a:t>24/11/2025</a:t>
             </a:fld>
             <a:endParaRPr lang="en-GB"/>
           </a:p>
@@ -6124,7 +6124,7 @@
           <a:p>
             <a:fld id="{A5593103-930B-4864-A0CC-E5CD95E9581E}" type="datetimeFigureOut">
               <a:rPr lang="en-GB" smtClean="0"/>
-              <a:t>19/11/2025</a:t>
+              <a:t>24/11/2025</a:t>
             </a:fld>
             <a:endParaRPr lang="en-GB"/>
           </a:p>
@@ -6237,7 +6237,7 @@
           <a:p>
             <a:fld id="{A5593103-930B-4864-A0CC-E5CD95E9581E}" type="datetimeFigureOut">
               <a:rPr lang="en-GB" smtClean="0"/>
-              <a:t>19/11/2025</a:t>
+              <a:t>24/11/2025</a:t>
             </a:fld>
             <a:endParaRPr lang="en-GB"/>
           </a:p>
@@ -6550,7 +6550,7 @@
           <a:p>
             <a:fld id="{A5593103-930B-4864-A0CC-E5CD95E9581E}" type="datetimeFigureOut">
               <a:rPr lang="en-GB" smtClean="0"/>
-              <a:t>19/11/2025</a:t>
+              <a:t>24/11/2025</a:t>
             </a:fld>
             <a:endParaRPr lang="en-GB"/>
           </a:p>
@@ -6839,7 +6839,7 @@
           <a:p>
             <a:fld id="{A5593103-930B-4864-A0CC-E5CD95E9581E}" type="datetimeFigureOut">
               <a:rPr lang="en-GB" smtClean="0"/>
-              <a:t>19/11/2025</a:t>
+              <a:t>24/11/2025</a:t>
             </a:fld>
             <a:endParaRPr lang="en-GB"/>
           </a:p>
@@ -7082,7 +7082,7 @@
           <a:p>
             <a:fld id="{A5593103-930B-4864-A0CC-E5CD95E9581E}" type="datetimeFigureOut">
               <a:rPr lang="en-GB" smtClean="0"/>
-              <a:t>19/11/2025</a:t>
+              <a:t>24/11/2025</a:t>
             </a:fld>
             <a:endParaRPr lang="en-GB"/>
           </a:p>
@@ -7652,7 +7652,7 @@
           <a:p>
             <a:fld id="{A1D51BA1-F58B-40DF-9C13-73BC69DE2A80}" type="datetimeFigureOut">
               <a:rPr lang="en-GB" smtClean="0"/>
-              <a:t>19/11/2025</a:t>
+              <a:t>24/11/2025</a:t>
             </a:fld>
             <a:endParaRPr lang="en-GB"/>
           </a:p>
@@ -14076,8 +14076,8 @@
             <a:chExt cx="1604880" cy="474480"/>
           </a:xfrm>
         </p:grpSpPr>
-        <mc:AlternateContent xmlns:mc="http://schemas.openxmlformats.org/markup-compatibility/2006">
-          <mc:Choice xmlns:p14="http://schemas.microsoft.com/office/powerpoint/2010/main" Requires="p14">
+        <mc:AlternateContent xmlns:mc="http://schemas.openxmlformats.org/markup-compatibility/2006" xmlns:p14="http://schemas.microsoft.com/office/powerpoint/2010/main">
+          <mc:Choice Requires="p14">
             <p:contentPart p14:bwMode="auto" r:id="rId57">
               <p14:nvContentPartPr>
                 <p14:cNvPr id="16" name="Ink 15">
@@ -14096,7 +14096,7 @@
               </p14:xfrm>
             </p:contentPart>
           </mc:Choice>
-          <mc:Fallback>
+          <mc:Fallback xmlns="">
             <p:pic>
               <p:nvPicPr>
                 <p:cNvPr id="16" name="Ink 15">
@@ -14127,8 +14127,8 @@
             </p:pic>
           </mc:Fallback>
         </mc:AlternateContent>
-        <mc:AlternateContent xmlns:mc="http://schemas.openxmlformats.org/markup-compatibility/2006">
-          <mc:Choice xmlns:p14="http://schemas.microsoft.com/office/powerpoint/2010/main" Requires="p14">
+        <mc:AlternateContent xmlns:mc="http://schemas.openxmlformats.org/markup-compatibility/2006" xmlns:p14="http://schemas.microsoft.com/office/powerpoint/2010/main">
+          <mc:Choice Requires="p14">
             <p:contentPart p14:bwMode="auto" r:id="rId59">
               <p14:nvContentPartPr>
                 <p14:cNvPr id="17" name="Ink 16">
@@ -14147,7 +14147,7 @@
               </p14:xfrm>
             </p:contentPart>
           </mc:Choice>
-          <mc:Fallback>
+          <mc:Fallback xmlns="">
             <p:pic>
               <p:nvPicPr>
                 <p:cNvPr id="17" name="Ink 16">
@@ -14199,8 +14199,8 @@
             <a:chExt cx="2307600" cy="776160"/>
           </a:xfrm>
         </p:grpSpPr>
-        <mc:AlternateContent xmlns:mc="http://schemas.openxmlformats.org/markup-compatibility/2006">
-          <mc:Choice xmlns:p14="http://schemas.microsoft.com/office/powerpoint/2010/main" Requires="p14">
+        <mc:AlternateContent xmlns:mc="http://schemas.openxmlformats.org/markup-compatibility/2006" xmlns:p14="http://schemas.microsoft.com/office/powerpoint/2010/main">
+          <mc:Choice Requires="p14">
             <p:contentPart p14:bwMode="auto" r:id="rId61">
               <p14:nvContentPartPr>
                 <p14:cNvPr id="19" name="Ink 18">
@@ -14219,7 +14219,7 @@
               </p14:xfrm>
             </p:contentPart>
           </mc:Choice>
-          <mc:Fallback>
+          <mc:Fallback xmlns="">
             <p:pic>
               <p:nvPicPr>
                 <p:cNvPr id="19" name="Ink 18">
@@ -14250,8 +14250,8 @@
             </p:pic>
           </mc:Fallback>
         </mc:AlternateContent>
-        <mc:AlternateContent xmlns:mc="http://schemas.openxmlformats.org/markup-compatibility/2006">
-          <mc:Choice xmlns:p14="http://schemas.microsoft.com/office/powerpoint/2010/main" Requires="p14">
+        <mc:AlternateContent xmlns:mc="http://schemas.openxmlformats.org/markup-compatibility/2006" xmlns:p14="http://schemas.microsoft.com/office/powerpoint/2010/main">
+          <mc:Choice Requires="p14">
             <p:contentPart p14:bwMode="auto" r:id="rId63">
               <p14:nvContentPartPr>
                 <p14:cNvPr id="20" name="Ink 19">
@@ -14270,7 +14270,7 @@
               </p14:xfrm>
             </p:contentPart>
           </mc:Choice>
-          <mc:Fallback>
+          <mc:Fallback xmlns="">
             <p:pic>
               <p:nvPicPr>
                 <p:cNvPr id="20" name="Ink 19">
@@ -14301,8 +14301,8 @@
             </p:pic>
           </mc:Fallback>
         </mc:AlternateContent>
-        <mc:AlternateContent xmlns:mc="http://schemas.openxmlformats.org/markup-compatibility/2006">
-          <mc:Choice xmlns:p14="http://schemas.microsoft.com/office/powerpoint/2010/main" Requires="p14">
+        <mc:AlternateContent xmlns:mc="http://schemas.openxmlformats.org/markup-compatibility/2006" xmlns:p14="http://schemas.microsoft.com/office/powerpoint/2010/main">
+          <mc:Choice Requires="p14">
             <p:contentPart p14:bwMode="auto" r:id="rId65">
               <p14:nvContentPartPr>
                 <p14:cNvPr id="22" name="Ink 21">
@@ -14321,7 +14321,7 @@
               </p14:xfrm>
             </p:contentPart>
           </mc:Choice>
-          <mc:Fallback>
+          <mc:Fallback xmlns="">
             <p:pic>
               <p:nvPicPr>
                 <p:cNvPr id="22" name="Ink 21">
@@ -14352,8 +14352,8 @@
             </p:pic>
           </mc:Fallback>
         </mc:AlternateContent>
-        <mc:AlternateContent xmlns:mc="http://schemas.openxmlformats.org/markup-compatibility/2006">
-          <mc:Choice xmlns:p14="http://schemas.microsoft.com/office/powerpoint/2010/main" Requires="p14">
+        <mc:AlternateContent xmlns:mc="http://schemas.openxmlformats.org/markup-compatibility/2006" xmlns:p14="http://schemas.microsoft.com/office/powerpoint/2010/main">
+          <mc:Choice Requires="p14">
             <p:contentPart p14:bwMode="auto" r:id="rId67">
               <p14:nvContentPartPr>
                 <p14:cNvPr id="23" name="Ink 22">
@@ -14372,7 +14372,7 @@
               </p14:xfrm>
             </p:contentPart>
           </mc:Choice>
-          <mc:Fallback>
+          <mc:Fallback xmlns="">
             <p:pic>
               <p:nvPicPr>
                 <p:cNvPr id="23" name="Ink 22">
@@ -14404,8 +14404,8 @@
           </mc:Fallback>
         </mc:AlternateContent>
       </p:grpSp>
-      <mc:AlternateContent xmlns:mc="http://schemas.openxmlformats.org/markup-compatibility/2006">
-        <mc:Choice xmlns:p14="http://schemas.microsoft.com/office/powerpoint/2010/main" Requires="p14">
+      <mc:AlternateContent xmlns:mc="http://schemas.openxmlformats.org/markup-compatibility/2006" xmlns:p14="http://schemas.microsoft.com/office/powerpoint/2010/main">
+        <mc:Choice Requires="p14">
           <p:contentPart p14:bwMode="auto" r:id="rId69">
             <p14:nvContentPartPr>
               <p14:cNvPr id="57" name="Ink 56">
@@ -14424,7 +14424,7 @@
             </p14:xfrm>
           </p:contentPart>
         </mc:Choice>
-        <mc:Fallback>
+        <mc:Fallback xmlns="">
           <p:pic>
             <p:nvPicPr>
               <p:cNvPr id="57" name="Ink 56">
@@ -14455,8 +14455,8 @@
           </p:pic>
         </mc:Fallback>
       </mc:AlternateContent>
-      <mc:AlternateContent xmlns:mc="http://schemas.openxmlformats.org/markup-compatibility/2006">
-        <mc:Choice xmlns:p14="http://schemas.microsoft.com/office/powerpoint/2010/main" Requires="p14">
+      <mc:AlternateContent xmlns:mc="http://schemas.openxmlformats.org/markup-compatibility/2006" xmlns:p14="http://schemas.microsoft.com/office/powerpoint/2010/main">
+        <mc:Choice Requires="p14">
           <p:contentPart p14:bwMode="auto" r:id="rId71">
             <p14:nvContentPartPr>
               <p14:cNvPr id="74" name="Ink 73">
@@ -14475,7 +14475,7 @@
             </p14:xfrm>
           </p:contentPart>
         </mc:Choice>
-        <mc:Fallback>
+        <mc:Fallback xmlns="">
           <p:pic>
             <p:nvPicPr>
               <p:cNvPr id="74" name="Ink 73">
@@ -14506,8 +14506,8 @@
           </p:pic>
         </mc:Fallback>
       </mc:AlternateContent>
-      <mc:AlternateContent xmlns:mc="http://schemas.openxmlformats.org/markup-compatibility/2006">
-        <mc:Choice xmlns:p14="http://schemas.microsoft.com/office/powerpoint/2010/main" Requires="p14">
+      <mc:AlternateContent xmlns:mc="http://schemas.openxmlformats.org/markup-compatibility/2006" xmlns:p14="http://schemas.microsoft.com/office/powerpoint/2010/main">
+        <mc:Choice Requires="p14">
           <p:contentPart p14:bwMode="auto" r:id="rId73">
             <p14:nvContentPartPr>
               <p14:cNvPr id="75" name="Ink 74">
@@ -14526,7 +14526,7 @@
             </p14:xfrm>
           </p:contentPart>
         </mc:Choice>
-        <mc:Fallback>
+        <mc:Fallback xmlns="">
           <p:pic>
             <p:nvPicPr>
               <p:cNvPr id="75" name="Ink 74">
@@ -14557,8 +14557,8 @@
           </p:pic>
         </mc:Fallback>
       </mc:AlternateContent>
-      <mc:AlternateContent xmlns:mc="http://schemas.openxmlformats.org/markup-compatibility/2006">
-        <mc:Choice xmlns:p14="http://schemas.microsoft.com/office/powerpoint/2010/main" Requires="p14">
+      <mc:AlternateContent xmlns:mc="http://schemas.openxmlformats.org/markup-compatibility/2006" xmlns:p14="http://schemas.microsoft.com/office/powerpoint/2010/main">
+        <mc:Choice Requires="p14">
           <p:contentPart p14:bwMode="auto" r:id="rId75">
             <p14:nvContentPartPr>
               <p14:cNvPr id="77" name="Ink 76">
@@ -14577,7 +14577,7 @@
             </p14:xfrm>
           </p:contentPart>
         </mc:Choice>
-        <mc:Fallback>
+        <mc:Fallback xmlns="">
           <p:pic>
             <p:nvPicPr>
               <p:cNvPr id="77" name="Ink 76">
@@ -14608,8 +14608,8 @@
           </p:pic>
         </mc:Fallback>
       </mc:AlternateContent>
-      <mc:AlternateContent xmlns:mc="http://schemas.openxmlformats.org/markup-compatibility/2006">
-        <mc:Choice xmlns:p14="http://schemas.microsoft.com/office/powerpoint/2010/main" Requires="p14">
+      <mc:AlternateContent xmlns:mc="http://schemas.openxmlformats.org/markup-compatibility/2006" xmlns:p14="http://schemas.microsoft.com/office/powerpoint/2010/main">
+        <mc:Choice Requires="p14">
           <p:contentPart p14:bwMode="auto" r:id="rId77">
             <p14:nvContentPartPr>
               <p14:cNvPr id="81" name="Ink 80">
@@ -14628,7 +14628,7 @@
             </p14:xfrm>
           </p:contentPart>
         </mc:Choice>
-        <mc:Fallback>
+        <mc:Fallback xmlns="">
           <p:pic>
             <p:nvPicPr>
               <p:cNvPr id="81" name="Ink 80">
@@ -14659,8 +14659,8 @@
           </p:pic>
         </mc:Fallback>
       </mc:AlternateContent>
-      <mc:AlternateContent xmlns:mc="http://schemas.openxmlformats.org/markup-compatibility/2006">
-        <mc:Choice xmlns:p14="http://schemas.microsoft.com/office/powerpoint/2010/main" Requires="p14">
+      <mc:AlternateContent xmlns:mc="http://schemas.openxmlformats.org/markup-compatibility/2006" xmlns:p14="http://schemas.microsoft.com/office/powerpoint/2010/main">
+        <mc:Choice Requires="p14">
           <p:contentPart p14:bwMode="auto" r:id="rId79">
             <p14:nvContentPartPr>
               <p14:cNvPr id="82" name="Ink 81">
@@ -14679,7 +14679,7 @@
             </p14:xfrm>
           </p:contentPart>
         </mc:Choice>
-        <mc:Fallback>
+        <mc:Fallback xmlns="">
           <p:pic>
             <p:nvPicPr>
               <p:cNvPr id="82" name="Ink 81">
@@ -14710,8 +14710,8 @@
           </p:pic>
         </mc:Fallback>
       </mc:AlternateContent>
-      <mc:AlternateContent xmlns:mc="http://schemas.openxmlformats.org/markup-compatibility/2006">
-        <mc:Choice xmlns:p14="http://schemas.microsoft.com/office/powerpoint/2010/main" Requires="p14">
+      <mc:AlternateContent xmlns:mc="http://schemas.openxmlformats.org/markup-compatibility/2006" xmlns:p14="http://schemas.microsoft.com/office/powerpoint/2010/main">
+        <mc:Choice Requires="p14">
           <p:contentPart p14:bwMode="auto" r:id="rId81">
             <p14:nvContentPartPr>
               <p14:cNvPr id="86" name="Ink 85">
@@ -14730,7 +14730,7 @@
             </p14:xfrm>
           </p:contentPart>
         </mc:Choice>
-        <mc:Fallback>
+        <mc:Fallback xmlns="">
           <p:pic>
             <p:nvPicPr>
               <p:cNvPr id="86" name="Ink 85">
@@ -14761,8 +14761,8 @@
           </p:pic>
         </mc:Fallback>
       </mc:AlternateContent>
-      <mc:AlternateContent xmlns:mc="http://schemas.openxmlformats.org/markup-compatibility/2006">
-        <mc:Choice xmlns:p14="http://schemas.microsoft.com/office/powerpoint/2010/main" Requires="p14">
+      <mc:AlternateContent xmlns:mc="http://schemas.openxmlformats.org/markup-compatibility/2006" xmlns:p14="http://schemas.microsoft.com/office/powerpoint/2010/main">
+        <mc:Choice Requires="p14">
           <p:contentPart p14:bwMode="auto" r:id="rId83">
             <p14:nvContentPartPr>
               <p14:cNvPr id="87" name="Ink 86">
@@ -14781,7 +14781,7 @@
             </p14:xfrm>
           </p:contentPart>
         </mc:Choice>
-        <mc:Fallback>
+        <mc:Fallback xmlns="">
           <p:pic>
             <p:nvPicPr>
               <p:cNvPr id="87" name="Ink 86">
@@ -14812,8 +14812,8 @@
           </p:pic>
         </mc:Fallback>
       </mc:AlternateContent>
-      <mc:AlternateContent xmlns:mc="http://schemas.openxmlformats.org/markup-compatibility/2006">
-        <mc:Choice xmlns:p14="http://schemas.microsoft.com/office/powerpoint/2010/main" Requires="p14">
+      <mc:AlternateContent xmlns:mc="http://schemas.openxmlformats.org/markup-compatibility/2006" xmlns:p14="http://schemas.microsoft.com/office/powerpoint/2010/main">
+        <mc:Choice Requires="p14">
           <p:contentPart p14:bwMode="auto" r:id="rId85">
             <p14:nvContentPartPr>
               <p14:cNvPr id="88" name="Ink 87">
@@ -14832,7 +14832,7 @@
             </p14:xfrm>
           </p:contentPart>
         </mc:Choice>
-        <mc:Fallback>
+        <mc:Fallback xmlns="">
           <p:pic>
             <p:nvPicPr>
               <p:cNvPr id="88" name="Ink 87">
@@ -14863,8 +14863,8 @@
           </p:pic>
         </mc:Fallback>
       </mc:AlternateContent>
-      <mc:AlternateContent xmlns:mc="http://schemas.openxmlformats.org/markup-compatibility/2006">
-        <mc:Choice xmlns:p14="http://schemas.microsoft.com/office/powerpoint/2010/main" Requires="p14">
+      <mc:AlternateContent xmlns:mc="http://schemas.openxmlformats.org/markup-compatibility/2006" xmlns:p14="http://schemas.microsoft.com/office/powerpoint/2010/main">
+        <mc:Choice Requires="p14">
           <p:contentPart p14:bwMode="auto" r:id="rId87">
             <p14:nvContentPartPr>
               <p14:cNvPr id="25" name="Ink 24">
@@ -14883,7 +14883,7 @@
             </p14:xfrm>
           </p:contentPart>
         </mc:Choice>
-        <mc:Fallback>
+        <mc:Fallback xmlns="">
           <p:pic>
             <p:nvPicPr>
               <p:cNvPr id="25" name="Ink 24">
@@ -14914,8 +14914,8 @@
           </p:pic>
         </mc:Fallback>
       </mc:AlternateContent>
-      <mc:AlternateContent xmlns:mc="http://schemas.openxmlformats.org/markup-compatibility/2006">
-        <mc:Choice xmlns:p14="http://schemas.microsoft.com/office/powerpoint/2010/main" Requires="p14">
+      <mc:AlternateContent xmlns:mc="http://schemas.openxmlformats.org/markup-compatibility/2006" xmlns:p14="http://schemas.microsoft.com/office/powerpoint/2010/main">
+        <mc:Choice Requires="p14">
           <p:contentPart p14:bwMode="auto" r:id="rId89">
             <p14:nvContentPartPr>
               <p14:cNvPr id="26" name="Ink 25">
@@ -14934,7 +14934,7 @@
             </p14:xfrm>
           </p:contentPart>
         </mc:Choice>
-        <mc:Fallback>
+        <mc:Fallback xmlns="">
           <p:pic>
             <p:nvPicPr>
               <p:cNvPr id="26" name="Ink 25">
@@ -14965,8 +14965,8 @@
           </p:pic>
         </mc:Fallback>
       </mc:AlternateContent>
-      <mc:AlternateContent xmlns:mc="http://schemas.openxmlformats.org/markup-compatibility/2006">
-        <mc:Choice xmlns:p14="http://schemas.microsoft.com/office/powerpoint/2010/main" Requires="p14">
+      <mc:AlternateContent xmlns:mc="http://schemas.openxmlformats.org/markup-compatibility/2006" xmlns:p14="http://schemas.microsoft.com/office/powerpoint/2010/main">
+        <mc:Choice Requires="p14">
           <p:contentPart p14:bwMode="auto" r:id="rId91">
             <p14:nvContentPartPr>
               <p14:cNvPr id="28" name="Ink 27">
@@ -14985,7 +14985,7 @@
             </p14:xfrm>
           </p:contentPart>
         </mc:Choice>
-        <mc:Fallback>
+        <mc:Fallback xmlns="">
           <p:pic>
             <p:nvPicPr>
               <p:cNvPr id="28" name="Ink 27">
@@ -15016,8 +15016,8 @@
           </p:pic>
         </mc:Fallback>
       </mc:AlternateContent>
-      <mc:AlternateContent xmlns:mc="http://schemas.openxmlformats.org/markup-compatibility/2006">
-        <mc:Choice xmlns:p14="http://schemas.microsoft.com/office/powerpoint/2010/main" Requires="p14">
+      <mc:AlternateContent xmlns:mc="http://schemas.openxmlformats.org/markup-compatibility/2006" xmlns:p14="http://schemas.microsoft.com/office/powerpoint/2010/main">
+        <mc:Choice Requires="p14">
           <p:contentPart p14:bwMode="auto" r:id="rId93">
             <p14:nvContentPartPr>
               <p14:cNvPr id="29" name="Ink 28">
@@ -15036,7 +15036,7 @@
             </p14:xfrm>
           </p:contentPart>
         </mc:Choice>
-        <mc:Fallback>
+        <mc:Fallback xmlns="">
           <p:pic>
             <p:nvPicPr>
               <p:cNvPr id="29" name="Ink 28">
@@ -15067,8 +15067,8 @@
           </p:pic>
         </mc:Fallback>
       </mc:AlternateContent>
-      <mc:AlternateContent xmlns:mc="http://schemas.openxmlformats.org/markup-compatibility/2006">
-        <mc:Choice xmlns:p14="http://schemas.microsoft.com/office/powerpoint/2010/main" Requires="p14">
+      <mc:AlternateContent xmlns:mc="http://schemas.openxmlformats.org/markup-compatibility/2006" xmlns:p14="http://schemas.microsoft.com/office/powerpoint/2010/main">
+        <mc:Choice Requires="p14">
           <p:contentPart p14:bwMode="auto" r:id="rId95">
             <p14:nvContentPartPr>
               <p14:cNvPr id="31" name="Ink 30">
@@ -15087,7 +15087,7 @@
             </p14:xfrm>
           </p:contentPart>
         </mc:Choice>
-        <mc:Fallback>
+        <mc:Fallback xmlns="">
           <p:pic>
             <p:nvPicPr>
               <p:cNvPr id="31" name="Ink 30">
@@ -15118,8 +15118,8 @@
           </p:pic>
         </mc:Fallback>
       </mc:AlternateContent>
-      <mc:AlternateContent xmlns:mc="http://schemas.openxmlformats.org/markup-compatibility/2006">
-        <mc:Choice xmlns:p14="http://schemas.microsoft.com/office/powerpoint/2010/main" Requires="p14">
+      <mc:AlternateContent xmlns:mc="http://schemas.openxmlformats.org/markup-compatibility/2006" xmlns:p14="http://schemas.microsoft.com/office/powerpoint/2010/main">
+        <mc:Choice Requires="p14">
           <p:contentPart p14:bwMode="auto" r:id="rId97">
             <p14:nvContentPartPr>
               <p14:cNvPr id="32" name="Ink 31">
@@ -15138,7 +15138,7 @@
             </p14:xfrm>
           </p:contentPart>
         </mc:Choice>
-        <mc:Fallback>
+        <mc:Fallback xmlns="">
           <p:pic>
             <p:nvPicPr>
               <p:cNvPr id="32" name="Ink 31">
@@ -15169,8 +15169,8 @@
           </p:pic>
         </mc:Fallback>
       </mc:AlternateContent>
-      <mc:AlternateContent xmlns:mc="http://schemas.openxmlformats.org/markup-compatibility/2006">
-        <mc:Choice xmlns:p14="http://schemas.microsoft.com/office/powerpoint/2010/main" Requires="p14">
+      <mc:AlternateContent xmlns:mc="http://schemas.openxmlformats.org/markup-compatibility/2006" xmlns:p14="http://schemas.microsoft.com/office/powerpoint/2010/main">
+        <mc:Choice Requires="p14">
           <p:contentPart p14:bwMode="auto" r:id="rId99">
             <p14:nvContentPartPr>
               <p14:cNvPr id="33" name="Ink 32">
@@ -15189,7 +15189,7 @@
             </p14:xfrm>
           </p:contentPart>
         </mc:Choice>
-        <mc:Fallback>
+        <mc:Fallback xmlns="">
           <p:pic>
             <p:nvPicPr>
               <p:cNvPr id="33" name="Ink 32">
@@ -15220,8 +15220,8 @@
           </p:pic>
         </mc:Fallback>
       </mc:AlternateContent>
-      <mc:AlternateContent xmlns:mc="http://schemas.openxmlformats.org/markup-compatibility/2006">
-        <mc:Choice xmlns:p14="http://schemas.microsoft.com/office/powerpoint/2010/main" Requires="p14">
+      <mc:AlternateContent xmlns:mc="http://schemas.openxmlformats.org/markup-compatibility/2006" xmlns:p14="http://schemas.microsoft.com/office/powerpoint/2010/main">
+        <mc:Choice Requires="p14">
           <p:contentPart p14:bwMode="auto" r:id="rId101">
             <p14:nvContentPartPr>
               <p14:cNvPr id="34" name="Ink 33">
@@ -15240,7 +15240,7 @@
             </p14:xfrm>
           </p:contentPart>
         </mc:Choice>
-        <mc:Fallback>
+        <mc:Fallback xmlns="">
           <p:pic>
             <p:nvPicPr>
               <p:cNvPr id="34" name="Ink 33">
@@ -15271,8 +15271,8 @@
           </p:pic>
         </mc:Fallback>
       </mc:AlternateContent>
-      <mc:AlternateContent xmlns:mc="http://schemas.openxmlformats.org/markup-compatibility/2006">
-        <mc:Choice xmlns:p14="http://schemas.microsoft.com/office/powerpoint/2010/main" Requires="p14">
+      <mc:AlternateContent xmlns:mc="http://schemas.openxmlformats.org/markup-compatibility/2006" xmlns:p14="http://schemas.microsoft.com/office/powerpoint/2010/main">
+        <mc:Choice Requires="p14">
           <p:contentPart p14:bwMode="auto" r:id="rId103">
             <p14:nvContentPartPr>
               <p14:cNvPr id="36" name="Ink 35">
@@ -15291,7 +15291,7 @@
             </p14:xfrm>
           </p:contentPart>
         </mc:Choice>
-        <mc:Fallback>
+        <mc:Fallback xmlns="">
           <p:pic>
             <p:nvPicPr>
               <p:cNvPr id="36" name="Ink 35">
@@ -15322,8 +15322,8 @@
           </p:pic>
         </mc:Fallback>
       </mc:AlternateContent>
-      <mc:AlternateContent xmlns:mc="http://schemas.openxmlformats.org/markup-compatibility/2006">
-        <mc:Choice xmlns:p14="http://schemas.microsoft.com/office/powerpoint/2010/main" Requires="p14">
+      <mc:AlternateContent xmlns:mc="http://schemas.openxmlformats.org/markup-compatibility/2006" xmlns:p14="http://schemas.microsoft.com/office/powerpoint/2010/main">
+        <mc:Choice Requires="p14">
           <p:contentPart p14:bwMode="auto" r:id="rId105">
             <p14:nvContentPartPr>
               <p14:cNvPr id="37" name="Ink 36">
@@ -15342,7 +15342,7 @@
             </p14:xfrm>
           </p:contentPart>
         </mc:Choice>
-        <mc:Fallback>
+        <mc:Fallback xmlns="">
           <p:pic>
             <p:nvPicPr>
               <p:cNvPr id="37" name="Ink 36">
@@ -15373,8 +15373,8 @@
           </p:pic>
         </mc:Fallback>
       </mc:AlternateContent>
-      <mc:AlternateContent xmlns:mc="http://schemas.openxmlformats.org/markup-compatibility/2006">
-        <mc:Choice xmlns:p14="http://schemas.microsoft.com/office/powerpoint/2010/main" Requires="p14">
+      <mc:AlternateContent xmlns:mc="http://schemas.openxmlformats.org/markup-compatibility/2006" xmlns:p14="http://schemas.microsoft.com/office/powerpoint/2010/main">
+        <mc:Choice Requires="p14">
           <p:contentPart p14:bwMode="auto" r:id="rId107">
             <p14:nvContentPartPr>
               <p14:cNvPr id="96" name="Ink 95">
@@ -15393,7 +15393,7 @@
             </p14:xfrm>
           </p:contentPart>
         </mc:Choice>
-        <mc:Fallback>
+        <mc:Fallback xmlns="">
           <p:pic>
             <p:nvPicPr>
               <p:cNvPr id="96" name="Ink 95">
@@ -15444,8 +15444,8 @@
             <a:chExt cx="1176120" cy="1121760"/>
           </a:xfrm>
         </p:grpSpPr>
-        <mc:AlternateContent xmlns:mc="http://schemas.openxmlformats.org/markup-compatibility/2006">
-          <mc:Choice xmlns:p14="http://schemas.microsoft.com/office/powerpoint/2010/main" Requires="p14">
+        <mc:AlternateContent xmlns:mc="http://schemas.openxmlformats.org/markup-compatibility/2006" xmlns:p14="http://schemas.microsoft.com/office/powerpoint/2010/main">
+          <mc:Choice Requires="p14">
             <p:contentPart p14:bwMode="auto" r:id="rId109">
               <p14:nvContentPartPr>
                 <p14:cNvPr id="78" name="Ink 77">
@@ -15464,7 +15464,7 @@
               </p14:xfrm>
             </p:contentPart>
           </mc:Choice>
-          <mc:Fallback>
+          <mc:Fallback xmlns="">
             <p:pic>
               <p:nvPicPr>
                 <p:cNvPr id="78" name="Ink 77">
@@ -15495,8 +15495,8 @@
             </p:pic>
           </mc:Fallback>
         </mc:AlternateContent>
-        <mc:AlternateContent xmlns:mc="http://schemas.openxmlformats.org/markup-compatibility/2006">
-          <mc:Choice xmlns:p14="http://schemas.microsoft.com/office/powerpoint/2010/main" Requires="p14">
+        <mc:AlternateContent xmlns:mc="http://schemas.openxmlformats.org/markup-compatibility/2006" xmlns:p14="http://schemas.microsoft.com/office/powerpoint/2010/main">
+          <mc:Choice Requires="p14">
             <p:contentPart p14:bwMode="auto" r:id="rId111">
               <p14:nvContentPartPr>
                 <p14:cNvPr id="79" name="Ink 78">
@@ -15515,7 +15515,7 @@
               </p14:xfrm>
             </p:contentPart>
           </mc:Choice>
-          <mc:Fallback>
+          <mc:Fallback xmlns="">
             <p:pic>
               <p:nvPicPr>
                 <p:cNvPr id="79" name="Ink 78">
@@ -15546,8 +15546,8 @@
             </p:pic>
           </mc:Fallback>
         </mc:AlternateContent>
-        <mc:AlternateContent xmlns:mc="http://schemas.openxmlformats.org/markup-compatibility/2006">
-          <mc:Choice xmlns:p14="http://schemas.microsoft.com/office/powerpoint/2010/main" Requires="p14">
+        <mc:AlternateContent xmlns:mc="http://schemas.openxmlformats.org/markup-compatibility/2006" xmlns:p14="http://schemas.microsoft.com/office/powerpoint/2010/main">
+          <mc:Choice Requires="p14">
             <p:contentPart p14:bwMode="auto" r:id="rId113">
               <p14:nvContentPartPr>
                 <p14:cNvPr id="100" name="Ink 99">
@@ -15566,7 +15566,7 @@
               </p14:xfrm>
             </p:contentPart>
           </mc:Choice>
-          <mc:Fallback>
+          <mc:Fallback xmlns="">
             <p:pic>
               <p:nvPicPr>
                 <p:cNvPr id="100" name="Ink 99">
@@ -15597,8 +15597,8 @@
             </p:pic>
           </mc:Fallback>
         </mc:AlternateContent>
-        <mc:AlternateContent xmlns:mc="http://schemas.openxmlformats.org/markup-compatibility/2006">
-          <mc:Choice xmlns:p14="http://schemas.microsoft.com/office/powerpoint/2010/main" Requires="p14">
+        <mc:AlternateContent xmlns:mc="http://schemas.openxmlformats.org/markup-compatibility/2006" xmlns:p14="http://schemas.microsoft.com/office/powerpoint/2010/main">
+          <mc:Choice Requires="p14">
             <p:contentPart p14:bwMode="auto" r:id="rId115">
               <p14:nvContentPartPr>
                 <p14:cNvPr id="105" name="Ink 104">
@@ -15617,7 +15617,7 @@
               </p14:xfrm>
             </p:contentPart>
           </mc:Choice>
-          <mc:Fallback>
+          <mc:Fallback xmlns="">
             <p:pic>
               <p:nvPicPr>
                 <p:cNvPr id="105" name="Ink 104">
@@ -15669,8 +15669,8 @@
             <a:chExt cx="4446720" cy="2972348"/>
           </a:xfrm>
         </p:grpSpPr>
-        <mc:AlternateContent xmlns:mc="http://schemas.openxmlformats.org/markup-compatibility/2006">
-          <mc:Choice xmlns:p14="http://schemas.microsoft.com/office/powerpoint/2010/main" Requires="p14">
+        <mc:AlternateContent xmlns:mc="http://schemas.openxmlformats.org/markup-compatibility/2006" xmlns:p14="http://schemas.microsoft.com/office/powerpoint/2010/main">
+          <mc:Choice Requires="p14">
             <p:contentPart p14:bwMode="auto" r:id="rId117">
               <p14:nvContentPartPr>
                 <p14:cNvPr id="39" name="Ink 38">
@@ -15689,7 +15689,7 @@
               </p14:xfrm>
             </p:contentPart>
           </mc:Choice>
-          <mc:Fallback>
+          <mc:Fallback xmlns="">
             <p:pic>
               <p:nvPicPr>
                 <p:cNvPr id="39" name="Ink 38">
@@ -15720,8 +15720,8 @@
             </p:pic>
           </mc:Fallback>
         </mc:AlternateContent>
-        <mc:AlternateContent xmlns:mc="http://schemas.openxmlformats.org/markup-compatibility/2006">
-          <mc:Choice xmlns:p14="http://schemas.microsoft.com/office/powerpoint/2010/main" Requires="p14">
+        <mc:AlternateContent xmlns:mc="http://schemas.openxmlformats.org/markup-compatibility/2006" xmlns:p14="http://schemas.microsoft.com/office/powerpoint/2010/main">
+          <mc:Choice Requires="p14">
             <p:contentPart p14:bwMode="auto" r:id="rId119">
               <p14:nvContentPartPr>
                 <p14:cNvPr id="40" name="Ink 39">
@@ -15740,7 +15740,7 @@
               </p14:xfrm>
             </p:contentPart>
           </mc:Choice>
-          <mc:Fallback>
+          <mc:Fallback xmlns="">
             <p:pic>
               <p:nvPicPr>
                 <p:cNvPr id="40" name="Ink 39">
@@ -15771,8 +15771,8 @@
             </p:pic>
           </mc:Fallback>
         </mc:AlternateContent>
-        <mc:AlternateContent xmlns:mc="http://schemas.openxmlformats.org/markup-compatibility/2006">
-          <mc:Choice xmlns:p14="http://schemas.microsoft.com/office/powerpoint/2010/main" Requires="p14">
+        <mc:AlternateContent xmlns:mc="http://schemas.openxmlformats.org/markup-compatibility/2006" xmlns:p14="http://schemas.microsoft.com/office/powerpoint/2010/main">
+          <mc:Choice Requires="p14">
             <p:contentPart p14:bwMode="auto" r:id="rId121">
               <p14:nvContentPartPr>
                 <p14:cNvPr id="41" name="Ink 40">
@@ -15791,7 +15791,7 @@
               </p14:xfrm>
             </p:contentPart>
           </mc:Choice>
-          <mc:Fallback>
+          <mc:Fallback xmlns="">
             <p:pic>
               <p:nvPicPr>
                 <p:cNvPr id="41" name="Ink 40">
@@ -15822,8 +15822,8 @@
             </p:pic>
           </mc:Fallback>
         </mc:AlternateContent>
-        <mc:AlternateContent xmlns:mc="http://schemas.openxmlformats.org/markup-compatibility/2006">
-          <mc:Choice xmlns:p14="http://schemas.microsoft.com/office/powerpoint/2010/main" Requires="p14">
+        <mc:AlternateContent xmlns:mc="http://schemas.openxmlformats.org/markup-compatibility/2006" xmlns:p14="http://schemas.microsoft.com/office/powerpoint/2010/main">
+          <mc:Choice Requires="p14">
             <p:contentPart p14:bwMode="auto" r:id="rId123">
               <p14:nvContentPartPr>
                 <p14:cNvPr id="42" name="Ink 41">
@@ -15842,7 +15842,7 @@
               </p14:xfrm>
             </p:contentPart>
           </mc:Choice>
-          <mc:Fallback>
+          <mc:Fallback xmlns="">
             <p:pic>
               <p:nvPicPr>
                 <p:cNvPr id="42" name="Ink 41">
@@ -15873,8 +15873,8 @@
             </p:pic>
           </mc:Fallback>
         </mc:AlternateContent>
-        <mc:AlternateContent xmlns:mc="http://schemas.openxmlformats.org/markup-compatibility/2006">
-          <mc:Choice xmlns:p14="http://schemas.microsoft.com/office/powerpoint/2010/main" Requires="p14">
+        <mc:AlternateContent xmlns:mc="http://schemas.openxmlformats.org/markup-compatibility/2006" xmlns:p14="http://schemas.microsoft.com/office/powerpoint/2010/main">
+          <mc:Choice Requires="p14">
             <p:contentPart p14:bwMode="auto" r:id="rId125">
               <p14:nvContentPartPr>
                 <p14:cNvPr id="43" name="Ink 42">
@@ -15893,7 +15893,7 @@
               </p14:xfrm>
             </p:contentPart>
           </mc:Choice>
-          <mc:Fallback>
+          <mc:Fallback xmlns="">
             <p:pic>
               <p:nvPicPr>
                 <p:cNvPr id="43" name="Ink 42">
@@ -15924,8 +15924,8 @@
             </p:pic>
           </mc:Fallback>
         </mc:AlternateContent>
-        <mc:AlternateContent xmlns:mc="http://schemas.openxmlformats.org/markup-compatibility/2006">
-          <mc:Choice xmlns:p14="http://schemas.microsoft.com/office/powerpoint/2010/main" Requires="p14">
+        <mc:AlternateContent xmlns:mc="http://schemas.openxmlformats.org/markup-compatibility/2006" xmlns:p14="http://schemas.microsoft.com/office/powerpoint/2010/main">
+          <mc:Choice Requires="p14">
             <p:contentPart p14:bwMode="auto" r:id="rId127">
               <p14:nvContentPartPr>
                 <p14:cNvPr id="45" name="Ink 44">
@@ -15944,7 +15944,7 @@
               </p14:xfrm>
             </p:contentPart>
           </mc:Choice>
-          <mc:Fallback>
+          <mc:Fallback xmlns="">
             <p:pic>
               <p:nvPicPr>
                 <p:cNvPr id="45" name="Ink 44">
@@ -15975,8 +15975,8 @@
             </p:pic>
           </mc:Fallback>
         </mc:AlternateContent>
-        <mc:AlternateContent xmlns:mc="http://schemas.openxmlformats.org/markup-compatibility/2006">
-          <mc:Choice xmlns:p14="http://schemas.microsoft.com/office/powerpoint/2010/main" Requires="p14">
+        <mc:AlternateContent xmlns:mc="http://schemas.openxmlformats.org/markup-compatibility/2006" xmlns:p14="http://schemas.microsoft.com/office/powerpoint/2010/main">
+          <mc:Choice Requires="p14">
             <p:contentPart p14:bwMode="auto" r:id="rId129">
               <p14:nvContentPartPr>
                 <p14:cNvPr id="46" name="Ink 45">
@@ -15995,7 +15995,7 @@
               </p14:xfrm>
             </p:contentPart>
           </mc:Choice>
-          <mc:Fallback>
+          <mc:Fallback xmlns="">
             <p:pic>
               <p:nvPicPr>
                 <p:cNvPr id="46" name="Ink 45">
@@ -16026,8 +16026,8 @@
             </p:pic>
           </mc:Fallback>
         </mc:AlternateContent>
-        <mc:AlternateContent xmlns:mc="http://schemas.openxmlformats.org/markup-compatibility/2006">
-          <mc:Choice xmlns:p14="http://schemas.microsoft.com/office/powerpoint/2010/main" Requires="p14">
+        <mc:AlternateContent xmlns:mc="http://schemas.openxmlformats.org/markup-compatibility/2006" xmlns:p14="http://schemas.microsoft.com/office/powerpoint/2010/main">
+          <mc:Choice Requires="p14">
             <p:contentPart p14:bwMode="auto" r:id="rId131">
               <p14:nvContentPartPr>
                 <p14:cNvPr id="47" name="Ink 46">
@@ -16046,7 +16046,7 @@
               </p14:xfrm>
             </p:contentPart>
           </mc:Choice>
-          <mc:Fallback>
+          <mc:Fallback xmlns="">
             <p:pic>
               <p:nvPicPr>
                 <p:cNvPr id="47" name="Ink 46">
@@ -16077,8 +16077,8 @@
             </p:pic>
           </mc:Fallback>
         </mc:AlternateContent>
-        <mc:AlternateContent xmlns:mc="http://schemas.openxmlformats.org/markup-compatibility/2006">
-          <mc:Choice xmlns:p14="http://schemas.microsoft.com/office/powerpoint/2010/main" Requires="p14">
+        <mc:AlternateContent xmlns:mc="http://schemas.openxmlformats.org/markup-compatibility/2006" xmlns:p14="http://schemas.microsoft.com/office/powerpoint/2010/main">
+          <mc:Choice Requires="p14">
             <p:contentPart p14:bwMode="auto" r:id="rId133">
               <p14:nvContentPartPr>
                 <p14:cNvPr id="49" name="Ink 48">
@@ -16097,7 +16097,7 @@
               </p14:xfrm>
             </p:contentPart>
           </mc:Choice>
-          <mc:Fallback>
+          <mc:Fallback xmlns="">
             <p:pic>
               <p:nvPicPr>
                 <p:cNvPr id="49" name="Ink 48">
@@ -16128,8 +16128,8 @@
             </p:pic>
           </mc:Fallback>
         </mc:AlternateContent>
-        <mc:AlternateContent xmlns:mc="http://schemas.openxmlformats.org/markup-compatibility/2006">
-          <mc:Choice xmlns:p14="http://schemas.microsoft.com/office/powerpoint/2010/main" Requires="p14">
+        <mc:AlternateContent xmlns:mc="http://schemas.openxmlformats.org/markup-compatibility/2006" xmlns:p14="http://schemas.microsoft.com/office/powerpoint/2010/main">
+          <mc:Choice Requires="p14">
             <p:contentPart p14:bwMode="auto" r:id="rId135">
               <p14:nvContentPartPr>
                 <p14:cNvPr id="50" name="Ink 49">
@@ -16148,7 +16148,7 @@
               </p14:xfrm>
             </p:contentPart>
           </mc:Choice>
-          <mc:Fallback>
+          <mc:Fallback xmlns="">
             <p:pic>
               <p:nvPicPr>
                 <p:cNvPr id="50" name="Ink 49">
@@ -16179,8 +16179,8 @@
             </p:pic>
           </mc:Fallback>
         </mc:AlternateContent>
-        <mc:AlternateContent xmlns:mc="http://schemas.openxmlformats.org/markup-compatibility/2006">
-          <mc:Choice xmlns:p14="http://schemas.microsoft.com/office/powerpoint/2010/main" Requires="p14">
+        <mc:AlternateContent xmlns:mc="http://schemas.openxmlformats.org/markup-compatibility/2006" xmlns:p14="http://schemas.microsoft.com/office/powerpoint/2010/main">
+          <mc:Choice Requires="p14">
             <p:contentPart p14:bwMode="auto" r:id="rId137">
               <p14:nvContentPartPr>
                 <p14:cNvPr id="52" name="Ink 51">
@@ -16199,7 +16199,7 @@
               </p14:xfrm>
             </p:contentPart>
           </mc:Choice>
-          <mc:Fallback>
+          <mc:Fallback xmlns="">
             <p:pic>
               <p:nvPicPr>
                 <p:cNvPr id="52" name="Ink 51">
@@ -16230,8 +16230,8 @@
             </p:pic>
           </mc:Fallback>
         </mc:AlternateContent>
-        <mc:AlternateContent xmlns:mc="http://schemas.openxmlformats.org/markup-compatibility/2006">
-          <mc:Choice xmlns:p14="http://schemas.microsoft.com/office/powerpoint/2010/main" Requires="p14">
+        <mc:AlternateContent xmlns:mc="http://schemas.openxmlformats.org/markup-compatibility/2006" xmlns:p14="http://schemas.microsoft.com/office/powerpoint/2010/main">
+          <mc:Choice Requires="p14">
             <p:contentPart p14:bwMode="auto" r:id="rId139">
               <p14:nvContentPartPr>
                 <p14:cNvPr id="53" name="Ink 52">
@@ -16250,7 +16250,7 @@
               </p14:xfrm>
             </p:contentPart>
           </mc:Choice>
-          <mc:Fallback>
+          <mc:Fallback xmlns="">
             <p:pic>
               <p:nvPicPr>
                 <p:cNvPr id="53" name="Ink 52">
@@ -16281,8 +16281,8 @@
             </p:pic>
           </mc:Fallback>
         </mc:AlternateContent>
-        <mc:AlternateContent xmlns:mc="http://schemas.openxmlformats.org/markup-compatibility/2006">
-          <mc:Choice xmlns:p14="http://schemas.microsoft.com/office/powerpoint/2010/main" Requires="p14">
+        <mc:AlternateContent xmlns:mc="http://schemas.openxmlformats.org/markup-compatibility/2006" xmlns:p14="http://schemas.microsoft.com/office/powerpoint/2010/main">
+          <mc:Choice Requires="p14">
             <p:contentPart p14:bwMode="auto" r:id="rId141">
               <p14:nvContentPartPr>
                 <p14:cNvPr id="60" name="Ink 59">
@@ -16301,7 +16301,7 @@
               </p14:xfrm>
             </p:contentPart>
           </mc:Choice>
-          <mc:Fallback>
+          <mc:Fallback xmlns="">
             <p:pic>
               <p:nvPicPr>
                 <p:cNvPr id="60" name="Ink 59">
@@ -16332,8 +16332,8 @@
             </p:pic>
           </mc:Fallback>
         </mc:AlternateContent>
-        <mc:AlternateContent xmlns:mc="http://schemas.openxmlformats.org/markup-compatibility/2006">
-          <mc:Choice xmlns:p14="http://schemas.microsoft.com/office/powerpoint/2010/main" Requires="p14">
+        <mc:AlternateContent xmlns:mc="http://schemas.openxmlformats.org/markup-compatibility/2006" xmlns:p14="http://schemas.microsoft.com/office/powerpoint/2010/main">
+          <mc:Choice Requires="p14">
             <p:contentPart p14:bwMode="auto" r:id="rId143">
               <p14:nvContentPartPr>
                 <p14:cNvPr id="61" name="Ink 60">
@@ -16352,7 +16352,7 @@
               </p14:xfrm>
             </p:contentPart>
           </mc:Choice>
-          <mc:Fallback>
+          <mc:Fallback xmlns="">
             <p:pic>
               <p:nvPicPr>
                 <p:cNvPr id="61" name="Ink 60">
@@ -16383,8 +16383,8 @@
             </p:pic>
           </mc:Fallback>
         </mc:AlternateContent>
-        <mc:AlternateContent xmlns:mc="http://schemas.openxmlformats.org/markup-compatibility/2006">
-          <mc:Choice xmlns:p14="http://schemas.microsoft.com/office/powerpoint/2010/main" Requires="p14">
+        <mc:AlternateContent xmlns:mc="http://schemas.openxmlformats.org/markup-compatibility/2006" xmlns:p14="http://schemas.microsoft.com/office/powerpoint/2010/main">
+          <mc:Choice Requires="p14">
             <p:contentPart p14:bwMode="auto" r:id="rId145">
               <p14:nvContentPartPr>
                 <p14:cNvPr id="62" name="Ink 61">
@@ -16403,7 +16403,7 @@
               </p14:xfrm>
             </p:contentPart>
           </mc:Choice>
-          <mc:Fallback>
+          <mc:Fallback xmlns="">
             <p:pic>
               <p:nvPicPr>
                 <p:cNvPr id="62" name="Ink 61">
@@ -16434,8 +16434,8 @@
             </p:pic>
           </mc:Fallback>
         </mc:AlternateContent>
-        <mc:AlternateContent xmlns:mc="http://schemas.openxmlformats.org/markup-compatibility/2006">
-          <mc:Choice xmlns:p14="http://schemas.microsoft.com/office/powerpoint/2010/main" Requires="p14">
+        <mc:AlternateContent xmlns:mc="http://schemas.openxmlformats.org/markup-compatibility/2006" xmlns:p14="http://schemas.microsoft.com/office/powerpoint/2010/main">
+          <mc:Choice Requires="p14">
             <p:contentPart p14:bwMode="auto" r:id="rId147">
               <p14:nvContentPartPr>
                 <p14:cNvPr id="63" name="Ink 62">
@@ -16454,7 +16454,7 @@
               </p14:xfrm>
             </p:contentPart>
           </mc:Choice>
-          <mc:Fallback>
+          <mc:Fallback xmlns="">
             <p:pic>
               <p:nvPicPr>
                 <p:cNvPr id="63" name="Ink 62">
@@ -16485,8 +16485,8 @@
             </p:pic>
           </mc:Fallback>
         </mc:AlternateContent>
-        <mc:AlternateContent xmlns:mc="http://schemas.openxmlformats.org/markup-compatibility/2006">
-          <mc:Choice xmlns:p14="http://schemas.microsoft.com/office/powerpoint/2010/main" Requires="p14">
+        <mc:AlternateContent xmlns:mc="http://schemas.openxmlformats.org/markup-compatibility/2006" xmlns:p14="http://schemas.microsoft.com/office/powerpoint/2010/main">
+          <mc:Choice Requires="p14">
             <p:contentPart p14:bwMode="auto" r:id="rId149">
               <p14:nvContentPartPr>
                 <p14:cNvPr id="65" name="Ink 64">
@@ -16505,7 +16505,7 @@
               </p14:xfrm>
             </p:contentPart>
           </mc:Choice>
-          <mc:Fallback>
+          <mc:Fallback xmlns="">
             <p:pic>
               <p:nvPicPr>
                 <p:cNvPr id="65" name="Ink 64">
@@ -16536,8 +16536,8 @@
             </p:pic>
           </mc:Fallback>
         </mc:AlternateContent>
-        <mc:AlternateContent xmlns:mc="http://schemas.openxmlformats.org/markup-compatibility/2006">
-          <mc:Choice xmlns:p14="http://schemas.microsoft.com/office/powerpoint/2010/main" Requires="p14">
+        <mc:AlternateContent xmlns:mc="http://schemas.openxmlformats.org/markup-compatibility/2006" xmlns:p14="http://schemas.microsoft.com/office/powerpoint/2010/main">
+          <mc:Choice Requires="p14">
             <p:contentPart p14:bwMode="auto" r:id="rId151">
               <p14:nvContentPartPr>
                 <p14:cNvPr id="66" name="Ink 65">
@@ -16556,7 +16556,7 @@
               </p14:xfrm>
             </p:contentPart>
           </mc:Choice>
-          <mc:Fallback>
+          <mc:Fallback xmlns="">
             <p:pic>
               <p:nvPicPr>
                 <p:cNvPr id="66" name="Ink 65">
@@ -16587,8 +16587,8 @@
             </p:pic>
           </mc:Fallback>
         </mc:AlternateContent>
-        <mc:AlternateContent xmlns:mc="http://schemas.openxmlformats.org/markup-compatibility/2006">
-          <mc:Choice xmlns:p14="http://schemas.microsoft.com/office/powerpoint/2010/main" Requires="p14">
+        <mc:AlternateContent xmlns:mc="http://schemas.openxmlformats.org/markup-compatibility/2006" xmlns:p14="http://schemas.microsoft.com/office/powerpoint/2010/main">
+          <mc:Choice Requires="p14">
             <p:contentPart p14:bwMode="auto" r:id="rId153">
               <p14:nvContentPartPr>
                 <p14:cNvPr id="92" name="Ink 91">
@@ -16607,7 +16607,7 @@
               </p14:xfrm>
             </p:contentPart>
           </mc:Choice>
-          <mc:Fallback>
+          <mc:Fallback xmlns="">
             <p:pic>
               <p:nvPicPr>
                 <p:cNvPr id="92" name="Ink 91">
@@ -16638,8 +16638,8 @@
             </p:pic>
           </mc:Fallback>
         </mc:AlternateContent>
-        <mc:AlternateContent xmlns:mc="http://schemas.openxmlformats.org/markup-compatibility/2006">
-          <mc:Choice xmlns:p14="http://schemas.microsoft.com/office/powerpoint/2010/main" Requires="p14">
+        <mc:AlternateContent xmlns:mc="http://schemas.openxmlformats.org/markup-compatibility/2006" xmlns:p14="http://schemas.microsoft.com/office/powerpoint/2010/main">
+          <mc:Choice Requires="p14">
             <p:contentPart p14:bwMode="auto" r:id="rId155">
               <p14:nvContentPartPr>
                 <p14:cNvPr id="94" name="Ink 93">
@@ -16658,7 +16658,7 @@
               </p14:xfrm>
             </p:contentPart>
           </mc:Choice>
-          <mc:Fallback>
+          <mc:Fallback xmlns="">
             <p:pic>
               <p:nvPicPr>
                 <p:cNvPr id="94" name="Ink 93">
@@ -16689,8 +16689,8 @@
             </p:pic>
           </mc:Fallback>
         </mc:AlternateContent>
-        <mc:AlternateContent xmlns:mc="http://schemas.openxmlformats.org/markup-compatibility/2006">
-          <mc:Choice xmlns:p14="http://schemas.microsoft.com/office/powerpoint/2010/main" Requires="p14">
+        <mc:AlternateContent xmlns:mc="http://schemas.openxmlformats.org/markup-compatibility/2006" xmlns:p14="http://schemas.microsoft.com/office/powerpoint/2010/main">
+          <mc:Choice Requires="p14">
             <p:contentPart p14:bwMode="auto" r:id="rId157">
               <p14:nvContentPartPr>
                 <p14:cNvPr id="112" name="Ink 111">
@@ -16709,7 +16709,7 @@
               </p14:xfrm>
             </p:contentPart>
           </mc:Choice>
-          <mc:Fallback>
+          <mc:Fallback xmlns="">
             <p:pic>
               <p:nvPicPr>
                 <p:cNvPr id="112" name="Ink 111">
@@ -16740,8 +16740,8 @@
             </p:pic>
           </mc:Fallback>
         </mc:AlternateContent>
-        <mc:AlternateContent xmlns:mc="http://schemas.openxmlformats.org/markup-compatibility/2006">
-          <mc:Choice xmlns:p14="http://schemas.microsoft.com/office/powerpoint/2010/main" Requires="p14">
+        <mc:AlternateContent xmlns:mc="http://schemas.openxmlformats.org/markup-compatibility/2006" xmlns:p14="http://schemas.microsoft.com/office/powerpoint/2010/main">
+          <mc:Choice Requires="p14">
             <p:contentPart p14:bwMode="auto" r:id="rId159">
               <p14:nvContentPartPr>
                 <p14:cNvPr id="114" name="Ink 113">
@@ -16760,7 +16760,7 @@
               </p14:xfrm>
             </p:contentPart>
           </mc:Choice>
-          <mc:Fallback>
+          <mc:Fallback xmlns="">
             <p:pic>
               <p:nvPicPr>
                 <p:cNvPr id="114" name="Ink 113">

--- a/GPREC/02_Motion/Kit2_Motion_Training.pptx
+++ b/GPREC/02_Motion/Kit2_Motion_Training.pptx
@@ -8224,7 +8224,7 @@
         <p:spPr>
           <a:xfrm>
             <a:off x="6211128" y="2426157"/>
-            <a:ext cx="4582768" cy="1200329"/>
+            <a:ext cx="4582768" cy="2031325"/>
           </a:xfrm>
           <a:prstGeom prst="rect">
             <a:avLst/>
@@ -8238,10 +8238,23 @@
           <a:lstStyle/>
           <a:p>
             <a:r>
+              <a:rPr lang="en-GB" b="1" dirty="0">
+                <a:hlinkClick r:id="rId2"/>
+              </a:rPr>
+              <a:t>GitHub</a:t>
+            </a:r>
+          </a:p>
+          <a:p>
+            <a:endParaRPr lang="en-GB" dirty="0">
+              <a:hlinkClick r:id="rId2"/>
+            </a:endParaRPr>
+          </a:p>
+          <a:p>
+            <a:r>
               <a:rPr lang="en-GB" dirty="0">
                 <a:hlinkClick r:id="rId2"/>
               </a:rPr>
-              <a:t>https://github.com/info-zas/zas-robotics-motion/blob/main/04_BasicFunctionalTests/00_BasicTests/02_DC_Encoder_Motor_Basic.ino</a:t>
+              <a:t>https://github.com/info-zas/Training/tree/main/GPREC/02_Motion/01_MotionCode/01_Motion_Kit_Encoder_Motor_As_A_DC_Motor</a:t>
             </a:r>
             <a:endParaRPr lang="en-GB" dirty="0"/>
           </a:p>
@@ -8664,8 +8677,8 @@
         </p:nvSpPr>
         <p:spPr>
           <a:xfrm>
-            <a:off x="219904" y="5569545"/>
-            <a:ext cx="6097656" cy="923330"/>
+            <a:off x="48553" y="5484960"/>
+            <a:ext cx="6097656" cy="1200329"/>
           </a:xfrm>
           <a:prstGeom prst="rect">
             <a:avLst/>
@@ -8679,10 +8692,21 @@
           <a:lstStyle/>
           <a:p>
             <a:r>
+              <a:rPr lang="en-GB" b="1" dirty="0">
+                <a:hlinkClick r:id="rId3"/>
+              </a:rPr>
+              <a:t>GitHub</a:t>
+            </a:r>
+            <a:endParaRPr lang="en-GB" dirty="0">
+              <a:hlinkClick r:id="rId3"/>
+            </a:endParaRPr>
+          </a:p>
+          <a:p>
+            <a:r>
               <a:rPr lang="en-GB" dirty="0">
                 <a:hlinkClick r:id="rId3"/>
               </a:rPr>
-              <a:t>https://github.com/info-zas/zas-robotics-motion/blob/main/04_BasicFunctionalTests/00_BasicTests/02_DC_Encoder_Motor_Basic.ino</a:t>
+              <a:t>https://github.com/info-zas/Training/tree/main/GPREC/02_Motion/01_MotionCode/01_Motion_Kit_Encoder_Motor_As_A_DC_Motor</a:t>
             </a:r>
             <a:endParaRPr lang="en-GB" dirty="0"/>
           </a:p>
@@ -10112,7 +10136,7 @@
         <p:spPr>
           <a:xfrm>
             <a:off x="203753" y="3153404"/>
-            <a:ext cx="6097656" cy="1200329"/>
+            <a:ext cx="6097656" cy="1754326"/>
           </a:xfrm>
           <a:prstGeom prst="rect">
             <a:avLst/>
@@ -10126,10 +10150,23 @@
           <a:lstStyle/>
           <a:p>
             <a:r>
+              <a:rPr lang="en-GB" b="1" dirty="0">
+                <a:hlinkClick r:id="rId2"/>
+              </a:rPr>
+              <a:t>GitHub:</a:t>
+            </a:r>
+          </a:p>
+          <a:p>
+            <a:endParaRPr lang="en-GB" dirty="0">
+              <a:hlinkClick r:id="rId2"/>
+            </a:endParaRPr>
+          </a:p>
+          <a:p>
+            <a:r>
               <a:rPr lang="en-GB" dirty="0">
                 <a:hlinkClick r:id="rId2"/>
               </a:rPr>
-              <a:t>https://github.com/info-zas/zas-robotics-motion/blob/main/04_BasicFunctionalTests/00_BasicTests/08_Stepper_Motor_Control.ino</a:t>
+              <a:t>https://github.com/info-zas/Training/tree/main/GPREC/02_Motion/01_MotionCode/02_Motion_Kit_Stepper_Motor</a:t>
             </a:r>
             <a:endParaRPr lang="en-GB" dirty="0"/>
           </a:p>
@@ -10715,8 +10752,8 @@
         </p:nvSpPr>
         <p:spPr>
           <a:xfrm>
-            <a:off x="201227" y="6031210"/>
-            <a:ext cx="6097656" cy="1200329"/>
+            <a:off x="201227" y="5911116"/>
+            <a:ext cx="6097656" cy="923330"/>
           </a:xfrm>
           <a:prstGeom prst="rect">
             <a:avLst/>
@@ -10733,11 +10770,8 @@
               <a:rPr lang="en-GB" dirty="0">
                 <a:hlinkClick r:id="rId3"/>
               </a:rPr>
-              <a:t>https://github.com/info-zas/zas-robotics-motion/blob/main/04_BasicFunctionalTests/00_BasicTests/06_EncoderTicksByHand.ino</a:t>
-            </a:r>
-            <a:endParaRPr lang="en-GB" dirty="0"/>
-          </a:p>
-          <a:p>
+              <a:t>https://github.com/info-zas/Training/tree/main/GPREC/02_Motion/01_MotionCode/03_Motion_Kit_Encoder_Ticks_By_Hand</a:t>
+            </a:r>
             <a:endParaRPr lang="en-GB" dirty="0"/>
           </a:p>
         </p:txBody>
@@ -10834,8 +10868,8 @@
         </p:blipFill>
         <p:spPr>
           <a:xfrm>
-            <a:off x="6169392" y="1582186"/>
-            <a:ext cx="4885191" cy="4769167"/>
+            <a:off x="6169393" y="1582187"/>
+            <a:ext cx="4378314" cy="4274328"/>
           </a:xfrm>
           <a:prstGeom prst="rect">
             <a:avLst/>
@@ -11141,8 +11175,8 @@
         </p:nvSpPr>
         <p:spPr>
           <a:xfrm>
-            <a:off x="6096000" y="6220823"/>
-            <a:ext cx="6097656" cy="1200329"/>
+            <a:off x="5936147" y="5856515"/>
+            <a:ext cx="6097656" cy="923330"/>
           </a:xfrm>
           <a:prstGeom prst="rect">
             <a:avLst/>
@@ -11159,11 +11193,8 @@
               <a:rPr lang="en-GB" dirty="0">
                 <a:hlinkClick r:id="rId3"/>
               </a:rPr>
-              <a:t>https://github.com/info-zas/zas-robotics-motion/blob/main/04_BasicFunctionalTests/00_BasicTests/07_EncoderMotor_Target_Ticks_PID_Controller.ino</a:t>
-            </a:r>
-            <a:endParaRPr lang="en-GB" dirty="0"/>
-          </a:p>
-          <a:p>
+              <a:t>https://github.com/info-zas/Training/tree/main/GPREC/02_Motion/01_MotionCode/04_Motion_Kit_Encoder_Target_Ticks_PID</a:t>
+            </a:r>
             <a:endParaRPr lang="en-GB" dirty="0"/>
           </a:p>
         </p:txBody>

--- a/GPREC/02_Motion/Kit2_Motion_Training.pptx
+++ b/GPREC/02_Motion/Kit2_Motion_Training.pptx
@@ -5,9 +5,12 @@
     <p:sldMasterId id="2147483648" r:id="rId1"/>
     <p:sldMasterId id="2147483660" r:id="rId2"/>
   </p:sldMasterIdLst>
+  <p:notesMasterIdLst>
+    <p:notesMasterId r:id="rId24"/>
+  </p:notesMasterIdLst>
   <p:sldIdLst>
     <p:sldId id="256" r:id="rId3"/>
-    <p:sldId id="264" r:id="rId4"/>
+    <p:sldId id="565" r:id="rId4"/>
     <p:sldId id="561" r:id="rId5"/>
     <p:sldId id="562" r:id="rId6"/>
     <p:sldId id="558" r:id="rId7"/>
@@ -24,8 +27,9 @@
     <p:sldId id="553" r:id="rId18"/>
     <p:sldId id="564" r:id="rId19"/>
     <p:sldId id="539" r:id="rId20"/>
-    <p:sldId id="540" r:id="rId21"/>
-    <p:sldId id="478" r:id="rId22"/>
+    <p:sldId id="566" r:id="rId21"/>
+    <p:sldId id="540" r:id="rId22"/>
+    <p:sldId id="478" r:id="rId23"/>
   </p:sldIdLst>
   <p:sldSz cx="12192000" cy="6858000"/>
   <p:notesSz cx="6858000" cy="9144000"/>
@@ -1616,6 +1620,356 @@
 </inkml:ink>
 </file>
 
+<file path=ppt/notesMasters/notesMaster1.xml><?xml version="1.0" encoding="utf-8"?>
+<p:notesMaster xmlns:a="http://schemas.openxmlformats.org/drawingml/2006/main" xmlns:r="http://schemas.openxmlformats.org/officeDocument/2006/relationships" xmlns:p="http://schemas.openxmlformats.org/presentationml/2006/main">
+  <p:cSld>
+    <p:bg>
+      <p:bgRef idx="1001">
+        <a:schemeClr val="bg1"/>
+      </p:bgRef>
+    </p:bg>
+    <p:spTree>
+      <p:nvGrpSpPr>
+        <p:cNvPr id="1" name=""/>
+        <p:cNvGrpSpPr/>
+        <p:nvPr/>
+      </p:nvGrpSpPr>
+      <p:grpSpPr>
+        <a:xfrm>
+          <a:off x="0" y="0"/>
+          <a:ext cx="0" cy="0"/>
+          <a:chOff x="0" y="0"/>
+          <a:chExt cx="0" cy="0"/>
+        </a:xfrm>
+      </p:grpSpPr>
+      <p:sp>
+        <p:nvSpPr>
+          <p:cNvPr id="2" name="Header Placeholder 1"/>
+          <p:cNvSpPr>
+            <a:spLocks noGrp="1"/>
+          </p:cNvSpPr>
+          <p:nvPr>
+            <p:ph type="hdr" sz="quarter"/>
+          </p:nvPr>
+        </p:nvSpPr>
+        <p:spPr>
+          <a:xfrm>
+            <a:off x="0" y="0"/>
+            <a:ext cx="2971800" cy="458788"/>
+          </a:xfrm>
+          <a:prstGeom prst="rect">
+            <a:avLst/>
+          </a:prstGeom>
+        </p:spPr>
+        <p:txBody>
+          <a:bodyPr vert="horz" lIns="91440" tIns="45720" rIns="91440" bIns="45720" rtlCol="0"/>
+          <a:lstStyle>
+            <a:lvl1pPr algn="l">
+              <a:defRPr sz="1200"/>
+            </a:lvl1pPr>
+          </a:lstStyle>
+          <a:p>
+            <a:endParaRPr lang="en-GB"/>
+          </a:p>
+        </p:txBody>
+      </p:sp>
+      <p:sp>
+        <p:nvSpPr>
+          <p:cNvPr id="3" name="Date Placeholder 2"/>
+          <p:cNvSpPr>
+            <a:spLocks noGrp="1"/>
+          </p:cNvSpPr>
+          <p:nvPr>
+            <p:ph type="dt" idx="1"/>
+          </p:nvPr>
+        </p:nvSpPr>
+        <p:spPr>
+          <a:xfrm>
+            <a:off x="3884613" y="0"/>
+            <a:ext cx="2971800" cy="458788"/>
+          </a:xfrm>
+          <a:prstGeom prst="rect">
+            <a:avLst/>
+          </a:prstGeom>
+        </p:spPr>
+        <p:txBody>
+          <a:bodyPr vert="horz" lIns="91440" tIns="45720" rIns="91440" bIns="45720" rtlCol="0"/>
+          <a:lstStyle>
+            <a:lvl1pPr algn="r">
+              <a:defRPr sz="1200"/>
+            </a:lvl1pPr>
+          </a:lstStyle>
+          <a:p>
+            <a:fld id="{878FA460-282B-451B-8391-22D334DB77DE}" type="datetimeFigureOut">
+              <a:rPr lang="en-GB" smtClean="0"/>
+              <a:t>01/12/2025</a:t>
+            </a:fld>
+            <a:endParaRPr lang="en-GB"/>
+          </a:p>
+        </p:txBody>
+      </p:sp>
+      <p:sp>
+        <p:nvSpPr>
+          <p:cNvPr id="4" name="Slide Image Placeholder 3"/>
+          <p:cNvSpPr>
+            <a:spLocks noGrp="1" noRot="1" noChangeAspect="1"/>
+          </p:cNvSpPr>
+          <p:nvPr>
+            <p:ph type="sldImg" idx="2"/>
+          </p:nvPr>
+        </p:nvSpPr>
+        <p:spPr>
+          <a:xfrm>
+            <a:off x="685800" y="1143000"/>
+            <a:ext cx="5486400" cy="3086100"/>
+          </a:xfrm>
+          <a:prstGeom prst="rect">
+            <a:avLst/>
+          </a:prstGeom>
+          <a:noFill/>
+          <a:ln w="12700">
+            <a:solidFill>
+              <a:prstClr val="black"/>
+            </a:solidFill>
+          </a:ln>
+        </p:spPr>
+        <p:txBody>
+          <a:bodyPr vert="horz" lIns="91440" tIns="45720" rIns="91440" bIns="45720" rtlCol="0" anchor="ctr"/>
+          <a:lstStyle/>
+          <a:p>
+            <a:endParaRPr lang="en-GB"/>
+          </a:p>
+        </p:txBody>
+      </p:sp>
+      <p:sp>
+        <p:nvSpPr>
+          <p:cNvPr id="5" name="Notes Placeholder 4"/>
+          <p:cNvSpPr>
+            <a:spLocks noGrp="1"/>
+          </p:cNvSpPr>
+          <p:nvPr>
+            <p:ph type="body" sz="quarter" idx="3"/>
+          </p:nvPr>
+        </p:nvSpPr>
+        <p:spPr>
+          <a:xfrm>
+            <a:off x="685800" y="4400550"/>
+            <a:ext cx="5486400" cy="3600450"/>
+          </a:xfrm>
+          <a:prstGeom prst="rect">
+            <a:avLst/>
+          </a:prstGeom>
+        </p:spPr>
+        <p:txBody>
+          <a:bodyPr vert="horz" lIns="91440" tIns="45720" rIns="91440" bIns="45720" rtlCol="0"/>
+          <a:lstStyle/>
+          <a:p>
+            <a:pPr lvl="0"/>
+            <a:r>
+              <a:rPr lang="en-US"/>
+              <a:t>Click to edit Master text styles</a:t>
+            </a:r>
+          </a:p>
+          <a:p>
+            <a:pPr lvl="1"/>
+            <a:r>
+              <a:rPr lang="en-US"/>
+              <a:t>Second level</a:t>
+            </a:r>
+          </a:p>
+          <a:p>
+            <a:pPr lvl="2"/>
+            <a:r>
+              <a:rPr lang="en-US"/>
+              <a:t>Third level</a:t>
+            </a:r>
+          </a:p>
+          <a:p>
+            <a:pPr lvl="3"/>
+            <a:r>
+              <a:rPr lang="en-US"/>
+              <a:t>Fourth level</a:t>
+            </a:r>
+          </a:p>
+          <a:p>
+            <a:pPr lvl="4"/>
+            <a:r>
+              <a:rPr lang="en-US"/>
+              <a:t>Fifth level</a:t>
+            </a:r>
+            <a:endParaRPr lang="en-GB"/>
+          </a:p>
+        </p:txBody>
+      </p:sp>
+      <p:sp>
+        <p:nvSpPr>
+          <p:cNvPr id="6" name="Footer Placeholder 5"/>
+          <p:cNvSpPr>
+            <a:spLocks noGrp="1"/>
+          </p:cNvSpPr>
+          <p:nvPr>
+            <p:ph type="ftr" sz="quarter" idx="4"/>
+          </p:nvPr>
+        </p:nvSpPr>
+        <p:spPr>
+          <a:xfrm>
+            <a:off x="0" y="8685213"/>
+            <a:ext cx="2971800" cy="458787"/>
+          </a:xfrm>
+          <a:prstGeom prst="rect">
+            <a:avLst/>
+          </a:prstGeom>
+        </p:spPr>
+        <p:txBody>
+          <a:bodyPr vert="horz" lIns="91440" tIns="45720" rIns="91440" bIns="45720" rtlCol="0" anchor="b"/>
+          <a:lstStyle>
+            <a:lvl1pPr algn="l">
+              <a:defRPr sz="1200"/>
+            </a:lvl1pPr>
+          </a:lstStyle>
+          <a:p>
+            <a:endParaRPr lang="en-GB"/>
+          </a:p>
+        </p:txBody>
+      </p:sp>
+      <p:sp>
+        <p:nvSpPr>
+          <p:cNvPr id="7" name="Slide Number Placeholder 6"/>
+          <p:cNvSpPr>
+            <a:spLocks noGrp="1"/>
+          </p:cNvSpPr>
+          <p:nvPr>
+            <p:ph type="sldNum" sz="quarter" idx="5"/>
+          </p:nvPr>
+        </p:nvSpPr>
+        <p:spPr>
+          <a:xfrm>
+            <a:off x="3884613" y="8685213"/>
+            <a:ext cx="2971800" cy="458787"/>
+          </a:xfrm>
+          <a:prstGeom prst="rect">
+            <a:avLst/>
+          </a:prstGeom>
+        </p:spPr>
+        <p:txBody>
+          <a:bodyPr vert="horz" lIns="91440" tIns="45720" rIns="91440" bIns="45720" rtlCol="0" anchor="b"/>
+          <a:lstStyle>
+            <a:lvl1pPr algn="r">
+              <a:defRPr sz="1200"/>
+            </a:lvl1pPr>
+          </a:lstStyle>
+          <a:p>
+            <a:fld id="{72C92BCE-8039-47B1-93D6-183E3A3A38BF}" type="slidenum">
+              <a:rPr lang="en-GB" smtClean="0"/>
+              <a:t>‹#›</a:t>
+            </a:fld>
+            <a:endParaRPr lang="en-GB"/>
+          </a:p>
+        </p:txBody>
+      </p:sp>
+    </p:spTree>
+    <p:extLst>
+      <p:ext uri="{BB962C8B-B14F-4D97-AF65-F5344CB8AC3E}">
+        <p14:creationId xmlns:p14="http://schemas.microsoft.com/office/powerpoint/2010/main" val="3208432957"/>
+      </p:ext>
+    </p:extLst>
+  </p:cSld>
+  <p:clrMap bg1="lt1" tx1="dk1" bg2="lt2" tx2="dk2" accent1="accent1" accent2="accent2" accent3="accent3" accent4="accent4" accent5="accent5" accent6="accent6" hlink="hlink" folHlink="folHlink"/>
+  <p:notesStyle>
+    <a:lvl1pPr marL="0" algn="l" defTabSz="914400" rtl="0" eaLnBrk="1" latinLnBrk="0" hangingPunct="1">
+      <a:defRPr sz="1200" kern="1200">
+        <a:solidFill>
+          <a:schemeClr val="tx1"/>
+        </a:solidFill>
+        <a:latin typeface="+mn-lt"/>
+        <a:ea typeface="+mn-ea"/>
+        <a:cs typeface="+mn-cs"/>
+      </a:defRPr>
+    </a:lvl1pPr>
+    <a:lvl2pPr marL="457200" algn="l" defTabSz="914400" rtl="0" eaLnBrk="1" latinLnBrk="0" hangingPunct="1">
+      <a:defRPr sz="1200" kern="1200">
+        <a:solidFill>
+          <a:schemeClr val="tx1"/>
+        </a:solidFill>
+        <a:latin typeface="+mn-lt"/>
+        <a:ea typeface="+mn-ea"/>
+        <a:cs typeface="+mn-cs"/>
+      </a:defRPr>
+    </a:lvl2pPr>
+    <a:lvl3pPr marL="914400" algn="l" defTabSz="914400" rtl="0" eaLnBrk="1" latinLnBrk="0" hangingPunct="1">
+      <a:defRPr sz="1200" kern="1200">
+        <a:solidFill>
+          <a:schemeClr val="tx1"/>
+        </a:solidFill>
+        <a:latin typeface="+mn-lt"/>
+        <a:ea typeface="+mn-ea"/>
+        <a:cs typeface="+mn-cs"/>
+      </a:defRPr>
+    </a:lvl3pPr>
+    <a:lvl4pPr marL="1371600" algn="l" defTabSz="914400" rtl="0" eaLnBrk="1" latinLnBrk="0" hangingPunct="1">
+      <a:defRPr sz="1200" kern="1200">
+        <a:solidFill>
+          <a:schemeClr val="tx1"/>
+        </a:solidFill>
+        <a:latin typeface="+mn-lt"/>
+        <a:ea typeface="+mn-ea"/>
+        <a:cs typeface="+mn-cs"/>
+      </a:defRPr>
+    </a:lvl4pPr>
+    <a:lvl5pPr marL="1828800" algn="l" defTabSz="914400" rtl="0" eaLnBrk="1" latinLnBrk="0" hangingPunct="1">
+      <a:defRPr sz="1200" kern="1200">
+        <a:solidFill>
+          <a:schemeClr val="tx1"/>
+        </a:solidFill>
+        <a:latin typeface="+mn-lt"/>
+        <a:ea typeface="+mn-ea"/>
+        <a:cs typeface="+mn-cs"/>
+      </a:defRPr>
+    </a:lvl5pPr>
+    <a:lvl6pPr marL="2286000" algn="l" defTabSz="914400" rtl="0" eaLnBrk="1" latinLnBrk="0" hangingPunct="1">
+      <a:defRPr sz="1200" kern="1200">
+        <a:solidFill>
+          <a:schemeClr val="tx1"/>
+        </a:solidFill>
+        <a:latin typeface="+mn-lt"/>
+        <a:ea typeface="+mn-ea"/>
+        <a:cs typeface="+mn-cs"/>
+      </a:defRPr>
+    </a:lvl6pPr>
+    <a:lvl7pPr marL="2743200" algn="l" defTabSz="914400" rtl="0" eaLnBrk="1" latinLnBrk="0" hangingPunct="1">
+      <a:defRPr sz="1200" kern="1200">
+        <a:solidFill>
+          <a:schemeClr val="tx1"/>
+        </a:solidFill>
+        <a:latin typeface="+mn-lt"/>
+        <a:ea typeface="+mn-ea"/>
+        <a:cs typeface="+mn-cs"/>
+      </a:defRPr>
+    </a:lvl7pPr>
+    <a:lvl8pPr marL="3200400" algn="l" defTabSz="914400" rtl="0" eaLnBrk="1" latinLnBrk="0" hangingPunct="1">
+      <a:defRPr sz="1200" kern="1200">
+        <a:solidFill>
+          <a:schemeClr val="tx1"/>
+        </a:solidFill>
+        <a:latin typeface="+mn-lt"/>
+        <a:ea typeface="+mn-ea"/>
+        <a:cs typeface="+mn-cs"/>
+      </a:defRPr>
+    </a:lvl8pPr>
+    <a:lvl9pPr marL="3657600" algn="l" defTabSz="914400" rtl="0" eaLnBrk="1" latinLnBrk="0" hangingPunct="1">
+      <a:defRPr sz="1200" kern="1200">
+        <a:solidFill>
+          <a:schemeClr val="tx1"/>
+        </a:solidFill>
+        <a:latin typeface="+mn-lt"/>
+        <a:ea typeface="+mn-ea"/>
+        <a:cs typeface="+mn-cs"/>
+      </a:defRPr>
+    </a:lvl9pPr>
+  </p:notesStyle>
+</p:notesMaster>
+</file>
+
 <file path=ppt/slideLayouts/slideLayout1.xml><?xml version="1.0" encoding="utf-8"?>
 <p:sldLayout xmlns:a="http://schemas.openxmlformats.org/drawingml/2006/main" xmlns:r="http://schemas.openxmlformats.org/officeDocument/2006/relationships" xmlns:p="http://schemas.openxmlformats.org/presentationml/2006/main" type="title" preserve="1">
   <p:cSld name="Title Slide">
@@ -1763,11 +2117,10 @@
           <a:bodyPr/>
           <a:lstStyle/>
           <a:p>
-            <a:fld id="{A5593103-930B-4864-A0CC-E5CD95E9581E}" type="datetimeFigureOut">
-              <a:rPr lang="en-GB" smtClean="0"/>
-              <a:t>24/11/2025</a:t>
-            </a:fld>
-            <a:endParaRPr lang="en-GB"/>
+            <a:r>
+              <a:rPr lang="en-GB"/>
+              <a:t>06/12/2025</a:t>
+            </a:r>
           </a:p>
         </p:txBody>
       </p:sp>
@@ -1963,11 +2316,10 @@
           <a:bodyPr/>
           <a:lstStyle/>
           <a:p>
-            <a:fld id="{A5593103-930B-4864-A0CC-E5CD95E9581E}" type="datetimeFigureOut">
-              <a:rPr lang="en-GB" smtClean="0"/>
-              <a:t>24/11/2025</a:t>
-            </a:fld>
-            <a:endParaRPr lang="en-GB"/>
+            <a:r>
+              <a:rPr lang="en-GB"/>
+              <a:t>06/12/2025</a:t>
+            </a:r>
           </a:p>
         </p:txBody>
       </p:sp>
@@ -2173,11 +2525,10 @@
           <a:bodyPr/>
           <a:lstStyle/>
           <a:p>
-            <a:fld id="{A5593103-930B-4864-A0CC-E5CD95E9581E}" type="datetimeFigureOut">
-              <a:rPr lang="en-GB" smtClean="0"/>
-              <a:t>24/11/2025</a:t>
-            </a:fld>
-            <a:endParaRPr lang="en-GB"/>
+            <a:r>
+              <a:rPr lang="en-GB"/>
+              <a:t>06/12/2025</a:t>
+            </a:r>
           </a:p>
         </p:txBody>
       </p:sp>
@@ -2395,11 +2746,10 @@
           <a:bodyPr/>
           <a:lstStyle/>
           <a:p>
-            <a:fld id="{A1D51BA1-F58B-40DF-9C13-73BC69DE2A80}" type="datetimeFigureOut">
-              <a:rPr lang="en-GB" smtClean="0"/>
-              <a:t>24/11/2025</a:t>
-            </a:fld>
-            <a:endParaRPr lang="en-GB"/>
+            <a:r>
+              <a:rPr lang="en-GB"/>
+              <a:t>06/12/2025</a:t>
+            </a:r>
           </a:p>
         </p:txBody>
       </p:sp>
@@ -2595,11 +2945,10 @@
           <a:bodyPr/>
           <a:lstStyle/>
           <a:p>
-            <a:fld id="{A1D51BA1-F58B-40DF-9C13-73BC69DE2A80}" type="datetimeFigureOut">
-              <a:rPr lang="en-GB" smtClean="0"/>
-              <a:t>24/11/2025</a:t>
-            </a:fld>
-            <a:endParaRPr lang="en-GB"/>
+            <a:r>
+              <a:rPr lang="en-GB"/>
+              <a:t>06/12/2025</a:t>
+            </a:r>
           </a:p>
         </p:txBody>
       </p:sp>
@@ -2871,11 +3220,10 @@
           <a:bodyPr/>
           <a:lstStyle/>
           <a:p>
-            <a:fld id="{A1D51BA1-F58B-40DF-9C13-73BC69DE2A80}" type="datetimeFigureOut">
-              <a:rPr lang="en-GB" smtClean="0"/>
-              <a:t>24/11/2025</a:t>
-            </a:fld>
-            <a:endParaRPr lang="en-GB"/>
+            <a:r>
+              <a:rPr lang="en-GB"/>
+              <a:t>06/12/2025</a:t>
+            </a:r>
           </a:p>
         </p:txBody>
       </p:sp>
@@ -3139,11 +3487,10 @@
           <a:bodyPr/>
           <a:lstStyle/>
           <a:p>
-            <a:fld id="{A1D51BA1-F58B-40DF-9C13-73BC69DE2A80}" type="datetimeFigureOut">
-              <a:rPr lang="en-GB" smtClean="0"/>
-              <a:t>24/11/2025</a:t>
-            </a:fld>
-            <a:endParaRPr lang="en-GB"/>
+            <a:r>
+              <a:rPr lang="en-GB"/>
+              <a:t>06/12/2025</a:t>
+            </a:r>
           </a:p>
         </p:txBody>
       </p:sp>
@@ -3554,11 +3901,10 @@
           <a:bodyPr/>
           <a:lstStyle/>
           <a:p>
-            <a:fld id="{A1D51BA1-F58B-40DF-9C13-73BC69DE2A80}" type="datetimeFigureOut">
-              <a:rPr lang="en-GB" smtClean="0"/>
-              <a:t>24/11/2025</a:t>
-            </a:fld>
-            <a:endParaRPr lang="en-GB"/>
+            <a:r>
+              <a:rPr lang="en-GB"/>
+              <a:t>06/12/2025</a:t>
+            </a:r>
           </a:p>
         </p:txBody>
       </p:sp>
@@ -3696,11 +4042,10 @@
           <a:bodyPr/>
           <a:lstStyle/>
           <a:p>
-            <a:fld id="{A1D51BA1-F58B-40DF-9C13-73BC69DE2A80}" type="datetimeFigureOut">
-              <a:rPr lang="en-GB" smtClean="0"/>
-              <a:t>24/11/2025</a:t>
-            </a:fld>
-            <a:endParaRPr lang="en-GB"/>
+            <a:r>
+              <a:rPr lang="en-GB"/>
+              <a:t>06/12/2025</a:t>
+            </a:r>
           </a:p>
         </p:txBody>
       </p:sp>
@@ -3809,11 +4154,10 @@
           <a:bodyPr/>
           <a:lstStyle/>
           <a:p>
-            <a:fld id="{A1D51BA1-F58B-40DF-9C13-73BC69DE2A80}" type="datetimeFigureOut">
-              <a:rPr lang="en-GB" smtClean="0"/>
-              <a:t>24/11/2025</a:t>
-            </a:fld>
-            <a:endParaRPr lang="en-GB"/>
+            <a:r>
+              <a:rPr lang="en-GB"/>
+              <a:t>06/12/2025</a:t>
+            </a:r>
           </a:p>
         </p:txBody>
       </p:sp>
@@ -4122,11 +4466,10 @@
           <a:bodyPr/>
           <a:lstStyle/>
           <a:p>
-            <a:fld id="{A1D51BA1-F58B-40DF-9C13-73BC69DE2A80}" type="datetimeFigureOut">
-              <a:rPr lang="en-GB" smtClean="0"/>
-              <a:t>24/11/2025</a:t>
-            </a:fld>
-            <a:endParaRPr lang="en-GB"/>
+            <a:r>
+              <a:rPr lang="en-GB"/>
+              <a:t>06/12/2025</a:t>
+            </a:r>
           </a:p>
         </p:txBody>
       </p:sp>
@@ -4322,11 +4665,10 @@
           <a:bodyPr/>
           <a:lstStyle/>
           <a:p>
-            <a:fld id="{A5593103-930B-4864-A0CC-E5CD95E9581E}" type="datetimeFigureOut">
-              <a:rPr lang="en-GB" smtClean="0"/>
-              <a:t>24/11/2025</a:t>
-            </a:fld>
-            <a:endParaRPr lang="en-GB"/>
+            <a:r>
+              <a:rPr lang="en-GB"/>
+              <a:t>06/12/2025</a:t>
+            </a:r>
           </a:p>
         </p:txBody>
       </p:sp>
@@ -4611,11 +4953,10 @@
           <a:bodyPr/>
           <a:lstStyle/>
           <a:p>
-            <a:fld id="{A1D51BA1-F58B-40DF-9C13-73BC69DE2A80}" type="datetimeFigureOut">
-              <a:rPr lang="en-GB" smtClean="0"/>
-              <a:t>24/11/2025</a:t>
-            </a:fld>
-            <a:endParaRPr lang="en-GB"/>
+            <a:r>
+              <a:rPr lang="en-GB"/>
+              <a:t>06/12/2025</a:t>
+            </a:r>
           </a:p>
         </p:txBody>
       </p:sp>
@@ -4811,11 +5152,10 @@
           <a:bodyPr/>
           <a:lstStyle/>
           <a:p>
-            <a:fld id="{A1D51BA1-F58B-40DF-9C13-73BC69DE2A80}" type="datetimeFigureOut">
-              <a:rPr lang="en-GB" smtClean="0"/>
-              <a:t>24/11/2025</a:t>
-            </a:fld>
-            <a:endParaRPr lang="en-GB"/>
+            <a:r>
+              <a:rPr lang="en-GB"/>
+              <a:t>06/12/2025</a:t>
+            </a:r>
           </a:p>
         </p:txBody>
       </p:sp>
@@ -5021,11 +5361,10 @@
           <a:bodyPr/>
           <a:lstStyle/>
           <a:p>
-            <a:fld id="{A1D51BA1-F58B-40DF-9C13-73BC69DE2A80}" type="datetimeFigureOut">
-              <a:rPr lang="en-GB" smtClean="0"/>
-              <a:t>24/11/2025</a:t>
-            </a:fld>
-            <a:endParaRPr lang="en-GB"/>
+            <a:r>
+              <a:rPr lang="en-GB"/>
+              <a:t>06/12/2025</a:t>
+            </a:r>
           </a:p>
         </p:txBody>
       </p:sp>
@@ -5297,11 +5636,10 @@
           <a:bodyPr/>
           <a:lstStyle/>
           <a:p>
-            <a:fld id="{A5593103-930B-4864-A0CC-E5CD95E9581E}" type="datetimeFigureOut">
-              <a:rPr lang="en-GB" smtClean="0"/>
-              <a:t>24/11/2025</a:t>
-            </a:fld>
-            <a:endParaRPr lang="en-GB"/>
+            <a:r>
+              <a:rPr lang="en-GB"/>
+              <a:t>06/12/2025</a:t>
+            </a:r>
           </a:p>
         </p:txBody>
       </p:sp>
@@ -5565,11 +5903,10 @@
           <a:bodyPr/>
           <a:lstStyle/>
           <a:p>
-            <a:fld id="{A5593103-930B-4864-A0CC-E5CD95E9581E}" type="datetimeFigureOut">
-              <a:rPr lang="en-GB" smtClean="0"/>
-              <a:t>24/11/2025</a:t>
-            </a:fld>
-            <a:endParaRPr lang="en-GB"/>
+            <a:r>
+              <a:rPr lang="en-GB"/>
+              <a:t>06/12/2025</a:t>
+            </a:r>
           </a:p>
         </p:txBody>
       </p:sp>
@@ -5980,11 +6317,10 @@
           <a:bodyPr/>
           <a:lstStyle/>
           <a:p>
-            <a:fld id="{A5593103-930B-4864-A0CC-E5CD95E9581E}" type="datetimeFigureOut">
-              <a:rPr lang="en-GB" smtClean="0"/>
-              <a:t>24/11/2025</a:t>
-            </a:fld>
-            <a:endParaRPr lang="en-GB"/>
+            <a:r>
+              <a:rPr lang="en-GB"/>
+              <a:t>06/12/2025</a:t>
+            </a:r>
           </a:p>
         </p:txBody>
       </p:sp>
@@ -6122,11 +6458,10 @@
           <a:bodyPr/>
           <a:lstStyle/>
           <a:p>
-            <a:fld id="{A5593103-930B-4864-A0CC-E5CD95E9581E}" type="datetimeFigureOut">
-              <a:rPr lang="en-GB" smtClean="0"/>
-              <a:t>24/11/2025</a:t>
-            </a:fld>
-            <a:endParaRPr lang="en-GB"/>
+            <a:r>
+              <a:rPr lang="en-GB"/>
+              <a:t>06/12/2025</a:t>
+            </a:r>
           </a:p>
         </p:txBody>
       </p:sp>
@@ -6235,11 +6570,10 @@
           <a:bodyPr/>
           <a:lstStyle/>
           <a:p>
-            <a:fld id="{A5593103-930B-4864-A0CC-E5CD95E9581E}" type="datetimeFigureOut">
-              <a:rPr lang="en-GB" smtClean="0"/>
-              <a:t>24/11/2025</a:t>
-            </a:fld>
-            <a:endParaRPr lang="en-GB"/>
+            <a:r>
+              <a:rPr lang="en-GB"/>
+              <a:t>06/12/2025</a:t>
+            </a:r>
           </a:p>
         </p:txBody>
       </p:sp>
@@ -6548,11 +6882,10 @@
           <a:bodyPr/>
           <a:lstStyle/>
           <a:p>
-            <a:fld id="{A5593103-930B-4864-A0CC-E5CD95E9581E}" type="datetimeFigureOut">
-              <a:rPr lang="en-GB" smtClean="0"/>
-              <a:t>24/11/2025</a:t>
-            </a:fld>
-            <a:endParaRPr lang="en-GB"/>
+            <a:r>
+              <a:rPr lang="en-GB"/>
+              <a:t>06/12/2025</a:t>
+            </a:r>
           </a:p>
         </p:txBody>
       </p:sp>
@@ -6837,11 +7170,10 @@
           <a:bodyPr/>
           <a:lstStyle/>
           <a:p>
-            <a:fld id="{A5593103-930B-4864-A0CC-E5CD95E9581E}" type="datetimeFigureOut">
-              <a:rPr lang="en-GB" smtClean="0"/>
-              <a:t>24/11/2025</a:t>
-            </a:fld>
-            <a:endParaRPr lang="en-GB"/>
+            <a:r>
+              <a:rPr lang="en-GB"/>
+              <a:t>06/12/2025</a:t>
+            </a:r>
           </a:p>
         </p:txBody>
       </p:sp>
@@ -7080,11 +7412,10 @@
             </a:lvl1pPr>
           </a:lstStyle>
           <a:p>
-            <a:fld id="{A5593103-930B-4864-A0CC-E5CD95E9581E}" type="datetimeFigureOut">
-              <a:rPr lang="en-GB" smtClean="0"/>
-              <a:t>24/11/2025</a:t>
-            </a:fld>
-            <a:endParaRPr lang="en-GB"/>
+            <a:r>
+              <a:rPr lang="en-GB"/>
+              <a:t>06/12/2025</a:t>
+            </a:r>
           </a:p>
         </p:txBody>
       </p:sp>
@@ -7199,6 +7530,7 @@
     <p:sldLayoutId id="2147483658" r:id="rId10"/>
     <p:sldLayoutId id="2147483659" r:id="rId11"/>
   </p:sldLayoutIdLst>
+  <p:hf hdr="0" ftr="0"/>
   <p:txStyles>
     <p:titleStyle>
       <a:lvl1pPr algn="l" defTabSz="914400" rtl="0" eaLnBrk="1" latinLnBrk="0" hangingPunct="1">
@@ -7650,11 +7982,10 @@
             </a:lvl1pPr>
           </a:lstStyle>
           <a:p>
-            <a:fld id="{A1D51BA1-F58B-40DF-9C13-73BC69DE2A80}" type="datetimeFigureOut">
-              <a:rPr lang="en-GB" smtClean="0"/>
-              <a:t>24/11/2025</a:t>
-            </a:fld>
-            <a:endParaRPr lang="en-GB"/>
+            <a:r>
+              <a:rPr lang="en-GB"/>
+              <a:t>06/12/2025</a:t>
+            </a:r>
           </a:p>
         </p:txBody>
       </p:sp>
@@ -7769,6 +8100,7 @@
     <p:sldLayoutId id="2147483670" r:id="rId10"/>
     <p:sldLayoutId id="2147483671" r:id="rId11"/>
   </p:sldLayoutIdLst>
+  <p:hf hdr="0" ftr="0"/>
   <p:txStyles>
     <p:titleStyle>
       <a:lvl1pPr algn="l" defTabSz="914400" rtl="0" eaLnBrk="1" latinLnBrk="0" hangingPunct="1">
@@ -8087,7 +8419,7 @@
         </p:nvSpPr>
         <p:spPr>
           <a:xfrm>
-            <a:off x="1524000" y="2235200"/>
+            <a:off x="1651820" y="1753420"/>
             <a:ext cx="9144000" cy="2387600"/>
           </a:xfrm>
         </p:spPr>
@@ -8096,20 +8428,125 @@
           <a:lstStyle/>
           <a:p>
             <a:r>
-              <a:rPr lang="en-GB" b="1" dirty="0"/>
-              <a:t>ZAS Robotics (Motion Kit)</a:t>
+              <a:rPr lang="en-GB" b="1" dirty="0">
+                <a:solidFill>
+                  <a:srgbClr val="FF3300"/>
+                </a:solidFill>
+              </a:rPr>
+              <a:t> Motion Kit (Kit 2)</a:t>
             </a:r>
             <a:br>
-              <a:rPr lang="en-GB" b="1" dirty="0"/>
+              <a:rPr lang="en-GB" b="1" dirty="0">
+                <a:solidFill>
+                  <a:srgbClr val="FF3300"/>
+                </a:solidFill>
+              </a:rPr>
             </a:br>
             <a:r>
-              <a:rPr lang="en-GB" b="1" dirty="0"/>
-              <a:t>Training</a:t>
+              <a:rPr lang="en-GB" b="1" dirty="0">
+                <a:solidFill>
+                  <a:srgbClr val="0070C0"/>
+                </a:solidFill>
+              </a:rPr>
+              <a:t>ZAS Robotics Training</a:t>
             </a:r>
             <a:endParaRPr lang="en-GB" dirty="0"/>
           </a:p>
         </p:txBody>
       </p:sp>
+      <p:sp>
+        <p:nvSpPr>
+          <p:cNvPr id="3" name="Date Placeholder 2">
+            <a:extLst>
+              <a:ext uri="{FF2B5EF4-FFF2-40B4-BE49-F238E27FC236}">
+                <a16:creationId xmlns:a16="http://schemas.microsoft.com/office/drawing/2014/main" id="{8BBDF5A7-843E-17A5-2A66-4D1637952AB0}"/>
+              </a:ext>
+            </a:extLst>
+          </p:cNvPr>
+          <p:cNvSpPr>
+            <a:spLocks noGrp="1"/>
+          </p:cNvSpPr>
+          <p:nvPr>
+            <p:ph type="dt" sz="half" idx="10"/>
+          </p:nvPr>
+        </p:nvSpPr>
+        <p:spPr/>
+        <p:txBody>
+          <a:bodyPr/>
+          <a:lstStyle/>
+          <a:p>
+            <a:r>
+              <a:rPr lang="en-GB"/>
+              <a:t>06/12/2025</a:t>
+            </a:r>
+          </a:p>
+        </p:txBody>
+      </p:sp>
+      <p:sp>
+        <p:nvSpPr>
+          <p:cNvPr id="4" name="Slide Number Placeholder 3">
+            <a:extLst>
+              <a:ext uri="{FF2B5EF4-FFF2-40B4-BE49-F238E27FC236}">
+                <a16:creationId xmlns:a16="http://schemas.microsoft.com/office/drawing/2014/main" id="{DF5F39DD-0450-C3E1-E3E2-100426AA280D}"/>
+              </a:ext>
+            </a:extLst>
+          </p:cNvPr>
+          <p:cNvSpPr>
+            <a:spLocks noGrp="1"/>
+          </p:cNvSpPr>
+          <p:nvPr>
+            <p:ph type="sldNum" sz="quarter" idx="12"/>
+          </p:nvPr>
+        </p:nvSpPr>
+        <p:spPr/>
+        <p:txBody>
+          <a:bodyPr/>
+          <a:lstStyle/>
+          <a:p>
+            <a:fld id="{C33A2A5D-5A42-4533-ACF4-15D55555B360}" type="slidenum">
+              <a:rPr lang="en-GB" smtClean="0"/>
+              <a:t>1</a:t>
+            </a:fld>
+            <a:endParaRPr lang="en-GB"/>
+          </a:p>
+        </p:txBody>
+      </p:sp>
+      <p:pic>
+        <p:nvPicPr>
+          <p:cNvPr id="5" name="Picture 4">
+            <a:extLst>
+              <a:ext uri="{FF2B5EF4-FFF2-40B4-BE49-F238E27FC236}">
+                <a16:creationId xmlns:a16="http://schemas.microsoft.com/office/drawing/2014/main" id="{92424C22-8EE5-C5DC-8F52-AE2A3ED14634}"/>
+              </a:ext>
+            </a:extLst>
+          </p:cNvPr>
+          <p:cNvPicPr>
+            <a:picLocks noChangeAspect="1"/>
+          </p:cNvPicPr>
+          <p:nvPr/>
+        </p:nvPicPr>
+        <p:blipFill>
+          <a:blip r:embed="rId2" cstate="print">
+            <a:extLst>
+              <a:ext uri="{28A0092B-C50C-407E-A947-70E740481C1C}">
+                <a14:useLocalDpi xmlns:a14="http://schemas.microsoft.com/office/drawing/2010/main" val="0"/>
+              </a:ext>
+            </a:extLst>
+          </a:blip>
+          <a:stretch>
+            <a:fillRect/>
+          </a:stretch>
+        </p:blipFill>
+        <p:spPr bwMode="auto">
+          <a:xfrm>
+            <a:off x="7960718" y="226346"/>
+            <a:ext cx="4042963" cy="1089705"/>
+          </a:xfrm>
+          <a:prstGeom prst="rect">
+            <a:avLst/>
+          </a:prstGeom>
+        </p:spPr>
+      </p:pic>
     </p:spTree>
     <p:extLst>
       <p:ext uri="{BB962C8B-B14F-4D97-AF65-F5344CB8AC3E}">
@@ -8158,14 +8595,43 @@
         </p:nvSpPr>
         <p:spPr/>
         <p:txBody>
-          <a:bodyPr/>
-          <a:lstStyle/>
-          <a:p>
-            <a:r>
-              <a:rPr lang="en-GB" b="1" dirty="0"/>
-              <a:t>DC Motor - Direction Control - with TB6612 Motor Driver</a:t>
-            </a:r>
-            <a:endParaRPr lang="en-GB" dirty="0"/>
+          <a:bodyPr vert="horz" lIns="91440" tIns="45720" rIns="91440" bIns="45720" rtlCol="0" anchor="ctr">
+            <a:normAutofit/>
+          </a:bodyPr>
+          <a:lstStyle/>
+          <a:p>
+            <a:r>
+              <a:rPr lang="en-GB" b="1" dirty="0">
+                <a:solidFill>
+                  <a:srgbClr val="FF3300"/>
+                </a:solidFill>
+                <a:latin typeface="Calibri Light" panose="020F0302020204030204" pitchFamily="34" charset="0"/>
+                <a:ea typeface="Calibri Light" panose="020F0302020204030204" pitchFamily="34" charset="0"/>
+                <a:cs typeface="Calibri Light" panose="020F0302020204030204" pitchFamily="34" charset="0"/>
+              </a:rPr>
+              <a:t>Lab M1: DC Motor</a:t>
+            </a:r>
+            <a:br>
+              <a:rPr lang="en-GB" b="1" dirty="0">
+                <a:solidFill>
+                  <a:srgbClr val="FF3300"/>
+                </a:solidFill>
+                <a:latin typeface="Calibri Light" panose="020F0302020204030204" pitchFamily="34" charset="0"/>
+                <a:ea typeface="Calibri Light" panose="020F0302020204030204" pitchFamily="34" charset="0"/>
+                <a:cs typeface="Calibri Light" panose="020F0302020204030204" pitchFamily="34" charset="0"/>
+              </a:rPr>
+            </a:br>
+            <a:r>
+              <a:rPr lang="en-GB" b="1" dirty="0">
+                <a:solidFill>
+                  <a:srgbClr val="FF3300"/>
+                </a:solidFill>
+                <a:latin typeface="Calibri Light" panose="020F0302020204030204" pitchFamily="34" charset="0"/>
+                <a:ea typeface="Calibri Light" panose="020F0302020204030204" pitchFamily="34" charset="0"/>
+                <a:cs typeface="Calibri Light" panose="020F0302020204030204" pitchFamily="34" charset="0"/>
+              </a:rPr>
+              <a:t>Direction Control - with TB6612 Motor Driver</a:t>
+            </a:r>
           </a:p>
         </p:txBody>
       </p:sp>
@@ -8192,19 +8658,7 @@
           <a:p>
             <a:r>
               <a:rPr lang="en-GB" dirty="0"/>
-              <a:t>Code </a:t>
-            </a:r>
-            <a:r>
-              <a:rPr lang="en-GB" dirty="0">
-                <a:highlight>
-                  <a:srgbClr val="FFFF00"/>
-                </a:highlight>
-              </a:rPr>
-              <a:t>X</a:t>
-            </a:r>
-            <a:r>
-              <a:rPr lang="en-GB" dirty="0"/>
-              <a:t>  for the breadboard</a:t>
+              <a:t>Lab M1 Code for the breadboard</a:t>
             </a:r>
           </a:p>
         </p:txBody>
@@ -8223,32 +8677,26 @@
         </p:nvSpPr>
         <p:spPr>
           <a:xfrm>
-            <a:off x="6211128" y="2426157"/>
-            <a:ext cx="4582768" cy="2031325"/>
+            <a:off x="6223137" y="4683165"/>
+            <a:ext cx="4582768" cy="1477328"/>
           </a:xfrm>
           <a:prstGeom prst="rect">
             <a:avLst/>
           </a:prstGeom>
           <a:noFill/>
+          <a:ln>
+            <a:solidFill>
+              <a:schemeClr val="accent1">
+                <a:lumMod val="75000"/>
+              </a:schemeClr>
+            </a:solidFill>
+          </a:ln>
         </p:spPr>
         <p:txBody>
           <a:bodyPr wrap="square">
             <a:spAutoFit/>
           </a:bodyPr>
           <a:lstStyle/>
-          <a:p>
-            <a:r>
-              <a:rPr lang="en-GB" b="1" dirty="0">
-                <a:hlinkClick r:id="rId2"/>
-              </a:rPr>
-              <a:t>GitHub</a:t>
-            </a:r>
-          </a:p>
-          <a:p>
-            <a:endParaRPr lang="en-GB" dirty="0">
-              <a:hlinkClick r:id="rId2"/>
-            </a:endParaRPr>
-          </a:p>
           <a:p>
             <a:r>
               <a:rPr lang="en-GB" dirty="0">
@@ -8372,6 +8820,137 @@
           </a:p>
         </p:txBody>
       </p:sp>
+      <p:sp>
+        <p:nvSpPr>
+          <p:cNvPr id="4" name="Date Placeholder 3">
+            <a:extLst>
+              <a:ext uri="{FF2B5EF4-FFF2-40B4-BE49-F238E27FC236}">
+                <a16:creationId xmlns:a16="http://schemas.microsoft.com/office/drawing/2014/main" id="{DF593CA7-AF3C-4E29-C574-3CAFE88D8996}"/>
+              </a:ext>
+            </a:extLst>
+          </p:cNvPr>
+          <p:cNvSpPr>
+            <a:spLocks noGrp="1"/>
+          </p:cNvSpPr>
+          <p:nvPr>
+            <p:ph type="dt" sz="half" idx="10"/>
+          </p:nvPr>
+        </p:nvSpPr>
+        <p:spPr/>
+        <p:txBody>
+          <a:bodyPr/>
+          <a:lstStyle/>
+          <a:p>
+            <a:r>
+              <a:rPr lang="en-GB"/>
+              <a:t>06/12/2025</a:t>
+            </a:r>
+          </a:p>
+        </p:txBody>
+      </p:sp>
+      <p:sp>
+        <p:nvSpPr>
+          <p:cNvPr id="5" name="Slide Number Placeholder 4">
+            <a:extLst>
+              <a:ext uri="{FF2B5EF4-FFF2-40B4-BE49-F238E27FC236}">
+                <a16:creationId xmlns:a16="http://schemas.microsoft.com/office/drawing/2014/main" id="{07DE616E-051B-123E-14B1-015B490D81F3}"/>
+              </a:ext>
+            </a:extLst>
+          </p:cNvPr>
+          <p:cNvSpPr>
+            <a:spLocks noGrp="1"/>
+          </p:cNvSpPr>
+          <p:nvPr>
+            <p:ph type="sldNum" sz="quarter" idx="12"/>
+          </p:nvPr>
+        </p:nvSpPr>
+        <p:spPr/>
+        <p:txBody>
+          <a:bodyPr/>
+          <a:lstStyle/>
+          <a:p>
+            <a:fld id="{C33A2A5D-5A42-4533-ACF4-15D55555B360}" type="slidenum">
+              <a:rPr lang="en-GB" smtClean="0"/>
+              <a:t>10</a:t>
+            </a:fld>
+            <a:endParaRPr lang="en-GB"/>
+          </a:p>
+        </p:txBody>
+      </p:sp>
+      <p:sp>
+        <p:nvSpPr>
+          <p:cNvPr id="6" name="TextBox 5">
+            <a:extLst>
+              <a:ext uri="{FF2B5EF4-FFF2-40B4-BE49-F238E27FC236}">
+                <a16:creationId xmlns:a16="http://schemas.microsoft.com/office/drawing/2014/main" id="{EB6FF361-1450-787B-9579-0C65F93513B3}"/>
+              </a:ext>
+            </a:extLst>
+          </p:cNvPr>
+          <p:cNvSpPr txBox="1"/>
+          <p:nvPr/>
+        </p:nvSpPr>
+        <p:spPr bwMode="auto">
+          <a:xfrm>
+            <a:off x="6223137" y="3990432"/>
+            <a:ext cx="5599912" cy="646331"/>
+          </a:xfrm>
+          <a:prstGeom prst="rect">
+            <a:avLst/>
+          </a:prstGeom>
+          <a:noFill/>
+        </p:spPr>
+        <p:txBody>
+          <a:bodyPr wrap="square">
+            <a:spAutoFit/>
+          </a:bodyPr>
+          <a:lstStyle/>
+          <a:p>
+            <a:pPr>
+              <a:defRPr/>
+            </a:pPr>
+            <a:r>
+              <a:rPr lang="en-GB" b="1" dirty="0"/>
+              <a:t>Code for Lab M1 (01_Motion_Kit_Encoder_Motor_As_A_DC_Motor.ino):</a:t>
+            </a:r>
+          </a:p>
+        </p:txBody>
+      </p:sp>
+      <p:pic>
+        <p:nvPicPr>
+          <p:cNvPr id="7" name="Picture 6">
+            <a:extLst>
+              <a:ext uri="{FF2B5EF4-FFF2-40B4-BE49-F238E27FC236}">
+                <a16:creationId xmlns:a16="http://schemas.microsoft.com/office/drawing/2014/main" id="{816945A8-331E-8BF1-C3D7-2965159CF45B}"/>
+              </a:ext>
+            </a:extLst>
+          </p:cNvPr>
+          <p:cNvPicPr>
+            <a:picLocks noChangeAspect="1"/>
+          </p:cNvPicPr>
+          <p:nvPr/>
+        </p:nvPicPr>
+        <p:blipFill>
+          <a:blip r:embed="rId3" cstate="print">
+            <a:extLst>
+              <a:ext uri="{28A0092B-C50C-407E-A947-70E740481C1C}">
+                <a14:useLocalDpi xmlns:a14="http://schemas.microsoft.com/office/drawing/2010/main" val="0"/>
+              </a:ext>
+            </a:extLst>
+          </a:blip>
+          <a:stretch>
+            <a:fillRect/>
+          </a:stretch>
+        </p:blipFill>
+        <p:spPr>
+          <a:xfrm>
+            <a:off x="9004852" y="1"/>
+            <a:ext cx="3125372" cy="842386"/>
+          </a:xfrm>
+          <a:prstGeom prst="rect">
+            <a:avLst/>
+          </a:prstGeom>
+        </p:spPr>
+      </p:pic>
     </p:spTree>
     <p:extLst>
       <p:ext uri="{BB962C8B-B14F-4D97-AF65-F5344CB8AC3E}">
@@ -8456,14 +9035,43 @@
         </p:nvSpPr>
         <p:spPr/>
         <p:txBody>
-          <a:bodyPr/>
-          <a:lstStyle/>
-          <a:p>
-            <a:r>
-              <a:rPr lang="en-GB" b="1" dirty="0"/>
-              <a:t>DC Motor - Direction Control - with TB6612 Motor Driver</a:t>
-            </a:r>
-            <a:endParaRPr lang="en-GB" dirty="0"/>
+          <a:bodyPr vert="horz" lIns="91440" tIns="45720" rIns="91440" bIns="45720" rtlCol="0" anchor="ctr">
+            <a:normAutofit/>
+          </a:bodyPr>
+          <a:lstStyle/>
+          <a:p>
+            <a:r>
+              <a:rPr lang="en-GB" b="1" dirty="0">
+                <a:solidFill>
+                  <a:srgbClr val="FF3300"/>
+                </a:solidFill>
+                <a:latin typeface="Calibri Light" panose="020F0302020204030204" pitchFamily="34" charset="0"/>
+                <a:ea typeface="Calibri Light" panose="020F0302020204030204" pitchFamily="34" charset="0"/>
+                <a:cs typeface="Calibri Light" panose="020F0302020204030204" pitchFamily="34" charset="0"/>
+              </a:rPr>
+              <a:t>Lab M1: DC Motor</a:t>
+            </a:r>
+            <a:br>
+              <a:rPr lang="en-GB" b="1" dirty="0">
+                <a:solidFill>
+                  <a:srgbClr val="FF3300"/>
+                </a:solidFill>
+                <a:latin typeface="Calibri Light" panose="020F0302020204030204" pitchFamily="34" charset="0"/>
+                <a:ea typeface="Calibri Light" panose="020F0302020204030204" pitchFamily="34" charset="0"/>
+                <a:cs typeface="Calibri Light" panose="020F0302020204030204" pitchFamily="34" charset="0"/>
+              </a:rPr>
+            </a:br>
+            <a:r>
+              <a:rPr lang="en-GB" b="1" dirty="0">
+                <a:solidFill>
+                  <a:srgbClr val="FF3300"/>
+                </a:solidFill>
+                <a:latin typeface="Calibri Light" panose="020F0302020204030204" pitchFamily="34" charset="0"/>
+                <a:ea typeface="Calibri Light" panose="020F0302020204030204" pitchFamily="34" charset="0"/>
+                <a:cs typeface="Calibri Light" panose="020F0302020204030204" pitchFamily="34" charset="0"/>
+              </a:rPr>
+              <a:t>Direction Control - with TB6612 Motor Driver</a:t>
+            </a:r>
           </a:p>
         </p:txBody>
       </p:sp>
@@ -8692,14 +9300,9 @@
           <a:lstStyle/>
           <a:p>
             <a:r>
-              <a:rPr lang="en-GB" b="1" dirty="0">
-                <a:hlinkClick r:id="rId3"/>
-              </a:rPr>
-              <a:t>GitHub</a:t>
-            </a:r>
-            <a:endParaRPr lang="en-GB" dirty="0">
-              <a:hlinkClick r:id="rId3"/>
-            </a:endParaRPr>
+              <a:rPr lang="en-GB" b="1" dirty="0"/>
+              <a:t>Code for Lab M1 </a:t>
+            </a:r>
           </a:p>
           <a:p>
             <a:r>
@@ -8712,6 +9315,99 @@
           </a:p>
         </p:txBody>
       </p:sp>
+      <p:sp>
+        <p:nvSpPr>
+          <p:cNvPr id="5" name="Date Placeholder 4">
+            <a:extLst>
+              <a:ext uri="{FF2B5EF4-FFF2-40B4-BE49-F238E27FC236}">
+                <a16:creationId xmlns:a16="http://schemas.microsoft.com/office/drawing/2014/main" id="{7ED08C58-1FF5-FB63-9594-22053E049C05}"/>
+              </a:ext>
+            </a:extLst>
+          </p:cNvPr>
+          <p:cNvSpPr>
+            <a:spLocks noGrp="1"/>
+          </p:cNvSpPr>
+          <p:nvPr>
+            <p:ph type="dt" sz="half" idx="10"/>
+          </p:nvPr>
+        </p:nvSpPr>
+        <p:spPr/>
+        <p:txBody>
+          <a:bodyPr/>
+          <a:lstStyle/>
+          <a:p>
+            <a:r>
+              <a:rPr lang="en-GB"/>
+              <a:t>06/12/2025</a:t>
+            </a:r>
+          </a:p>
+        </p:txBody>
+      </p:sp>
+      <p:sp>
+        <p:nvSpPr>
+          <p:cNvPr id="8" name="Slide Number Placeholder 7">
+            <a:extLst>
+              <a:ext uri="{FF2B5EF4-FFF2-40B4-BE49-F238E27FC236}">
+                <a16:creationId xmlns:a16="http://schemas.microsoft.com/office/drawing/2014/main" id="{A49291D4-64F8-8FD7-547C-00202BE0E1FA}"/>
+              </a:ext>
+            </a:extLst>
+          </p:cNvPr>
+          <p:cNvSpPr>
+            <a:spLocks noGrp="1"/>
+          </p:cNvSpPr>
+          <p:nvPr>
+            <p:ph type="sldNum" sz="quarter" idx="12"/>
+          </p:nvPr>
+        </p:nvSpPr>
+        <p:spPr/>
+        <p:txBody>
+          <a:bodyPr/>
+          <a:lstStyle/>
+          <a:p>
+            <a:fld id="{C33A2A5D-5A42-4533-ACF4-15D55555B360}" type="slidenum">
+              <a:rPr lang="en-GB" smtClean="0"/>
+              <a:t>11</a:t>
+            </a:fld>
+            <a:endParaRPr lang="en-GB"/>
+          </a:p>
+        </p:txBody>
+      </p:sp>
+      <p:pic>
+        <p:nvPicPr>
+          <p:cNvPr id="10" name="Picture 9">
+            <a:extLst>
+              <a:ext uri="{FF2B5EF4-FFF2-40B4-BE49-F238E27FC236}">
+                <a16:creationId xmlns:a16="http://schemas.microsoft.com/office/drawing/2014/main" id="{0054CDFF-81F3-3957-D625-A1D52E9744DD}"/>
+              </a:ext>
+            </a:extLst>
+          </p:cNvPr>
+          <p:cNvPicPr>
+            <a:picLocks noChangeAspect="1"/>
+          </p:cNvPicPr>
+          <p:nvPr/>
+        </p:nvPicPr>
+        <p:blipFill>
+          <a:blip r:embed="rId4" cstate="print">
+            <a:extLst>
+              <a:ext uri="{28A0092B-C50C-407E-A947-70E740481C1C}">
+                <a14:useLocalDpi xmlns:a14="http://schemas.microsoft.com/office/drawing/2010/main" val="0"/>
+              </a:ext>
+            </a:extLst>
+          </a:blip>
+          <a:stretch>
+            <a:fillRect/>
+          </a:stretch>
+        </p:blipFill>
+        <p:spPr>
+          <a:xfrm>
+            <a:off x="9004852" y="1"/>
+            <a:ext cx="3125372" cy="842386"/>
+          </a:xfrm>
+          <a:prstGeom prst="rect">
+            <a:avLst/>
+          </a:prstGeom>
+        </p:spPr>
+      </p:pic>
     </p:spTree>
     <p:extLst>
       <p:ext uri="{BB962C8B-B14F-4D97-AF65-F5344CB8AC3E}">
@@ -8765,19 +9461,61 @@
           </a:xfrm>
         </p:spPr>
         <p:txBody>
-          <a:bodyPr>
+          <a:bodyPr vert="horz" lIns="91440" tIns="45720" rIns="91440" bIns="45720" rtlCol="0" anchor="ctr">
             <a:normAutofit fontScale="90000"/>
           </a:bodyPr>
           <a:lstStyle/>
           <a:p>
             <a:r>
-              <a:rPr lang="en-GB" b="1" dirty="0"/>
-              <a:t>DC Motor - Speed Control - with TB6612 Motor Driver</a:t>
+              <a:rPr lang="en-GB" b="1" dirty="0">
+                <a:solidFill>
+                  <a:srgbClr val="FF3300"/>
+                </a:solidFill>
+                <a:latin typeface="Calibri Light" panose="020F0302020204030204" pitchFamily="34" charset="0"/>
+                <a:ea typeface="Calibri Light" panose="020F0302020204030204" pitchFamily="34" charset="0"/>
+                <a:cs typeface="Calibri Light" panose="020F0302020204030204" pitchFamily="34" charset="0"/>
+              </a:rPr>
+              <a:t>Lab M1: DC Motor </a:t>
             </a:r>
             <a:br>
-              <a:rPr lang="en-GB" b="1" dirty="0"/>
+              <a:rPr lang="en-GB" b="1" dirty="0">
+                <a:solidFill>
+                  <a:srgbClr val="FF3300"/>
+                </a:solidFill>
+                <a:latin typeface="Calibri Light" panose="020F0302020204030204" pitchFamily="34" charset="0"/>
+                <a:ea typeface="Calibri Light" panose="020F0302020204030204" pitchFamily="34" charset="0"/>
+                <a:cs typeface="Calibri Light" panose="020F0302020204030204" pitchFamily="34" charset="0"/>
+              </a:rPr>
             </a:br>
-            <a:endParaRPr lang="en-GB" dirty="0"/>
+            <a:r>
+              <a:rPr lang="en-GB" b="1" dirty="0">
+                <a:solidFill>
+                  <a:srgbClr val="FF3300"/>
+                </a:solidFill>
+                <a:latin typeface="Calibri Light" panose="020F0302020204030204" pitchFamily="34" charset="0"/>
+                <a:ea typeface="Calibri Light" panose="020F0302020204030204" pitchFamily="34" charset="0"/>
+                <a:cs typeface="Calibri Light" panose="020F0302020204030204" pitchFamily="34" charset="0"/>
+              </a:rPr>
+              <a:t>Speed Control - with TB6612 Motor Driver</a:t>
+            </a:r>
+            <a:br>
+              <a:rPr lang="en-GB" b="1" dirty="0">
+                <a:solidFill>
+                  <a:srgbClr val="FF3300"/>
+                </a:solidFill>
+                <a:latin typeface="Calibri Light" panose="020F0302020204030204" pitchFamily="34" charset="0"/>
+                <a:ea typeface="Calibri Light" panose="020F0302020204030204" pitchFamily="34" charset="0"/>
+                <a:cs typeface="Calibri Light" panose="020F0302020204030204" pitchFamily="34" charset="0"/>
+              </a:rPr>
+            </a:br>
+            <a:endParaRPr lang="en-GB" b="1" dirty="0">
+              <a:solidFill>
+                <a:srgbClr val="FF3300"/>
+              </a:solidFill>
+              <a:latin typeface="Calibri Light" panose="020F0302020204030204" pitchFamily="34" charset="0"/>
+              <a:ea typeface="Calibri Light" panose="020F0302020204030204" pitchFamily="34" charset="0"/>
+              <a:cs typeface="Calibri Light" panose="020F0302020204030204" pitchFamily="34" charset="0"/>
+            </a:endParaRPr>
           </a:p>
         </p:txBody>
       </p:sp>
@@ -9252,7 +9990,109 @@
         <p:spPr>
           <a:xfrm>
             <a:off x="340416" y="5587375"/>
-            <a:ext cx="6097656" cy="923330"/>
+            <a:ext cx="4981161" cy="923330"/>
+          </a:xfrm>
+          <a:prstGeom prst="rect">
+            <a:avLst/>
+          </a:prstGeom>
+          <a:noFill/>
+          <a:ln>
+            <a:solidFill>
+              <a:schemeClr val="accent1">
+                <a:lumMod val="75000"/>
+              </a:schemeClr>
+            </a:solidFill>
+          </a:ln>
+        </p:spPr>
+        <p:txBody>
+          <a:bodyPr wrap="square">
+            <a:spAutoFit/>
+          </a:bodyPr>
+          <a:lstStyle/>
+          <a:p>
+            <a:r>
+              <a:rPr lang="en-GB" dirty="0">
+                <a:hlinkClick r:id="rId2"/>
+              </a:rPr>
+              <a:t>https://github.com/info-zas/zas-robotics-motion/blob/main/04_BasicFunctionalTests/00_BasicTests/02_DC_Encoder_Motor_Basic.ino</a:t>
+            </a:r>
+            <a:endParaRPr lang="en-GB" dirty="0"/>
+          </a:p>
+        </p:txBody>
+      </p:sp>
+      <p:sp>
+        <p:nvSpPr>
+          <p:cNvPr id="3" name="Date Placeholder 2">
+            <a:extLst>
+              <a:ext uri="{FF2B5EF4-FFF2-40B4-BE49-F238E27FC236}">
+                <a16:creationId xmlns:a16="http://schemas.microsoft.com/office/drawing/2014/main" id="{57A12B31-2B98-9CFA-E4C6-A2E6040EF870}"/>
+              </a:ext>
+            </a:extLst>
+          </p:cNvPr>
+          <p:cNvSpPr>
+            <a:spLocks noGrp="1"/>
+          </p:cNvSpPr>
+          <p:nvPr>
+            <p:ph type="dt" sz="half" idx="10"/>
+          </p:nvPr>
+        </p:nvSpPr>
+        <p:spPr/>
+        <p:txBody>
+          <a:bodyPr/>
+          <a:lstStyle/>
+          <a:p>
+            <a:r>
+              <a:rPr lang="en-GB"/>
+              <a:t>06/12/2025</a:t>
+            </a:r>
+          </a:p>
+        </p:txBody>
+      </p:sp>
+      <p:sp>
+        <p:nvSpPr>
+          <p:cNvPr id="4" name="Slide Number Placeholder 3">
+            <a:extLst>
+              <a:ext uri="{FF2B5EF4-FFF2-40B4-BE49-F238E27FC236}">
+                <a16:creationId xmlns:a16="http://schemas.microsoft.com/office/drawing/2014/main" id="{CA36E89B-BD03-06C4-430C-21A2905C82E6}"/>
+              </a:ext>
+            </a:extLst>
+          </p:cNvPr>
+          <p:cNvSpPr>
+            <a:spLocks noGrp="1"/>
+          </p:cNvSpPr>
+          <p:nvPr>
+            <p:ph type="sldNum" sz="quarter" idx="12"/>
+          </p:nvPr>
+        </p:nvSpPr>
+        <p:spPr/>
+        <p:txBody>
+          <a:bodyPr/>
+          <a:lstStyle/>
+          <a:p>
+            <a:fld id="{C33A2A5D-5A42-4533-ACF4-15D55555B360}" type="slidenum">
+              <a:rPr lang="en-GB" smtClean="0"/>
+              <a:t>12</a:t>
+            </a:fld>
+            <a:endParaRPr lang="en-GB"/>
+          </a:p>
+        </p:txBody>
+      </p:sp>
+      <p:sp>
+        <p:nvSpPr>
+          <p:cNvPr id="6" name="TextBox 5">
+            <a:extLst>
+              <a:ext uri="{FF2B5EF4-FFF2-40B4-BE49-F238E27FC236}">
+                <a16:creationId xmlns:a16="http://schemas.microsoft.com/office/drawing/2014/main" id="{2331BEC4-7D07-BFD8-E128-389B2B3EE9D3}"/>
+              </a:ext>
+            </a:extLst>
+          </p:cNvPr>
+          <p:cNvSpPr txBox="1"/>
+          <p:nvPr/>
+        </p:nvSpPr>
+        <p:spPr>
+          <a:xfrm>
+            <a:off x="342072" y="5172585"/>
+            <a:ext cx="6096000" cy="369332"/>
           </a:xfrm>
           <a:prstGeom prst="rect">
             <a:avLst/>
@@ -9266,15 +10106,49 @@
           <a:lstStyle/>
           <a:p>
             <a:r>
-              <a:rPr lang="en-GB" dirty="0">
-                <a:hlinkClick r:id="rId2"/>
-              </a:rPr>
-              <a:t>https://github.com/info-zas/zas-robotics-motion/blob/main/04_BasicFunctionalTests/00_BasicTests/02_DC_Encoder_Motor_Basic.ino</a:t>
+              <a:rPr lang="en-GB" b="1" dirty="0"/>
+              <a:t>Code for Lab M1 </a:t>
             </a:r>
             <a:endParaRPr lang="en-GB" dirty="0"/>
           </a:p>
         </p:txBody>
       </p:sp>
+      <p:pic>
+        <p:nvPicPr>
+          <p:cNvPr id="12" name="Picture 11">
+            <a:extLst>
+              <a:ext uri="{FF2B5EF4-FFF2-40B4-BE49-F238E27FC236}">
+                <a16:creationId xmlns:a16="http://schemas.microsoft.com/office/drawing/2014/main" id="{D2F28208-BE00-3639-3057-A99FBF0A8791}"/>
+              </a:ext>
+            </a:extLst>
+          </p:cNvPr>
+          <p:cNvPicPr>
+            <a:picLocks noChangeAspect="1"/>
+          </p:cNvPicPr>
+          <p:nvPr/>
+        </p:nvPicPr>
+        <p:blipFill>
+          <a:blip r:embed="rId3" cstate="print">
+            <a:extLst>
+              <a:ext uri="{28A0092B-C50C-407E-A947-70E740481C1C}">
+                <a14:useLocalDpi xmlns:a14="http://schemas.microsoft.com/office/drawing/2010/main" val="0"/>
+              </a:ext>
+            </a:extLst>
+          </a:blip>
+          <a:stretch>
+            <a:fillRect/>
+          </a:stretch>
+        </p:blipFill>
+        <p:spPr>
+          <a:xfrm>
+            <a:off x="9004852" y="1"/>
+            <a:ext cx="3125372" cy="842386"/>
+          </a:xfrm>
+          <a:prstGeom prst="rect">
+            <a:avLst/>
+          </a:prstGeom>
+        </p:spPr>
+      </p:pic>
     </p:spTree>
     <p:extLst>
       <p:ext uri="{BB962C8B-B14F-4D97-AF65-F5344CB8AC3E}">
@@ -9323,19 +10197,48 @@
         </p:nvSpPr>
         <p:spPr>
           <a:xfrm>
-            <a:off x="838199" y="-130666"/>
+            <a:off x="543232" y="204244"/>
             <a:ext cx="10515600" cy="1325563"/>
           </a:xfrm>
         </p:spPr>
         <p:txBody>
-          <a:bodyPr/>
-          <a:lstStyle/>
-          <a:p>
-            <a:r>
-              <a:rPr lang="en-GB" b="1" dirty="0"/>
-              <a:t>Stepper Motor- Control - with ULN2003</a:t>
-            </a:r>
-            <a:endParaRPr lang="en-GB" dirty="0"/>
+          <a:bodyPr vert="horz" lIns="91440" tIns="45720" rIns="91440" bIns="45720" rtlCol="0" anchor="ctr">
+            <a:normAutofit/>
+          </a:bodyPr>
+          <a:lstStyle/>
+          <a:p>
+            <a:r>
+              <a:rPr lang="en-GB" b="1" dirty="0">
+                <a:solidFill>
+                  <a:srgbClr val="FF3300"/>
+                </a:solidFill>
+                <a:latin typeface="Calibri Light" panose="020F0302020204030204" pitchFamily="34" charset="0"/>
+                <a:ea typeface="Calibri Light" panose="020F0302020204030204" pitchFamily="34" charset="0"/>
+                <a:cs typeface="Calibri Light" panose="020F0302020204030204" pitchFamily="34" charset="0"/>
+              </a:rPr>
+              <a:t>Lab M2: Stepper Motor</a:t>
+            </a:r>
+            <a:br>
+              <a:rPr lang="en-GB" b="1" dirty="0">
+                <a:solidFill>
+                  <a:srgbClr val="FF3300"/>
+                </a:solidFill>
+                <a:latin typeface="Calibri Light" panose="020F0302020204030204" pitchFamily="34" charset="0"/>
+                <a:ea typeface="Calibri Light" panose="020F0302020204030204" pitchFamily="34" charset="0"/>
+                <a:cs typeface="Calibri Light" panose="020F0302020204030204" pitchFamily="34" charset="0"/>
+              </a:rPr>
+            </a:br>
+            <a:r>
+              <a:rPr lang="en-GB" b="1" dirty="0">
+                <a:solidFill>
+                  <a:srgbClr val="FF3300"/>
+                </a:solidFill>
+                <a:latin typeface="Calibri Light" panose="020F0302020204030204" pitchFamily="34" charset="0"/>
+                <a:ea typeface="Calibri Light" panose="020F0302020204030204" pitchFamily="34" charset="0"/>
+                <a:cs typeface="Calibri Light" panose="020F0302020204030204" pitchFamily="34" charset="0"/>
+              </a:rPr>
+              <a:t>Direction Control - with ULN2003</a:t>
+            </a:r>
           </a:p>
         </p:txBody>
       </p:sp>
@@ -9585,6 +10488,99 @@
           </a:p>
         </p:txBody>
       </p:sp>
+      <p:sp>
+        <p:nvSpPr>
+          <p:cNvPr id="3" name="Date Placeholder 2">
+            <a:extLst>
+              <a:ext uri="{FF2B5EF4-FFF2-40B4-BE49-F238E27FC236}">
+                <a16:creationId xmlns:a16="http://schemas.microsoft.com/office/drawing/2014/main" id="{559FE11D-A199-CFD5-4D50-DF215A74F1BA}"/>
+              </a:ext>
+            </a:extLst>
+          </p:cNvPr>
+          <p:cNvSpPr>
+            <a:spLocks noGrp="1"/>
+          </p:cNvSpPr>
+          <p:nvPr>
+            <p:ph type="dt" sz="half" idx="10"/>
+          </p:nvPr>
+        </p:nvSpPr>
+        <p:spPr/>
+        <p:txBody>
+          <a:bodyPr/>
+          <a:lstStyle/>
+          <a:p>
+            <a:r>
+              <a:rPr lang="en-GB"/>
+              <a:t>06/12/2025</a:t>
+            </a:r>
+          </a:p>
+        </p:txBody>
+      </p:sp>
+      <p:sp>
+        <p:nvSpPr>
+          <p:cNvPr id="4" name="Slide Number Placeholder 3">
+            <a:extLst>
+              <a:ext uri="{FF2B5EF4-FFF2-40B4-BE49-F238E27FC236}">
+                <a16:creationId xmlns:a16="http://schemas.microsoft.com/office/drawing/2014/main" id="{9F5B0A0A-E314-0B7A-DE56-C331CAFE9F86}"/>
+              </a:ext>
+            </a:extLst>
+          </p:cNvPr>
+          <p:cNvSpPr>
+            <a:spLocks noGrp="1"/>
+          </p:cNvSpPr>
+          <p:nvPr>
+            <p:ph type="sldNum" sz="quarter" idx="12"/>
+          </p:nvPr>
+        </p:nvSpPr>
+        <p:spPr/>
+        <p:txBody>
+          <a:bodyPr/>
+          <a:lstStyle/>
+          <a:p>
+            <a:fld id="{C33A2A5D-5A42-4533-ACF4-15D55555B360}" type="slidenum">
+              <a:rPr lang="en-GB" smtClean="0"/>
+              <a:t>13</a:t>
+            </a:fld>
+            <a:endParaRPr lang="en-GB"/>
+          </a:p>
+        </p:txBody>
+      </p:sp>
+      <p:pic>
+        <p:nvPicPr>
+          <p:cNvPr id="10" name="Picture 9">
+            <a:extLst>
+              <a:ext uri="{FF2B5EF4-FFF2-40B4-BE49-F238E27FC236}">
+                <a16:creationId xmlns:a16="http://schemas.microsoft.com/office/drawing/2014/main" id="{16EA13DC-B4F9-4083-9E4A-CD5416AF2AFA}"/>
+              </a:ext>
+            </a:extLst>
+          </p:cNvPr>
+          <p:cNvPicPr>
+            <a:picLocks noChangeAspect="1"/>
+          </p:cNvPicPr>
+          <p:nvPr/>
+        </p:nvPicPr>
+        <p:blipFill>
+          <a:blip r:embed="rId7" cstate="print">
+            <a:extLst>
+              <a:ext uri="{28A0092B-C50C-407E-A947-70E740481C1C}">
+                <a14:useLocalDpi xmlns:a14="http://schemas.microsoft.com/office/drawing/2010/main" val="0"/>
+              </a:ext>
+            </a:extLst>
+          </a:blip>
+          <a:stretch>
+            <a:fillRect/>
+          </a:stretch>
+        </p:blipFill>
+        <p:spPr>
+          <a:xfrm>
+            <a:off x="9004852" y="1"/>
+            <a:ext cx="3125372" cy="842386"/>
+          </a:xfrm>
+          <a:prstGeom prst="rect">
+            <a:avLst/>
+          </a:prstGeom>
+        </p:spPr>
+      </p:pic>
     </p:spTree>
     <p:extLst>
       <p:ext uri="{BB962C8B-B14F-4D97-AF65-F5344CB8AC3E}">
@@ -9633,14 +10629,43 @@
         </p:nvSpPr>
         <p:spPr/>
         <p:txBody>
-          <a:bodyPr/>
-          <a:lstStyle/>
-          <a:p>
-            <a:r>
-              <a:rPr lang="en-GB" b="1" dirty="0"/>
-              <a:t>Stepper Motor- Control - with ULN2003</a:t>
-            </a:r>
-            <a:endParaRPr lang="en-GB" dirty="0"/>
+          <a:bodyPr vert="horz" lIns="91440" tIns="45720" rIns="91440" bIns="45720" rtlCol="0" anchor="ctr">
+            <a:normAutofit/>
+          </a:bodyPr>
+          <a:lstStyle/>
+          <a:p>
+            <a:r>
+              <a:rPr lang="en-GB" b="1" dirty="0">
+                <a:solidFill>
+                  <a:srgbClr val="FF3300"/>
+                </a:solidFill>
+                <a:latin typeface="Calibri Light" panose="020F0302020204030204" pitchFamily="34" charset="0"/>
+                <a:ea typeface="Calibri Light" panose="020F0302020204030204" pitchFamily="34" charset="0"/>
+                <a:cs typeface="Calibri Light" panose="020F0302020204030204" pitchFamily="34" charset="0"/>
+              </a:rPr>
+              <a:t>Lab M2: Stepper Motor</a:t>
+            </a:r>
+            <a:br>
+              <a:rPr lang="en-GB" b="1" dirty="0">
+                <a:solidFill>
+                  <a:srgbClr val="FF3300"/>
+                </a:solidFill>
+                <a:latin typeface="Calibri Light" panose="020F0302020204030204" pitchFamily="34" charset="0"/>
+                <a:ea typeface="Calibri Light" panose="020F0302020204030204" pitchFamily="34" charset="0"/>
+                <a:cs typeface="Calibri Light" panose="020F0302020204030204" pitchFamily="34" charset="0"/>
+              </a:rPr>
+            </a:br>
+            <a:r>
+              <a:rPr lang="en-GB" b="1" dirty="0">
+                <a:solidFill>
+                  <a:srgbClr val="FF3300"/>
+                </a:solidFill>
+                <a:latin typeface="Calibri Light" panose="020F0302020204030204" pitchFamily="34" charset="0"/>
+                <a:ea typeface="Calibri Light" panose="020F0302020204030204" pitchFamily="34" charset="0"/>
+                <a:cs typeface="Calibri Light" panose="020F0302020204030204" pitchFamily="34" charset="0"/>
+              </a:rPr>
+              <a:t>Direction Control - with ULN2003</a:t>
+            </a:r>
           </a:p>
         </p:txBody>
       </p:sp>
@@ -9908,6 +10933,99 @@
           </a:graphicData>
         </a:graphic>
       </p:graphicFrame>
+      <p:sp>
+        <p:nvSpPr>
+          <p:cNvPr id="3" name="Date Placeholder 2">
+            <a:extLst>
+              <a:ext uri="{FF2B5EF4-FFF2-40B4-BE49-F238E27FC236}">
+                <a16:creationId xmlns:a16="http://schemas.microsoft.com/office/drawing/2014/main" id="{CB5DE4D6-7E0E-E468-C729-1426C2169E07}"/>
+              </a:ext>
+            </a:extLst>
+          </p:cNvPr>
+          <p:cNvSpPr>
+            <a:spLocks noGrp="1"/>
+          </p:cNvSpPr>
+          <p:nvPr>
+            <p:ph type="dt" sz="half" idx="10"/>
+          </p:nvPr>
+        </p:nvSpPr>
+        <p:spPr/>
+        <p:txBody>
+          <a:bodyPr/>
+          <a:lstStyle/>
+          <a:p>
+            <a:r>
+              <a:rPr lang="en-GB"/>
+              <a:t>06/12/2025</a:t>
+            </a:r>
+          </a:p>
+        </p:txBody>
+      </p:sp>
+      <p:sp>
+        <p:nvSpPr>
+          <p:cNvPr id="4" name="Slide Number Placeholder 3">
+            <a:extLst>
+              <a:ext uri="{FF2B5EF4-FFF2-40B4-BE49-F238E27FC236}">
+                <a16:creationId xmlns:a16="http://schemas.microsoft.com/office/drawing/2014/main" id="{B73963FB-347E-B7FB-77B2-5FBE7D9E668B}"/>
+              </a:ext>
+            </a:extLst>
+          </p:cNvPr>
+          <p:cNvSpPr>
+            <a:spLocks noGrp="1"/>
+          </p:cNvSpPr>
+          <p:nvPr>
+            <p:ph type="sldNum" sz="quarter" idx="12"/>
+          </p:nvPr>
+        </p:nvSpPr>
+        <p:spPr/>
+        <p:txBody>
+          <a:bodyPr/>
+          <a:lstStyle/>
+          <a:p>
+            <a:fld id="{C33A2A5D-5A42-4533-ACF4-15D55555B360}" type="slidenum">
+              <a:rPr lang="en-GB" smtClean="0"/>
+              <a:t>14</a:t>
+            </a:fld>
+            <a:endParaRPr lang="en-GB"/>
+          </a:p>
+        </p:txBody>
+      </p:sp>
+      <p:pic>
+        <p:nvPicPr>
+          <p:cNvPr id="7" name="Picture 6">
+            <a:extLst>
+              <a:ext uri="{FF2B5EF4-FFF2-40B4-BE49-F238E27FC236}">
+                <a16:creationId xmlns:a16="http://schemas.microsoft.com/office/drawing/2014/main" id="{06CA40C6-8854-57B1-4A97-7ABC3D37941F}"/>
+              </a:ext>
+            </a:extLst>
+          </p:cNvPr>
+          <p:cNvPicPr>
+            <a:picLocks noChangeAspect="1"/>
+          </p:cNvPicPr>
+          <p:nvPr/>
+        </p:nvPicPr>
+        <p:blipFill>
+          <a:blip r:embed="rId3" cstate="print">
+            <a:extLst>
+              <a:ext uri="{28A0092B-C50C-407E-A947-70E740481C1C}">
+                <a14:useLocalDpi xmlns:a14="http://schemas.microsoft.com/office/drawing/2010/main" val="0"/>
+              </a:ext>
+            </a:extLst>
+          </a:blip>
+          <a:stretch>
+            <a:fillRect/>
+          </a:stretch>
+        </p:blipFill>
+        <p:spPr>
+          <a:xfrm>
+            <a:off x="9004852" y="1"/>
+            <a:ext cx="3125372" cy="842386"/>
+          </a:xfrm>
+          <a:prstGeom prst="rect">
+            <a:avLst/>
+          </a:prstGeom>
+        </p:spPr>
+      </p:pic>
     </p:spTree>
     <p:extLst>
       <p:ext uri="{BB962C8B-B14F-4D97-AF65-F5344CB8AC3E}">
@@ -9956,64 +11074,42 @@
         </p:nvSpPr>
         <p:spPr/>
         <p:txBody>
-          <a:bodyPr/>
-          <a:lstStyle/>
-          <a:p>
-            <a:r>
-              <a:rPr lang="en-GB" b="1" dirty="0"/>
-              <a:t>Stepper Motor- Control - with ULN2003</a:t>
-            </a:r>
-            <a:endParaRPr lang="en-GB" dirty="0"/>
-          </a:p>
-        </p:txBody>
-      </p:sp>
-      <p:sp>
-        <p:nvSpPr>
-          <p:cNvPr id="7" name="TextBox 6">
-            <a:extLst>
-              <a:ext uri="{FF2B5EF4-FFF2-40B4-BE49-F238E27FC236}">
-                <a16:creationId xmlns:a16="http://schemas.microsoft.com/office/drawing/2014/main" id="{C9690931-455A-39CC-E40E-7ECC5F2BCE48}"/>
-              </a:ext>
-            </a:extLst>
-          </p:cNvPr>
-          <p:cNvSpPr txBox="1"/>
-          <p:nvPr/>
-        </p:nvSpPr>
-        <p:spPr>
-          <a:xfrm>
-            <a:off x="838200" y="1836639"/>
-            <a:ext cx="6093994" cy="461665"/>
-          </a:xfrm>
-          <a:prstGeom prst="rect">
-            <a:avLst/>
-          </a:prstGeom>
-          <a:noFill/>
-        </p:spPr>
-        <p:txBody>
-          <a:bodyPr wrap="square">
-            <a:spAutoFit/>
+          <a:bodyPr vert="horz" lIns="91440" tIns="45720" rIns="91440" bIns="45720" rtlCol="0" anchor="ctr">
+            <a:normAutofit/>
           </a:bodyPr>
           <a:lstStyle/>
           <a:p>
-            <a:pPr marL="342900" indent="-342900">
-              <a:buFont typeface="Arial" panose="020B0604020202020204" pitchFamily="34" charset="0"/>
-              <a:buChar char="•"/>
-            </a:pPr>
-            <a:r>
-              <a:rPr lang="en-GB" sz="2400" b="1" dirty="0"/>
-              <a:t>Code </a:t>
-            </a:r>
-            <a:r>
-              <a:rPr lang="en-GB" sz="2400" b="1" dirty="0">
-                <a:highlight>
-                  <a:srgbClr val="FFFF00"/>
-                </a:highlight>
+            <a:r>
+              <a:rPr lang="en-GB" b="1" dirty="0">
+                <a:solidFill>
+                  <a:srgbClr val="FF3300"/>
+                </a:solidFill>
+                <a:latin typeface="Calibri Light" panose="020F0302020204030204" pitchFamily="34" charset="0"/>
+                <a:ea typeface="Calibri Light" panose="020F0302020204030204" pitchFamily="34" charset="0"/>
+                <a:cs typeface="Calibri Light" panose="020F0302020204030204" pitchFamily="34" charset="0"/>
               </a:rPr>
-              <a:t>X</a:t>
-            </a:r>
-            <a:r>
-              <a:rPr lang="en-GB" sz="2400" b="1" dirty="0"/>
-              <a:t> for the breadboard</a:t>
+              <a:t>Lab M2: Stepper Motor </a:t>
+            </a:r>
+            <a:br>
+              <a:rPr lang="en-GB" b="1" dirty="0">
+                <a:solidFill>
+                  <a:srgbClr val="FF3300"/>
+                </a:solidFill>
+                <a:latin typeface="Calibri Light" panose="020F0302020204030204" pitchFamily="34" charset="0"/>
+                <a:ea typeface="Calibri Light" panose="020F0302020204030204" pitchFamily="34" charset="0"/>
+                <a:cs typeface="Calibri Light" panose="020F0302020204030204" pitchFamily="34" charset="0"/>
+              </a:rPr>
+            </a:br>
+            <a:r>
+              <a:rPr lang="en-GB" b="1" dirty="0">
+                <a:solidFill>
+                  <a:srgbClr val="FF3300"/>
+                </a:solidFill>
+                <a:latin typeface="Calibri Light" panose="020F0302020204030204" pitchFamily="34" charset="0"/>
+                <a:ea typeface="Calibri Light" panose="020F0302020204030204" pitchFamily="34" charset="0"/>
+                <a:cs typeface="Calibri Light" panose="020F0302020204030204" pitchFamily="34" charset="0"/>
+              </a:rPr>
+              <a:t>Direction Control - with ULN2003</a:t>
             </a:r>
           </a:p>
         </p:txBody>
@@ -10135,13 +11231,20 @@
         </p:nvSpPr>
         <p:spPr>
           <a:xfrm>
-            <a:off x="203753" y="3153404"/>
-            <a:ext cx="6097656" cy="1754326"/>
+            <a:off x="1039495" y="2622462"/>
+            <a:ext cx="4309253" cy="2308324"/>
           </a:xfrm>
           <a:prstGeom prst="rect">
             <a:avLst/>
           </a:prstGeom>
           <a:noFill/>
+          <a:ln>
+            <a:solidFill>
+              <a:schemeClr val="accent1">
+                <a:lumMod val="75000"/>
+              </a:schemeClr>
+            </a:solidFill>
+          </a:ln>
         </p:spPr>
         <p:txBody>
           <a:bodyPr wrap="square">
@@ -10150,11 +11253,18 @@
           <a:lstStyle/>
           <a:p>
             <a:r>
-              <a:rPr lang="en-GB" b="1" dirty="0">
-                <a:hlinkClick r:id="rId2"/>
-              </a:rPr>
-              <a:t>GitHub:</a:t>
-            </a:r>
+              <a:rPr lang="en-GB" b="1" dirty="0"/>
+              <a:t>Code for Lab M2</a:t>
+            </a:r>
+          </a:p>
+          <a:p>
+            <a:r>
+              <a:rPr lang="sv-SE" b="1" dirty="0"/>
+              <a:t>(02_Motion_Kit_Stepper_Motor.ino)</a:t>
+            </a:r>
+            <a:endParaRPr lang="en-GB" b="1" dirty="0">
+              <a:hlinkClick r:id="rId2"/>
+            </a:endParaRPr>
           </a:p>
           <a:p>
             <a:endParaRPr lang="en-GB" dirty="0">
@@ -10175,6 +11285,99 @@
           </a:p>
         </p:txBody>
       </p:sp>
+      <p:sp>
+        <p:nvSpPr>
+          <p:cNvPr id="3" name="Date Placeholder 2">
+            <a:extLst>
+              <a:ext uri="{FF2B5EF4-FFF2-40B4-BE49-F238E27FC236}">
+                <a16:creationId xmlns:a16="http://schemas.microsoft.com/office/drawing/2014/main" id="{AA6742D0-3030-282B-5A3C-2DE19783BD0E}"/>
+              </a:ext>
+            </a:extLst>
+          </p:cNvPr>
+          <p:cNvSpPr>
+            <a:spLocks noGrp="1"/>
+          </p:cNvSpPr>
+          <p:nvPr>
+            <p:ph type="dt" sz="half" idx="10"/>
+          </p:nvPr>
+        </p:nvSpPr>
+        <p:spPr/>
+        <p:txBody>
+          <a:bodyPr/>
+          <a:lstStyle/>
+          <a:p>
+            <a:r>
+              <a:rPr lang="en-GB"/>
+              <a:t>06/12/2025</a:t>
+            </a:r>
+          </a:p>
+        </p:txBody>
+      </p:sp>
+      <p:sp>
+        <p:nvSpPr>
+          <p:cNvPr id="5" name="Slide Number Placeholder 4">
+            <a:extLst>
+              <a:ext uri="{FF2B5EF4-FFF2-40B4-BE49-F238E27FC236}">
+                <a16:creationId xmlns:a16="http://schemas.microsoft.com/office/drawing/2014/main" id="{75A4A266-1F65-304A-A057-514285F9EED8}"/>
+              </a:ext>
+            </a:extLst>
+          </p:cNvPr>
+          <p:cNvSpPr>
+            <a:spLocks noGrp="1"/>
+          </p:cNvSpPr>
+          <p:nvPr>
+            <p:ph type="sldNum" sz="quarter" idx="12"/>
+          </p:nvPr>
+        </p:nvSpPr>
+        <p:spPr/>
+        <p:txBody>
+          <a:bodyPr/>
+          <a:lstStyle/>
+          <a:p>
+            <a:fld id="{C33A2A5D-5A42-4533-ACF4-15D55555B360}" type="slidenum">
+              <a:rPr lang="en-GB" smtClean="0"/>
+              <a:t>15</a:t>
+            </a:fld>
+            <a:endParaRPr lang="en-GB"/>
+          </a:p>
+        </p:txBody>
+      </p:sp>
+      <p:pic>
+        <p:nvPicPr>
+          <p:cNvPr id="8" name="Picture 7">
+            <a:extLst>
+              <a:ext uri="{FF2B5EF4-FFF2-40B4-BE49-F238E27FC236}">
+                <a16:creationId xmlns:a16="http://schemas.microsoft.com/office/drawing/2014/main" id="{B67DF16E-C74A-469D-CC6C-7B12E4AA3D46}"/>
+              </a:ext>
+            </a:extLst>
+          </p:cNvPr>
+          <p:cNvPicPr>
+            <a:picLocks noChangeAspect="1"/>
+          </p:cNvPicPr>
+          <p:nvPr/>
+        </p:nvPicPr>
+        <p:blipFill>
+          <a:blip r:embed="rId3" cstate="print">
+            <a:extLst>
+              <a:ext uri="{28A0092B-C50C-407E-A947-70E740481C1C}">
+                <a14:useLocalDpi xmlns:a14="http://schemas.microsoft.com/office/drawing/2010/main" val="0"/>
+              </a:ext>
+            </a:extLst>
+          </a:blip>
+          <a:stretch>
+            <a:fillRect/>
+          </a:stretch>
+        </p:blipFill>
+        <p:spPr>
+          <a:xfrm>
+            <a:off x="9004852" y="1"/>
+            <a:ext cx="3125372" cy="842386"/>
+          </a:xfrm>
+          <a:prstGeom prst="rect">
+            <a:avLst/>
+          </a:prstGeom>
+        </p:spPr>
+      </p:pic>
     </p:spTree>
     <p:extLst>
       <p:ext uri="{BB962C8B-B14F-4D97-AF65-F5344CB8AC3E}">
@@ -10259,14 +11462,43 @@
         </p:nvSpPr>
         <p:spPr/>
         <p:txBody>
-          <a:bodyPr/>
-          <a:lstStyle/>
-          <a:p>
-            <a:r>
-              <a:rPr lang="en-GB" b="1" dirty="0"/>
-              <a:t>Stepper Motor- Control - with ULN2003</a:t>
-            </a:r>
-            <a:endParaRPr lang="en-GB" dirty="0"/>
+          <a:bodyPr vert="horz" lIns="91440" tIns="45720" rIns="91440" bIns="45720" rtlCol="0" anchor="ctr">
+            <a:normAutofit/>
+          </a:bodyPr>
+          <a:lstStyle/>
+          <a:p>
+            <a:r>
+              <a:rPr lang="en-GB" b="1" dirty="0">
+                <a:solidFill>
+                  <a:srgbClr val="FF3300"/>
+                </a:solidFill>
+                <a:latin typeface="Calibri Light" panose="020F0302020204030204" pitchFamily="34" charset="0"/>
+                <a:ea typeface="Calibri Light" panose="020F0302020204030204" pitchFamily="34" charset="0"/>
+                <a:cs typeface="Calibri Light" panose="020F0302020204030204" pitchFamily="34" charset="0"/>
+              </a:rPr>
+              <a:t>Lab M2: Stepper Motor</a:t>
+            </a:r>
+            <a:br>
+              <a:rPr lang="en-GB" b="1" dirty="0">
+                <a:solidFill>
+                  <a:srgbClr val="FF3300"/>
+                </a:solidFill>
+                <a:latin typeface="Calibri Light" panose="020F0302020204030204" pitchFamily="34" charset="0"/>
+                <a:ea typeface="Calibri Light" panose="020F0302020204030204" pitchFamily="34" charset="0"/>
+                <a:cs typeface="Calibri Light" panose="020F0302020204030204" pitchFamily="34" charset="0"/>
+              </a:rPr>
+            </a:br>
+            <a:r>
+              <a:rPr lang="en-GB" b="1" dirty="0">
+                <a:solidFill>
+                  <a:srgbClr val="FF3300"/>
+                </a:solidFill>
+                <a:latin typeface="Calibri Light" panose="020F0302020204030204" pitchFamily="34" charset="0"/>
+                <a:ea typeface="Calibri Light" panose="020F0302020204030204" pitchFamily="34" charset="0"/>
+                <a:cs typeface="Calibri Light" panose="020F0302020204030204" pitchFamily="34" charset="0"/>
+              </a:rPr>
+              <a:t>Direction Control - with ULN2003</a:t>
+            </a:r>
           </a:p>
         </p:txBody>
       </p:sp>
@@ -10372,7 +11604,109 @@
         <p:spPr>
           <a:xfrm>
             <a:off x="203753" y="3153404"/>
-            <a:ext cx="6097656" cy="1200329"/>
+            <a:ext cx="4885191" cy="923330"/>
+          </a:xfrm>
+          <a:prstGeom prst="rect">
+            <a:avLst/>
+          </a:prstGeom>
+          <a:noFill/>
+          <a:ln>
+            <a:solidFill>
+              <a:schemeClr val="accent1">
+                <a:lumMod val="75000"/>
+              </a:schemeClr>
+            </a:solidFill>
+          </a:ln>
+        </p:spPr>
+        <p:txBody>
+          <a:bodyPr wrap="square">
+            <a:spAutoFit/>
+          </a:bodyPr>
+          <a:lstStyle/>
+          <a:p>
+            <a:r>
+              <a:rPr lang="en-GB" dirty="0">
+                <a:hlinkClick r:id="rId3"/>
+              </a:rPr>
+              <a:t>https://github.com/info-zas/zas-robotics-motion/blob/main/04_BasicFunctionalTests/00_BasicTests/08_Stepper_Motor_Control.ino</a:t>
+            </a:r>
+            <a:endParaRPr lang="en-GB" dirty="0"/>
+          </a:p>
+        </p:txBody>
+      </p:sp>
+      <p:sp>
+        <p:nvSpPr>
+          <p:cNvPr id="5" name="Date Placeholder 4">
+            <a:extLst>
+              <a:ext uri="{FF2B5EF4-FFF2-40B4-BE49-F238E27FC236}">
+                <a16:creationId xmlns:a16="http://schemas.microsoft.com/office/drawing/2014/main" id="{45A91E38-6DBF-FDF1-E941-4333B5DDCEBD}"/>
+              </a:ext>
+            </a:extLst>
+          </p:cNvPr>
+          <p:cNvSpPr>
+            <a:spLocks noGrp="1"/>
+          </p:cNvSpPr>
+          <p:nvPr>
+            <p:ph type="dt" sz="half" idx="10"/>
+          </p:nvPr>
+        </p:nvSpPr>
+        <p:spPr/>
+        <p:txBody>
+          <a:bodyPr/>
+          <a:lstStyle/>
+          <a:p>
+            <a:r>
+              <a:rPr lang="en-GB"/>
+              <a:t>06/12/2025</a:t>
+            </a:r>
+          </a:p>
+        </p:txBody>
+      </p:sp>
+      <p:sp>
+        <p:nvSpPr>
+          <p:cNvPr id="6" name="Slide Number Placeholder 5">
+            <a:extLst>
+              <a:ext uri="{FF2B5EF4-FFF2-40B4-BE49-F238E27FC236}">
+                <a16:creationId xmlns:a16="http://schemas.microsoft.com/office/drawing/2014/main" id="{6C9E5424-51EB-5DB7-72F1-6579328B6DF0}"/>
+              </a:ext>
+            </a:extLst>
+          </p:cNvPr>
+          <p:cNvSpPr>
+            <a:spLocks noGrp="1"/>
+          </p:cNvSpPr>
+          <p:nvPr>
+            <p:ph type="sldNum" sz="quarter" idx="12"/>
+          </p:nvPr>
+        </p:nvSpPr>
+        <p:spPr/>
+        <p:txBody>
+          <a:bodyPr/>
+          <a:lstStyle/>
+          <a:p>
+            <a:fld id="{C33A2A5D-5A42-4533-ACF4-15D55555B360}" type="slidenum">
+              <a:rPr lang="en-GB" smtClean="0"/>
+              <a:t>16</a:t>
+            </a:fld>
+            <a:endParaRPr lang="en-GB"/>
+          </a:p>
+        </p:txBody>
+      </p:sp>
+      <p:sp>
+        <p:nvSpPr>
+          <p:cNvPr id="10" name="TextBox 9">
+            <a:extLst>
+              <a:ext uri="{FF2B5EF4-FFF2-40B4-BE49-F238E27FC236}">
+                <a16:creationId xmlns:a16="http://schemas.microsoft.com/office/drawing/2014/main" id="{05088CD9-2199-A318-CF8A-5C0B1AD0DC26}"/>
+              </a:ext>
+            </a:extLst>
+          </p:cNvPr>
+          <p:cNvSpPr txBox="1"/>
+          <p:nvPr/>
+        </p:nvSpPr>
+        <p:spPr>
+          <a:xfrm>
+            <a:off x="103450" y="2747097"/>
+            <a:ext cx="6096000" cy="369332"/>
           </a:xfrm>
           <a:prstGeom prst="rect">
             <a:avLst/>
@@ -10386,18 +11720,48 @@
           <a:lstStyle/>
           <a:p>
             <a:r>
-              <a:rPr lang="en-GB" dirty="0">
-                <a:hlinkClick r:id="rId3"/>
-              </a:rPr>
-              <a:t>https://github.com/info-zas/zas-robotics-motion/blob/main/04_BasicFunctionalTests/00_BasicTests/08_Stepper_Motor_Control.ino</a:t>
-            </a:r>
-            <a:endParaRPr lang="en-GB" dirty="0"/>
-          </a:p>
-          <a:p>
-            <a:endParaRPr lang="en-GB" dirty="0"/>
-          </a:p>
-        </p:txBody>
-      </p:sp>
+              <a:rPr lang="en-GB" b="1" dirty="0"/>
+              <a:t>Code for Lab M2</a:t>
+            </a:r>
+          </a:p>
+        </p:txBody>
+      </p:sp>
+      <p:pic>
+        <p:nvPicPr>
+          <p:cNvPr id="11" name="Picture 10">
+            <a:extLst>
+              <a:ext uri="{FF2B5EF4-FFF2-40B4-BE49-F238E27FC236}">
+                <a16:creationId xmlns:a16="http://schemas.microsoft.com/office/drawing/2014/main" id="{7AD99489-FD0A-F53B-7556-D031BE8FECA7}"/>
+              </a:ext>
+            </a:extLst>
+          </p:cNvPr>
+          <p:cNvPicPr>
+            <a:picLocks noChangeAspect="1"/>
+          </p:cNvPicPr>
+          <p:nvPr/>
+        </p:nvPicPr>
+        <p:blipFill>
+          <a:blip r:embed="rId4" cstate="print">
+            <a:extLst>
+              <a:ext uri="{28A0092B-C50C-407E-A947-70E740481C1C}">
+                <a14:useLocalDpi xmlns:a14="http://schemas.microsoft.com/office/drawing/2010/main" val="0"/>
+              </a:ext>
+            </a:extLst>
+          </a:blip>
+          <a:stretch>
+            <a:fillRect/>
+          </a:stretch>
+        </p:blipFill>
+        <p:spPr>
+          <a:xfrm>
+            <a:off x="9004852" y="1"/>
+            <a:ext cx="3125372" cy="842386"/>
+          </a:xfrm>
+          <a:prstGeom prst="rect">
+            <a:avLst/>
+          </a:prstGeom>
+        </p:spPr>
+      </p:pic>
     </p:spTree>
     <p:extLst>
       <p:ext uri="{BB962C8B-B14F-4D97-AF65-F5344CB8AC3E}">
@@ -10446,14 +11810,43 @@
         </p:nvSpPr>
         <p:spPr/>
         <p:txBody>
-          <a:bodyPr/>
-          <a:lstStyle/>
-          <a:p>
-            <a:r>
-              <a:rPr lang="en-GB" b="1" dirty="0"/>
-              <a:t>Encoder Motor – Target Ticks – Manual Control</a:t>
-            </a:r>
-            <a:endParaRPr lang="en-GB" dirty="0"/>
+          <a:bodyPr vert="horz" lIns="91440" tIns="45720" rIns="91440" bIns="45720" rtlCol="0" anchor="ctr">
+            <a:normAutofit/>
+          </a:bodyPr>
+          <a:lstStyle/>
+          <a:p>
+            <a:r>
+              <a:rPr lang="en-GB" b="1" dirty="0">
+                <a:solidFill>
+                  <a:srgbClr val="FF3300"/>
+                </a:solidFill>
+                <a:latin typeface="Calibri Light" panose="020F0302020204030204" pitchFamily="34" charset="0"/>
+                <a:ea typeface="Calibri Light" panose="020F0302020204030204" pitchFamily="34" charset="0"/>
+                <a:cs typeface="Calibri Light" panose="020F0302020204030204" pitchFamily="34" charset="0"/>
+              </a:rPr>
+              <a:t>Lab M3: Encoder Motor</a:t>
+            </a:r>
+            <a:br>
+              <a:rPr lang="en-GB" b="1" dirty="0">
+                <a:solidFill>
+                  <a:srgbClr val="FF3300"/>
+                </a:solidFill>
+                <a:latin typeface="Calibri Light" panose="020F0302020204030204" pitchFamily="34" charset="0"/>
+                <a:ea typeface="Calibri Light" panose="020F0302020204030204" pitchFamily="34" charset="0"/>
+                <a:cs typeface="Calibri Light" panose="020F0302020204030204" pitchFamily="34" charset="0"/>
+              </a:rPr>
+            </a:br>
+            <a:r>
+              <a:rPr lang="en-GB" b="1" dirty="0">
+                <a:solidFill>
+                  <a:srgbClr val="FF3300"/>
+                </a:solidFill>
+                <a:latin typeface="Calibri Light" panose="020F0302020204030204" pitchFamily="34" charset="0"/>
+                <a:ea typeface="Calibri Light" panose="020F0302020204030204" pitchFamily="34" charset="0"/>
+                <a:cs typeface="Calibri Light" panose="020F0302020204030204" pitchFamily="34" charset="0"/>
+              </a:rPr>
+              <a:t>Target Ticks by Hand (Manual Control)</a:t>
+            </a:r>
           </a:p>
         </p:txBody>
       </p:sp>
@@ -10559,7 +11952,7 @@
         </p:nvSpPr>
         <p:spPr>
           <a:xfrm>
-            <a:off x="596267" y="1940798"/>
+            <a:off x="546550" y="1718181"/>
             <a:ext cx="5307577" cy="3970318"/>
           </a:xfrm>
           <a:prstGeom prst="rect">
@@ -10753,7 +12146,109 @@
         <p:spPr>
           <a:xfrm>
             <a:off x="201227" y="5911116"/>
-            <a:ext cx="6097656" cy="923330"/>
+            <a:ext cx="5652900" cy="923330"/>
+          </a:xfrm>
+          <a:prstGeom prst="rect">
+            <a:avLst/>
+          </a:prstGeom>
+          <a:noFill/>
+          <a:ln>
+            <a:solidFill>
+              <a:schemeClr val="accent1">
+                <a:lumMod val="75000"/>
+              </a:schemeClr>
+            </a:solidFill>
+          </a:ln>
+        </p:spPr>
+        <p:txBody>
+          <a:bodyPr wrap="square">
+            <a:spAutoFit/>
+          </a:bodyPr>
+          <a:lstStyle/>
+          <a:p>
+            <a:r>
+              <a:rPr lang="en-GB" dirty="0">
+                <a:hlinkClick r:id="rId3"/>
+              </a:rPr>
+              <a:t>https://github.com/info-zas/Training/tree/main/GPREC/02_Motion/01_MotionCode/03_Motion_Kit_Encoder_Ticks_By_Hand</a:t>
+            </a:r>
+            <a:endParaRPr lang="en-GB" dirty="0"/>
+          </a:p>
+        </p:txBody>
+      </p:sp>
+      <p:sp>
+        <p:nvSpPr>
+          <p:cNvPr id="5" name="Date Placeholder 4">
+            <a:extLst>
+              <a:ext uri="{FF2B5EF4-FFF2-40B4-BE49-F238E27FC236}">
+                <a16:creationId xmlns:a16="http://schemas.microsoft.com/office/drawing/2014/main" id="{AFE713DC-5A1C-9826-64CD-BA5286702451}"/>
+              </a:ext>
+            </a:extLst>
+          </p:cNvPr>
+          <p:cNvSpPr>
+            <a:spLocks noGrp="1"/>
+          </p:cNvSpPr>
+          <p:nvPr>
+            <p:ph type="dt" sz="half" idx="10"/>
+          </p:nvPr>
+        </p:nvSpPr>
+        <p:spPr/>
+        <p:txBody>
+          <a:bodyPr/>
+          <a:lstStyle/>
+          <a:p>
+            <a:r>
+              <a:rPr lang="en-GB"/>
+              <a:t>06/12/2025</a:t>
+            </a:r>
+          </a:p>
+        </p:txBody>
+      </p:sp>
+      <p:sp>
+        <p:nvSpPr>
+          <p:cNvPr id="6" name="Slide Number Placeholder 5">
+            <a:extLst>
+              <a:ext uri="{FF2B5EF4-FFF2-40B4-BE49-F238E27FC236}">
+                <a16:creationId xmlns:a16="http://schemas.microsoft.com/office/drawing/2014/main" id="{EEABB162-C9A0-6268-52CA-F7A3ADA50736}"/>
+              </a:ext>
+            </a:extLst>
+          </p:cNvPr>
+          <p:cNvSpPr>
+            <a:spLocks noGrp="1"/>
+          </p:cNvSpPr>
+          <p:nvPr>
+            <p:ph type="sldNum" sz="quarter" idx="12"/>
+          </p:nvPr>
+        </p:nvSpPr>
+        <p:spPr/>
+        <p:txBody>
+          <a:bodyPr/>
+          <a:lstStyle/>
+          <a:p>
+            <a:fld id="{C33A2A5D-5A42-4533-ACF4-15D55555B360}" type="slidenum">
+              <a:rPr lang="en-GB" smtClean="0"/>
+              <a:t>17</a:t>
+            </a:fld>
+            <a:endParaRPr lang="en-GB"/>
+          </a:p>
+        </p:txBody>
+      </p:sp>
+      <p:sp>
+        <p:nvSpPr>
+          <p:cNvPr id="8" name="TextBox 7">
+            <a:extLst>
+              <a:ext uri="{FF2B5EF4-FFF2-40B4-BE49-F238E27FC236}">
+                <a16:creationId xmlns:a16="http://schemas.microsoft.com/office/drawing/2014/main" id="{667E8514-07E6-FE36-0EA2-EFB3B302A2E6}"/>
+              </a:ext>
+            </a:extLst>
+          </p:cNvPr>
+          <p:cNvSpPr txBox="1"/>
+          <p:nvPr/>
+        </p:nvSpPr>
+        <p:spPr>
+          <a:xfrm>
+            <a:off x="202883" y="5671320"/>
+            <a:ext cx="6096000" cy="369332"/>
           </a:xfrm>
           <a:prstGeom prst="rect">
             <a:avLst/>
@@ -10767,12 +12262,9 @@
           <a:lstStyle/>
           <a:p>
             <a:r>
-              <a:rPr lang="en-GB" dirty="0">
-                <a:hlinkClick r:id="rId3"/>
-              </a:rPr>
-              <a:t>https://github.com/info-zas/Training/tree/main/GPREC/02_Motion/01_MotionCode/03_Motion_Kit_Encoder_Ticks_By_Hand</a:t>
-            </a:r>
-            <a:endParaRPr lang="en-GB" dirty="0"/>
+              <a:rPr lang="en-GB" b="1" dirty="0"/>
+              <a:t>Code for Lab M3</a:t>
+            </a:r>
           </a:p>
         </p:txBody>
       </p:sp>
@@ -10830,12 +12322,42 @@
         </p:nvSpPr>
         <p:spPr/>
         <p:txBody>
-          <a:bodyPr/>
-          <a:lstStyle/>
-          <a:p>
-            <a:r>
-              <a:rPr lang="en-GB" b="1" dirty="0"/>
-              <a:t>Encoder Motor – Target Ticks – PID Controller</a:t>
+          <a:bodyPr vert="horz" lIns="91440" tIns="45720" rIns="91440" bIns="45720" rtlCol="0" anchor="ctr">
+            <a:normAutofit/>
+          </a:bodyPr>
+          <a:lstStyle/>
+          <a:p>
+            <a:r>
+              <a:rPr lang="en-GB" b="1" dirty="0">
+                <a:solidFill>
+                  <a:srgbClr val="FF3300"/>
+                </a:solidFill>
+                <a:latin typeface="Calibri Light" panose="020F0302020204030204" pitchFamily="34" charset="0"/>
+                <a:ea typeface="Calibri Light" panose="020F0302020204030204" pitchFamily="34" charset="0"/>
+                <a:cs typeface="Calibri Light" panose="020F0302020204030204" pitchFamily="34" charset="0"/>
+              </a:rPr>
+              <a:t>Lab M4: Encoder Motor</a:t>
+            </a:r>
+            <a:br>
+              <a:rPr lang="en-GB" b="1" dirty="0">
+                <a:solidFill>
+                  <a:srgbClr val="FF3300"/>
+                </a:solidFill>
+                <a:latin typeface="Calibri Light" panose="020F0302020204030204" pitchFamily="34" charset="0"/>
+                <a:ea typeface="Calibri Light" panose="020F0302020204030204" pitchFamily="34" charset="0"/>
+                <a:cs typeface="Calibri Light" panose="020F0302020204030204" pitchFamily="34" charset="0"/>
+              </a:rPr>
+            </a:br>
+            <a:r>
+              <a:rPr lang="en-GB" b="1" dirty="0">
+                <a:solidFill>
+                  <a:srgbClr val="FF3300"/>
+                </a:solidFill>
+                <a:latin typeface="Calibri Light" panose="020F0302020204030204" pitchFamily="34" charset="0"/>
+                <a:ea typeface="Calibri Light" panose="020F0302020204030204" pitchFamily="34" charset="0"/>
+                <a:cs typeface="Calibri Light" panose="020F0302020204030204" pitchFamily="34" charset="0"/>
+              </a:rPr>
+              <a:t>Target Ticks Using PID Controller</a:t>
             </a:r>
           </a:p>
         </p:txBody>
@@ -10869,7 +12391,7 @@
         <p:spPr>
           <a:xfrm>
             <a:off x="6169393" y="1582187"/>
-            <a:ext cx="4378314" cy="4274328"/>
+            <a:ext cx="3721859" cy="3633464"/>
           </a:xfrm>
           <a:prstGeom prst="rect">
             <a:avLst/>
@@ -10890,8 +12412,8 @@
         </p:nvSpPr>
         <p:spPr>
           <a:xfrm>
-            <a:off x="6539948" y="1251051"/>
-            <a:ext cx="2445027" cy="2287280"/>
+            <a:off x="6539948" y="1582185"/>
+            <a:ext cx="2445027" cy="1956145"/>
           </a:xfrm>
           <a:prstGeom prst="rect">
             <a:avLst/>
@@ -11175,8 +12697,110 @@
         </p:nvSpPr>
         <p:spPr>
           <a:xfrm>
-            <a:off x="5936147" y="5856515"/>
-            <a:ext cx="6097656" cy="923330"/>
+            <a:off x="5936975" y="5644836"/>
+            <a:ext cx="4889169" cy="1200329"/>
+          </a:xfrm>
+          <a:prstGeom prst="rect">
+            <a:avLst/>
+          </a:prstGeom>
+          <a:noFill/>
+          <a:ln>
+            <a:solidFill>
+              <a:schemeClr val="accent1">
+                <a:lumMod val="75000"/>
+              </a:schemeClr>
+            </a:solidFill>
+          </a:ln>
+        </p:spPr>
+        <p:txBody>
+          <a:bodyPr wrap="square">
+            <a:spAutoFit/>
+          </a:bodyPr>
+          <a:lstStyle/>
+          <a:p>
+            <a:r>
+              <a:rPr lang="en-GB" dirty="0">
+                <a:hlinkClick r:id="rId3"/>
+              </a:rPr>
+              <a:t>https://github.com/info-zas/Training/tree/main/GPREC/02_Motion/01_MotionCode/04_Motion_Kit_Encoder_Target_Ticks_PID</a:t>
+            </a:r>
+            <a:endParaRPr lang="en-GB" dirty="0"/>
+          </a:p>
+        </p:txBody>
+      </p:sp>
+      <p:sp>
+        <p:nvSpPr>
+          <p:cNvPr id="3" name="Date Placeholder 2">
+            <a:extLst>
+              <a:ext uri="{FF2B5EF4-FFF2-40B4-BE49-F238E27FC236}">
+                <a16:creationId xmlns:a16="http://schemas.microsoft.com/office/drawing/2014/main" id="{3BADC937-A963-CCF0-ADB5-5AE25A27483C}"/>
+              </a:ext>
+            </a:extLst>
+          </p:cNvPr>
+          <p:cNvSpPr>
+            <a:spLocks noGrp="1"/>
+          </p:cNvSpPr>
+          <p:nvPr>
+            <p:ph type="dt" sz="half" idx="10"/>
+          </p:nvPr>
+        </p:nvSpPr>
+        <p:spPr/>
+        <p:txBody>
+          <a:bodyPr/>
+          <a:lstStyle/>
+          <a:p>
+            <a:r>
+              <a:rPr lang="en-GB"/>
+              <a:t>06/12/2025</a:t>
+            </a:r>
+          </a:p>
+        </p:txBody>
+      </p:sp>
+      <p:sp>
+        <p:nvSpPr>
+          <p:cNvPr id="7" name="Slide Number Placeholder 6">
+            <a:extLst>
+              <a:ext uri="{FF2B5EF4-FFF2-40B4-BE49-F238E27FC236}">
+                <a16:creationId xmlns:a16="http://schemas.microsoft.com/office/drawing/2014/main" id="{2C920C73-733A-80A0-6349-D65934B144E7}"/>
+              </a:ext>
+            </a:extLst>
+          </p:cNvPr>
+          <p:cNvSpPr>
+            <a:spLocks noGrp="1"/>
+          </p:cNvSpPr>
+          <p:nvPr>
+            <p:ph type="sldNum" sz="quarter" idx="12"/>
+          </p:nvPr>
+        </p:nvSpPr>
+        <p:spPr/>
+        <p:txBody>
+          <a:bodyPr/>
+          <a:lstStyle/>
+          <a:p>
+            <a:fld id="{C33A2A5D-5A42-4533-ACF4-15D55555B360}" type="slidenum">
+              <a:rPr lang="en-GB" smtClean="0"/>
+              <a:t>18</a:t>
+            </a:fld>
+            <a:endParaRPr lang="en-GB"/>
+          </a:p>
+        </p:txBody>
+      </p:sp>
+      <p:sp>
+        <p:nvSpPr>
+          <p:cNvPr id="10" name="TextBox 9">
+            <a:extLst>
+              <a:ext uri="{FF2B5EF4-FFF2-40B4-BE49-F238E27FC236}">
+                <a16:creationId xmlns:a16="http://schemas.microsoft.com/office/drawing/2014/main" id="{C75E6640-9ED1-624F-A227-9ADD753D5EAB}"/>
+              </a:ext>
+            </a:extLst>
+          </p:cNvPr>
+          <p:cNvSpPr txBox="1"/>
+          <p:nvPr/>
+        </p:nvSpPr>
+        <p:spPr>
+          <a:xfrm>
+            <a:off x="5936975" y="5336480"/>
+            <a:ext cx="6096000" cy="369332"/>
           </a:xfrm>
           <a:prstGeom prst="rect">
             <a:avLst/>
@@ -11190,15 +12814,48 @@
           <a:lstStyle/>
           <a:p>
             <a:r>
-              <a:rPr lang="en-GB" dirty="0">
-                <a:hlinkClick r:id="rId3"/>
-              </a:rPr>
-              <a:t>https://github.com/info-zas/Training/tree/main/GPREC/02_Motion/01_MotionCode/04_Motion_Kit_Encoder_Target_Ticks_PID</a:t>
-            </a:r>
-            <a:endParaRPr lang="en-GB" dirty="0"/>
-          </a:p>
-        </p:txBody>
-      </p:sp>
+              <a:rPr lang="en-GB" b="1" dirty="0"/>
+              <a:t>Code for Lab M4</a:t>
+            </a:r>
+          </a:p>
+        </p:txBody>
+      </p:sp>
+      <p:pic>
+        <p:nvPicPr>
+          <p:cNvPr id="11" name="Picture 10">
+            <a:extLst>
+              <a:ext uri="{FF2B5EF4-FFF2-40B4-BE49-F238E27FC236}">
+                <a16:creationId xmlns:a16="http://schemas.microsoft.com/office/drawing/2014/main" id="{B44B174A-A2AE-4596-7CFC-0E9039757C2C}"/>
+              </a:ext>
+            </a:extLst>
+          </p:cNvPr>
+          <p:cNvPicPr>
+            <a:picLocks noChangeAspect="1"/>
+          </p:cNvPicPr>
+          <p:nvPr/>
+        </p:nvPicPr>
+        <p:blipFill>
+          <a:blip r:embed="rId4" cstate="print">
+            <a:extLst>
+              <a:ext uri="{28A0092B-C50C-407E-A947-70E740481C1C}">
+                <a14:useLocalDpi xmlns:a14="http://schemas.microsoft.com/office/drawing/2010/main" val="0"/>
+              </a:ext>
+            </a:extLst>
+          </a:blip>
+          <a:stretch>
+            <a:fillRect/>
+          </a:stretch>
+        </p:blipFill>
+        <p:spPr>
+          <a:xfrm>
+            <a:off x="9004852" y="1"/>
+            <a:ext cx="3125372" cy="842386"/>
+          </a:xfrm>
+          <a:prstGeom prst="rect">
+            <a:avLst/>
+          </a:prstGeom>
+        </p:spPr>
+      </p:pic>
     </p:spTree>
     <p:extLst>
       <p:ext uri="{BB962C8B-B14F-4D97-AF65-F5344CB8AC3E}">
@@ -11231,10 +12888,67 @@
       </p:grpSpPr>
       <p:sp>
         <p:nvSpPr>
-          <p:cNvPr id="2" name="Title 1">
-            <a:extLst>
-              <a:ext uri="{FF2B5EF4-FFF2-40B4-BE49-F238E27FC236}">
-                <a16:creationId xmlns:a16="http://schemas.microsoft.com/office/drawing/2014/main" id="{C2273D77-7429-86D0-6DBE-B88578D6F41F}"/>
+          <p:cNvPr id="4" name="Date Placeholder 3">
+            <a:extLst>
+              <a:ext uri="{FF2B5EF4-FFF2-40B4-BE49-F238E27FC236}">
+                <a16:creationId xmlns:a16="http://schemas.microsoft.com/office/drawing/2014/main" id="{332643D7-FA1E-FA76-614C-B2D498625C0B}"/>
+              </a:ext>
+            </a:extLst>
+          </p:cNvPr>
+          <p:cNvSpPr>
+            <a:spLocks noGrp="1"/>
+          </p:cNvSpPr>
+          <p:nvPr>
+            <p:ph type="dt" sz="half" idx="10"/>
+          </p:nvPr>
+        </p:nvSpPr>
+        <p:spPr/>
+        <p:txBody>
+          <a:bodyPr/>
+          <a:lstStyle/>
+          <a:p>
+            <a:r>
+              <a:rPr lang="en-GB" dirty="0"/>
+              <a:t>06/12/2025</a:t>
+            </a:r>
+          </a:p>
+        </p:txBody>
+      </p:sp>
+      <p:sp>
+        <p:nvSpPr>
+          <p:cNvPr id="5" name="Slide Number Placeholder 4">
+            <a:extLst>
+              <a:ext uri="{FF2B5EF4-FFF2-40B4-BE49-F238E27FC236}">
+                <a16:creationId xmlns:a16="http://schemas.microsoft.com/office/drawing/2014/main" id="{1159DCAD-4AC5-E9B5-BEE8-7401348E5FAC}"/>
+              </a:ext>
+            </a:extLst>
+          </p:cNvPr>
+          <p:cNvSpPr>
+            <a:spLocks noGrp="1"/>
+          </p:cNvSpPr>
+          <p:nvPr>
+            <p:ph type="sldNum" sz="quarter" idx="12"/>
+          </p:nvPr>
+        </p:nvSpPr>
+        <p:spPr/>
+        <p:txBody>
+          <a:bodyPr/>
+          <a:lstStyle/>
+          <a:p>
+            <a:fld id="{C33A2A5D-5A42-4533-ACF4-15D55555B360}" type="slidenum">
+              <a:rPr lang="en-GB" smtClean="0"/>
+              <a:t>19</a:t>
+            </a:fld>
+            <a:endParaRPr lang="en-GB"/>
+          </a:p>
+        </p:txBody>
+      </p:sp>
+      <p:sp>
+        <p:nvSpPr>
+          <p:cNvPr id="6" name="Title 1">
+            <a:extLst>
+              <a:ext uri="{FF2B5EF4-FFF2-40B4-BE49-F238E27FC236}">
+                <a16:creationId xmlns:a16="http://schemas.microsoft.com/office/drawing/2014/main" id="{F6FD6276-18DA-CFE2-1046-5815F462EA95}"/>
               </a:ext>
             </a:extLst>
           </p:cNvPr>
@@ -11245,13 +12959,1089 @@
             <p:ph type="title"/>
           </p:nvPr>
         </p:nvSpPr>
+        <p:spPr bwMode="auto">
+          <a:xfrm>
+            <a:off x="838200" y="365125"/>
+            <a:ext cx="10515600" cy="1325563"/>
+          </a:xfrm>
+        </p:spPr>
+        <p:txBody>
+          <a:bodyPr vert="horz" lIns="91440" tIns="45720" rIns="91440" bIns="45720" rtlCol="0" anchor="ctr">
+            <a:normAutofit/>
+          </a:bodyPr>
+          <a:lstStyle/>
+          <a:p>
+            <a:pPr rtl="0"/>
+            <a:r>
+              <a:rPr lang="en-GB" b="1" dirty="0">
+                <a:solidFill>
+                  <a:srgbClr val="FF3300"/>
+                </a:solidFill>
+              </a:rPr>
+              <a:t>Motion</a:t>
+            </a:r>
+            <a:r>
+              <a:rPr lang="en-GB" b="1" kern="1200" dirty="0">
+                <a:solidFill>
+                  <a:srgbClr val="FF3300"/>
+                </a:solidFill>
+              </a:rPr>
+              <a:t> Kit –Further Labs</a:t>
+            </a:r>
+            <a:endParaRPr b="1" kern="1200" dirty="0">
+              <a:solidFill>
+                <a:srgbClr val="FF3300"/>
+              </a:solidFill>
+            </a:endParaRPr>
+          </a:p>
+        </p:txBody>
+      </p:sp>
+      <p:sp>
+        <p:nvSpPr>
+          <p:cNvPr id="7" name="TextBox 6">
+            <a:extLst>
+              <a:ext uri="{FF2B5EF4-FFF2-40B4-BE49-F238E27FC236}">
+                <a16:creationId xmlns:a16="http://schemas.microsoft.com/office/drawing/2014/main" id="{7435DECA-42D3-613F-045C-B857F12835A5}"/>
+              </a:ext>
+            </a:extLst>
+          </p:cNvPr>
+          <p:cNvSpPr txBox="1"/>
+          <p:nvPr/>
+        </p:nvSpPr>
+        <p:spPr bwMode="auto">
+          <a:xfrm>
+            <a:off x="838200" y="1458144"/>
+            <a:ext cx="6973180" cy="1569660"/>
+          </a:xfrm>
+          <a:prstGeom prst="rect">
+            <a:avLst/>
+          </a:prstGeom>
+          <a:noFill/>
+        </p:spPr>
+        <p:txBody>
+          <a:bodyPr wrap="square" rtlCol="0">
+            <a:spAutoFit/>
+          </a:bodyPr>
+          <a:lstStyle/>
+          <a:p>
+            <a:pPr marL="285750" indent="-285750">
+              <a:buFont typeface="Arial" panose="020B0604020202020204" pitchFamily="34" charset="0"/>
+              <a:buChar char="•"/>
+            </a:pPr>
+            <a:r>
+              <a:rPr lang="en-GB" sz="2400" dirty="0"/>
+              <a:t>So far using motion kit, we have demonstrated how to control DC, Stepper, Encoder Motors</a:t>
+            </a:r>
+          </a:p>
+          <a:p>
+            <a:endParaRPr lang="en-GB" sz="2400" dirty="0"/>
+          </a:p>
+          <a:p>
+            <a:pPr marL="285750" indent="-285750">
+              <a:buFont typeface="Arial" panose="020B0604020202020204" pitchFamily="34" charset="0"/>
+              <a:buChar char="•"/>
+            </a:pPr>
+            <a:r>
+              <a:rPr lang="en-GB" sz="2400" dirty="0"/>
+              <a:t>With the components in the motion kit, we can do:</a:t>
+            </a:r>
+          </a:p>
+        </p:txBody>
+      </p:sp>
+      <p:pic>
+        <p:nvPicPr>
+          <p:cNvPr id="9" name="Picture 8">
+            <a:extLst>
+              <a:ext uri="{FF2B5EF4-FFF2-40B4-BE49-F238E27FC236}">
+                <a16:creationId xmlns:a16="http://schemas.microsoft.com/office/drawing/2014/main" id="{5956020B-A035-9695-F572-929AAFCDF0EB}"/>
+              </a:ext>
+            </a:extLst>
+          </p:cNvPr>
+          <p:cNvPicPr>
+            <a:picLocks noChangeAspect="1"/>
+          </p:cNvPicPr>
+          <p:nvPr/>
+        </p:nvPicPr>
+        <p:blipFill>
+          <a:blip r:embed="rId2"/>
+          <a:stretch>
+            <a:fillRect/>
+          </a:stretch>
+        </p:blipFill>
+        <p:spPr>
+          <a:xfrm>
+            <a:off x="1101213" y="3300716"/>
+            <a:ext cx="6871493" cy="1828864"/>
+          </a:xfrm>
+          <a:prstGeom prst="rect">
+            <a:avLst/>
+          </a:prstGeom>
+        </p:spPr>
+      </p:pic>
+      <p:sp>
+        <p:nvSpPr>
+          <p:cNvPr id="10" name="TextBox 9">
+            <a:extLst>
+              <a:ext uri="{FF2B5EF4-FFF2-40B4-BE49-F238E27FC236}">
+                <a16:creationId xmlns:a16="http://schemas.microsoft.com/office/drawing/2014/main" id="{DFFDCE0A-875C-04EC-A378-22699D70AE43}"/>
+              </a:ext>
+            </a:extLst>
+          </p:cNvPr>
+          <p:cNvSpPr txBox="1"/>
+          <p:nvPr/>
+        </p:nvSpPr>
+        <p:spPr bwMode="auto">
+          <a:xfrm>
+            <a:off x="743079" y="5253229"/>
+            <a:ext cx="7163422" cy="830997"/>
+          </a:xfrm>
+          <a:prstGeom prst="rect">
+            <a:avLst/>
+          </a:prstGeom>
+          <a:noFill/>
+          <a:ln>
+            <a:noFill/>
+          </a:ln>
+        </p:spPr>
+        <p:txBody>
+          <a:bodyPr wrap="square">
+            <a:spAutoFit/>
+          </a:bodyPr>
+          <a:lstStyle/>
+          <a:p>
+            <a:pPr marL="285750" indent="-285750">
+              <a:buFont typeface="Arial" panose="020B0604020202020204" pitchFamily="34" charset="0"/>
+              <a:buChar char="•"/>
+            </a:pPr>
+            <a:r>
+              <a:rPr lang="en-GB" sz="2400" dirty="0"/>
+              <a:t>All the details can be found at Git hub repository: </a:t>
+            </a:r>
+          </a:p>
+          <a:p>
+            <a:r>
+              <a:rPr lang="en-GB" sz="2400" dirty="0"/>
+              <a:t>      </a:t>
+            </a:r>
+            <a:r>
+              <a:rPr lang="en-GB" sz="2400" dirty="0">
+                <a:solidFill>
+                  <a:srgbClr val="0070C0"/>
+                </a:solidFill>
+              </a:rPr>
+              <a:t>https://github.com/info-zas/zas-robotics-motion</a:t>
+            </a:r>
+          </a:p>
+        </p:txBody>
+      </p:sp>
+      <p:pic>
+        <p:nvPicPr>
+          <p:cNvPr id="11" name="Picture 10">
+            <a:extLst>
+              <a:ext uri="{FF2B5EF4-FFF2-40B4-BE49-F238E27FC236}">
+                <a16:creationId xmlns:a16="http://schemas.microsoft.com/office/drawing/2014/main" id="{DD384C31-F0B5-9BBD-13EA-03ABB382A311}"/>
+              </a:ext>
+            </a:extLst>
+          </p:cNvPr>
+          <p:cNvPicPr>
+            <a:picLocks noChangeAspect="1"/>
+          </p:cNvPicPr>
+          <p:nvPr/>
+        </p:nvPicPr>
+        <p:blipFill>
+          <a:blip r:embed="rId3" cstate="print">
+            <a:extLst>
+              <a:ext uri="{28A0092B-C50C-407E-A947-70E740481C1C}">
+                <a14:useLocalDpi xmlns:a14="http://schemas.microsoft.com/office/drawing/2010/main" val="0"/>
+              </a:ext>
+            </a:extLst>
+          </a:blip>
+          <a:stretch>
+            <a:fillRect/>
+          </a:stretch>
+        </p:blipFill>
+        <p:spPr>
+          <a:xfrm>
+            <a:off x="9004852" y="1"/>
+            <a:ext cx="3125372" cy="842386"/>
+          </a:xfrm>
+          <a:prstGeom prst="rect">
+            <a:avLst/>
+          </a:prstGeom>
+        </p:spPr>
+      </p:pic>
+      <p:pic>
+        <p:nvPicPr>
+          <p:cNvPr id="12" name="Picture 11">
+            <a:extLst>
+              <a:ext uri="{FF2B5EF4-FFF2-40B4-BE49-F238E27FC236}">
+                <a16:creationId xmlns:a16="http://schemas.microsoft.com/office/drawing/2014/main" id="{47B32712-A822-604A-01C9-DD8EC779E9EE}"/>
+              </a:ext>
+            </a:extLst>
+          </p:cNvPr>
+          <p:cNvPicPr>
+            <a:picLocks noChangeAspect="1"/>
+          </p:cNvPicPr>
+          <p:nvPr/>
+        </p:nvPicPr>
+        <p:blipFill>
+          <a:blip r:embed="rId4"/>
+          <a:stretch>
+            <a:fillRect/>
+          </a:stretch>
+        </p:blipFill>
+        <p:spPr>
+          <a:xfrm>
+            <a:off x="8235719" y="992991"/>
+            <a:ext cx="3611269" cy="2869298"/>
+          </a:xfrm>
+          <a:prstGeom prst="rect">
+            <a:avLst/>
+          </a:prstGeom>
+        </p:spPr>
+      </p:pic>
+      <p:pic>
+        <p:nvPicPr>
+          <p:cNvPr id="13" name="Picture 12">
+            <a:extLst>
+              <a:ext uri="{FF2B5EF4-FFF2-40B4-BE49-F238E27FC236}">
+                <a16:creationId xmlns:a16="http://schemas.microsoft.com/office/drawing/2014/main" id="{FA5AB6D6-833A-632E-9BED-DBFA41545CE0}"/>
+              </a:ext>
+            </a:extLst>
+          </p:cNvPr>
+          <p:cNvPicPr>
+            <a:picLocks noChangeAspect="1"/>
+          </p:cNvPicPr>
+          <p:nvPr/>
+        </p:nvPicPr>
+        <p:blipFill>
+          <a:blip r:embed="rId5">
+            <a:extLst>
+              <a:ext uri="{28A0092B-C50C-407E-A947-70E740481C1C}">
+                <a14:useLocalDpi xmlns:a14="http://schemas.microsoft.com/office/drawing/2010/main" val="0"/>
+              </a:ext>
+            </a:extLst>
+          </a:blip>
+          <a:stretch>
+            <a:fillRect/>
+          </a:stretch>
+        </p:blipFill>
+        <p:spPr>
+          <a:xfrm>
+            <a:off x="8610600" y="3862289"/>
+            <a:ext cx="3132770" cy="2936972"/>
+          </a:xfrm>
+          <a:prstGeom prst="rect">
+            <a:avLst/>
+          </a:prstGeom>
+        </p:spPr>
+      </p:pic>
+    </p:spTree>
+    <p:extLst>
+      <p:ext uri="{BB962C8B-B14F-4D97-AF65-F5344CB8AC3E}">
+        <p14:creationId xmlns:p14="http://schemas.microsoft.com/office/powerpoint/2010/main" val="1916494666"/>
+      </p:ext>
+    </p:extLst>
+  </p:cSld>
+  <p:clrMapOvr>
+    <a:masterClrMapping/>
+  </p:clrMapOvr>
+</p:sld>
+</file>
+
+<file path=ppt/slides/slide2.xml><?xml version="1.0" encoding="utf-8"?>
+<p:sld xmlns:a="http://schemas.openxmlformats.org/drawingml/2006/main" xmlns:r="http://schemas.openxmlformats.org/officeDocument/2006/relationships" xmlns:p="http://schemas.openxmlformats.org/presentationml/2006/main">
+  <p:cSld>
+    <p:spTree>
+      <p:nvGrpSpPr>
+        <p:cNvPr id="1" name="">
+          <a:extLst>
+            <a:ext uri="{FF2B5EF4-FFF2-40B4-BE49-F238E27FC236}">
+              <a16:creationId xmlns:a16="http://schemas.microsoft.com/office/drawing/2014/main" id="{7B75978B-BD44-06FA-4D99-F584A0797BD2}"/>
+            </a:ext>
+          </a:extLst>
+        </p:cNvPr>
+        <p:cNvGrpSpPr/>
+        <p:nvPr/>
+      </p:nvGrpSpPr>
+      <p:grpSpPr>
+        <a:xfrm>
+          <a:off x="0" y="0"/>
+          <a:ext cx="0" cy="0"/>
+          <a:chOff x="0" y="0"/>
+          <a:chExt cx="0" cy="0"/>
+        </a:xfrm>
+      </p:grpSpPr>
+      <p:sp>
+        <p:nvSpPr>
+          <p:cNvPr id="2" name="Title 1">
+            <a:extLst>
+              <a:ext uri="{FF2B5EF4-FFF2-40B4-BE49-F238E27FC236}">
+                <a16:creationId xmlns:a16="http://schemas.microsoft.com/office/drawing/2014/main" id="{CD937690-D06E-5C28-C476-753343FCD308}"/>
+              </a:ext>
+            </a:extLst>
+          </p:cNvPr>
+          <p:cNvSpPr>
+            <a:spLocks noGrp="1"/>
+          </p:cNvSpPr>
+          <p:nvPr>
+            <p:ph type="title"/>
+          </p:nvPr>
+        </p:nvSpPr>
+        <p:spPr>
+          <a:xfrm>
+            <a:off x="409882" y="95922"/>
+            <a:ext cx="10515600" cy="1325563"/>
+          </a:xfrm>
+        </p:spPr>
+        <p:txBody>
+          <a:bodyPr/>
+          <a:lstStyle/>
+          <a:p>
+            <a:r>
+              <a:rPr lang="en-GB" b="1" dirty="0">
+                <a:solidFill>
+                  <a:srgbClr val="FF3300"/>
+                </a:solidFill>
+                <a:latin typeface="Calibri Light" panose="020F0302020204030204" pitchFamily="34" charset="0"/>
+                <a:ea typeface="Calibri Light" panose="020F0302020204030204" pitchFamily="34" charset="0"/>
+                <a:cs typeface="Calibri Light" panose="020F0302020204030204" pitchFamily="34" charset="0"/>
+              </a:rPr>
+              <a:t>Motion Kit (Kit 2) Training - Objectives</a:t>
+            </a:r>
+            <a:endParaRPr lang="en-GB" b="1" dirty="0">
+              <a:latin typeface="Calibri Light" panose="020F0302020204030204" pitchFamily="34" charset="0"/>
+              <a:ea typeface="Calibri Light" panose="020F0302020204030204" pitchFamily="34" charset="0"/>
+              <a:cs typeface="Calibri Light" panose="020F0302020204030204" pitchFamily="34" charset="0"/>
+            </a:endParaRPr>
+          </a:p>
+        </p:txBody>
+      </p:sp>
+      <p:sp>
+        <p:nvSpPr>
+          <p:cNvPr id="3" name="Date Placeholder 2">
+            <a:extLst>
+              <a:ext uri="{FF2B5EF4-FFF2-40B4-BE49-F238E27FC236}">
+                <a16:creationId xmlns:a16="http://schemas.microsoft.com/office/drawing/2014/main" id="{DF04774B-1111-045A-9A57-92A137AF0354}"/>
+              </a:ext>
+            </a:extLst>
+          </p:cNvPr>
+          <p:cNvSpPr>
+            <a:spLocks noGrp="1"/>
+          </p:cNvSpPr>
+          <p:nvPr>
+            <p:ph type="dt" sz="half" idx="10"/>
+          </p:nvPr>
+        </p:nvSpPr>
         <p:spPr/>
         <p:txBody>
           <a:bodyPr/>
           <a:lstStyle/>
           <a:p>
             <a:r>
-              <a:rPr lang="en-GB" b="1" dirty="0"/>
+              <a:rPr lang="en-GB"/>
+              <a:t>06/12/2025</a:t>
+            </a:r>
+          </a:p>
+        </p:txBody>
+      </p:sp>
+      <p:sp>
+        <p:nvSpPr>
+          <p:cNvPr id="4" name="Slide Number Placeholder 3">
+            <a:extLst>
+              <a:ext uri="{FF2B5EF4-FFF2-40B4-BE49-F238E27FC236}">
+                <a16:creationId xmlns:a16="http://schemas.microsoft.com/office/drawing/2014/main" id="{DA666451-9E48-5EA9-5B67-38EF94FD0CA9}"/>
+              </a:ext>
+            </a:extLst>
+          </p:cNvPr>
+          <p:cNvSpPr>
+            <a:spLocks noGrp="1"/>
+          </p:cNvSpPr>
+          <p:nvPr>
+            <p:ph type="sldNum" sz="quarter" idx="12"/>
+          </p:nvPr>
+        </p:nvSpPr>
+        <p:spPr/>
+        <p:txBody>
+          <a:bodyPr/>
+          <a:lstStyle/>
+          <a:p>
+            <a:fld id="{C33A2A5D-5A42-4533-ACF4-15D55555B360}" type="slidenum">
+              <a:rPr lang="en-GB" smtClean="0"/>
+              <a:t>2</a:t>
+            </a:fld>
+            <a:endParaRPr lang="en-GB"/>
+          </a:p>
+        </p:txBody>
+      </p:sp>
+      <p:sp>
+        <p:nvSpPr>
+          <p:cNvPr id="5" name="TextBox 4">
+            <a:extLst>
+              <a:ext uri="{FF2B5EF4-FFF2-40B4-BE49-F238E27FC236}">
+                <a16:creationId xmlns:a16="http://schemas.microsoft.com/office/drawing/2014/main" id="{2C975743-592A-3B29-383B-097995A5C729}"/>
+              </a:ext>
+            </a:extLst>
+          </p:cNvPr>
+          <p:cNvSpPr txBox="1"/>
+          <p:nvPr/>
+        </p:nvSpPr>
+        <p:spPr>
+          <a:xfrm>
+            <a:off x="502499" y="1260178"/>
+            <a:ext cx="9850870" cy="4708981"/>
+          </a:xfrm>
+          <a:prstGeom prst="rect">
+            <a:avLst/>
+          </a:prstGeom>
+          <a:noFill/>
+        </p:spPr>
+        <p:txBody>
+          <a:bodyPr wrap="square" rtlCol="0">
+            <a:spAutoFit/>
+          </a:bodyPr>
+          <a:lstStyle/>
+          <a:p>
+            <a:pPr marL="342900" marR="0" lvl="0" indent="-342900" algn="l" defTabSz="914400" rtl="0" eaLnBrk="1" fontAlgn="auto" latinLnBrk="0" hangingPunct="1">
+              <a:lnSpc>
+                <a:spcPct val="100000"/>
+              </a:lnSpc>
+              <a:spcBef>
+                <a:spcPts val="0"/>
+              </a:spcBef>
+              <a:spcAft>
+                <a:spcPts val="0"/>
+              </a:spcAft>
+              <a:buClrTx/>
+              <a:buSzTx/>
+              <a:buFont typeface="Arial" panose="020B0604020202020204" pitchFamily="34" charset="0"/>
+              <a:buChar char="•"/>
+              <a:tabLst/>
+              <a:defRPr/>
+            </a:pPr>
+            <a:r>
+              <a:rPr kumimoji="0" lang="en-GB" sz="2000" i="0" u="none" strike="noStrike" kern="1200" cap="none" spc="0" normalizeH="0" baseline="0" noProof="0" dirty="0">
+                <a:ln>
+                  <a:noFill/>
+                </a:ln>
+                <a:effectLst/>
+                <a:uLnTx/>
+                <a:uFillTx/>
+                <a:latin typeface="Aptos" panose="02110004020202020204"/>
+                <a:ea typeface="+mn-ea"/>
+                <a:cs typeface="+mn-cs"/>
+              </a:rPr>
+              <a:t>Review the Contents in the Box</a:t>
+            </a:r>
+          </a:p>
+          <a:p>
+            <a:pPr marL="342900" marR="0" lvl="0" indent="-342900" algn="l" defTabSz="914400" rtl="0" eaLnBrk="1" fontAlgn="auto" latinLnBrk="0" hangingPunct="1">
+              <a:lnSpc>
+                <a:spcPct val="100000"/>
+              </a:lnSpc>
+              <a:spcBef>
+                <a:spcPts val="0"/>
+              </a:spcBef>
+              <a:spcAft>
+                <a:spcPts val="0"/>
+              </a:spcAft>
+              <a:buClrTx/>
+              <a:buSzTx/>
+              <a:buFont typeface="Arial" panose="020B0604020202020204" pitchFamily="34" charset="0"/>
+              <a:buChar char="•"/>
+              <a:tabLst/>
+              <a:defRPr/>
+            </a:pPr>
+            <a:endParaRPr kumimoji="0" lang="en-GB" sz="2000" b="0" i="0" u="none" strike="noStrike" kern="1200" cap="none" spc="0" normalizeH="0" baseline="0" noProof="0" dirty="0">
+              <a:ln>
+                <a:noFill/>
+              </a:ln>
+              <a:effectLst/>
+              <a:uLnTx/>
+              <a:uFillTx/>
+              <a:latin typeface="Aptos" panose="02110004020202020204"/>
+              <a:ea typeface="+mn-ea"/>
+              <a:cs typeface="+mn-cs"/>
+            </a:endParaRPr>
+          </a:p>
+          <a:p>
+            <a:pPr marL="342900" marR="0" lvl="0" indent="-342900" algn="l" defTabSz="914400" rtl="0" eaLnBrk="1" fontAlgn="auto" latinLnBrk="0" hangingPunct="1">
+              <a:lnSpc>
+                <a:spcPct val="100000"/>
+              </a:lnSpc>
+              <a:spcBef>
+                <a:spcPts val="0"/>
+              </a:spcBef>
+              <a:spcAft>
+                <a:spcPts val="0"/>
+              </a:spcAft>
+              <a:buClrTx/>
+              <a:buSzTx/>
+              <a:buFont typeface="Arial" panose="020B0604020202020204" pitchFamily="34" charset="0"/>
+              <a:buChar char="•"/>
+              <a:tabLst/>
+              <a:defRPr/>
+            </a:pPr>
+            <a:r>
+              <a:rPr kumimoji="0" lang="en-GB" sz="2000" b="0" i="0" u="none" strike="noStrike" kern="1200" cap="none" spc="0" normalizeH="0" baseline="0" noProof="0" dirty="0">
+                <a:ln>
+                  <a:noFill/>
+                </a:ln>
+                <a:effectLst/>
+                <a:uLnTx/>
+                <a:uFillTx/>
+                <a:latin typeface="Aptos" panose="02110004020202020204"/>
+                <a:ea typeface="+mn-ea"/>
+                <a:cs typeface="+mn-cs"/>
+              </a:rPr>
+              <a:t>Review &amp; Discuss the Motion Creative Board</a:t>
+            </a:r>
+          </a:p>
+          <a:p>
+            <a:pPr marL="342900" marR="0" lvl="0" indent="-342900" algn="l" defTabSz="914400" rtl="0" eaLnBrk="1" fontAlgn="auto" latinLnBrk="0" hangingPunct="1">
+              <a:lnSpc>
+                <a:spcPct val="100000"/>
+              </a:lnSpc>
+              <a:spcBef>
+                <a:spcPts val="0"/>
+              </a:spcBef>
+              <a:spcAft>
+                <a:spcPts val="0"/>
+              </a:spcAft>
+              <a:buClrTx/>
+              <a:buSzTx/>
+              <a:buFont typeface="Arial" panose="020B0604020202020204" pitchFamily="34" charset="0"/>
+              <a:buChar char="•"/>
+              <a:tabLst/>
+              <a:defRPr/>
+            </a:pPr>
+            <a:endParaRPr kumimoji="0" lang="en-GB" sz="2000" b="0" i="0" u="none" strike="noStrike" kern="1200" cap="none" spc="0" normalizeH="0" baseline="0" noProof="0" dirty="0">
+              <a:ln>
+                <a:noFill/>
+              </a:ln>
+              <a:effectLst/>
+              <a:uLnTx/>
+              <a:uFillTx/>
+              <a:latin typeface="Aptos" panose="02110004020202020204"/>
+              <a:ea typeface="+mn-ea"/>
+              <a:cs typeface="+mn-cs"/>
+            </a:endParaRPr>
+          </a:p>
+          <a:p>
+            <a:pPr marL="342900" marR="0" lvl="0" indent="-342900" algn="l" defTabSz="914400" rtl="0" eaLnBrk="1" fontAlgn="auto" latinLnBrk="0" hangingPunct="1">
+              <a:lnSpc>
+                <a:spcPct val="100000"/>
+              </a:lnSpc>
+              <a:spcBef>
+                <a:spcPts val="0"/>
+              </a:spcBef>
+              <a:spcAft>
+                <a:spcPts val="0"/>
+              </a:spcAft>
+              <a:buClrTx/>
+              <a:buSzTx/>
+              <a:buFont typeface="Arial" panose="020B0604020202020204" pitchFamily="34" charset="0"/>
+              <a:buChar char="•"/>
+              <a:tabLst/>
+              <a:defRPr/>
+            </a:pPr>
+            <a:r>
+              <a:rPr kumimoji="0" lang="en-GB" sz="2000" b="0" i="0" u="none" strike="noStrike" kern="1200" cap="none" spc="0" normalizeH="0" baseline="0" noProof="0" dirty="0">
+                <a:ln>
+                  <a:noFill/>
+                </a:ln>
+                <a:effectLst/>
+                <a:uLnTx/>
+                <a:uFillTx/>
+                <a:latin typeface="Aptos" panose="02110004020202020204"/>
+                <a:ea typeface="+mn-ea"/>
+                <a:cs typeface="+mn-cs"/>
+              </a:rPr>
+              <a:t>Discuss the Health &amp; Safety Precautions, Power Supply and Sensor Modules V/G Pins</a:t>
+            </a:r>
+          </a:p>
+          <a:p>
+            <a:pPr marL="342900" marR="0" lvl="0" indent="-342900" algn="l" defTabSz="914400" rtl="0" eaLnBrk="1" fontAlgn="auto" latinLnBrk="0" hangingPunct="1">
+              <a:lnSpc>
+                <a:spcPct val="100000"/>
+              </a:lnSpc>
+              <a:spcBef>
+                <a:spcPts val="0"/>
+              </a:spcBef>
+              <a:spcAft>
+                <a:spcPts val="0"/>
+              </a:spcAft>
+              <a:buClrTx/>
+              <a:buSzTx/>
+              <a:buFont typeface="Arial" panose="020B0604020202020204" pitchFamily="34" charset="0"/>
+              <a:buChar char="•"/>
+              <a:tabLst/>
+              <a:defRPr/>
+            </a:pPr>
+            <a:endParaRPr kumimoji="0" lang="en-GB" sz="2000" b="0" i="0" u="none" strike="noStrike" kern="1200" cap="none" spc="0" normalizeH="0" baseline="0" noProof="0" dirty="0">
+              <a:ln>
+                <a:noFill/>
+              </a:ln>
+              <a:effectLst/>
+              <a:uLnTx/>
+              <a:uFillTx/>
+              <a:latin typeface="Aptos" panose="02110004020202020204"/>
+              <a:ea typeface="+mn-ea"/>
+              <a:cs typeface="+mn-cs"/>
+            </a:endParaRPr>
+          </a:p>
+          <a:p>
+            <a:pPr marL="342900" marR="0" lvl="0" indent="-342900" algn="l" defTabSz="914400" rtl="0" eaLnBrk="1" fontAlgn="auto" latinLnBrk="0" hangingPunct="1">
+              <a:lnSpc>
+                <a:spcPct val="100000"/>
+              </a:lnSpc>
+              <a:spcBef>
+                <a:spcPts val="0"/>
+              </a:spcBef>
+              <a:spcAft>
+                <a:spcPts val="0"/>
+              </a:spcAft>
+              <a:buClrTx/>
+              <a:buSzTx/>
+              <a:buFont typeface="Arial" panose="020B0604020202020204" pitchFamily="34" charset="0"/>
+              <a:buChar char="•"/>
+              <a:tabLst/>
+              <a:defRPr/>
+            </a:pPr>
+            <a:r>
+              <a:rPr kumimoji="0" lang="en-GB" sz="2000" b="0" i="0" u="none" strike="noStrike" kern="1200" cap="none" spc="0" normalizeH="0" baseline="0" noProof="0" dirty="0">
+                <a:ln>
+                  <a:noFill/>
+                </a:ln>
+                <a:effectLst/>
+                <a:uLnTx/>
+                <a:uFillTx/>
+                <a:latin typeface="Aptos" panose="02110004020202020204"/>
+                <a:ea typeface="+mn-ea"/>
+                <a:cs typeface="+mn-cs"/>
+              </a:rPr>
+              <a:t>Conduct the Following Labs on both the Bread Board and Creative Board</a:t>
+            </a:r>
+          </a:p>
+          <a:p>
+            <a:pPr marL="800100" marR="0" lvl="1" indent="-342900" algn="l" defTabSz="914400" rtl="0" eaLnBrk="1" fontAlgn="auto" latinLnBrk="0" hangingPunct="1">
+              <a:lnSpc>
+                <a:spcPct val="100000"/>
+              </a:lnSpc>
+              <a:spcBef>
+                <a:spcPts val="0"/>
+              </a:spcBef>
+              <a:spcAft>
+                <a:spcPts val="0"/>
+              </a:spcAft>
+              <a:buClrTx/>
+              <a:buSzTx/>
+              <a:buFont typeface="Arial" panose="020B0604020202020204" pitchFamily="34" charset="0"/>
+              <a:buChar char="•"/>
+              <a:tabLst/>
+              <a:defRPr/>
+            </a:pPr>
+            <a:r>
+              <a:rPr kumimoji="0" lang="en-GB" sz="2000" b="0" i="0" u="none" strike="noStrike" kern="1200" cap="none" spc="0" normalizeH="0" baseline="0" noProof="0" dirty="0">
+                <a:ln>
+                  <a:noFill/>
+                </a:ln>
+                <a:solidFill>
+                  <a:srgbClr val="00B0F0"/>
+                </a:solidFill>
+                <a:effectLst/>
+                <a:uLnTx/>
+                <a:uFillTx/>
+                <a:latin typeface="Aptos" panose="02110004020202020204"/>
+                <a:ea typeface="+mn-ea"/>
+                <a:cs typeface="+mn-cs"/>
+              </a:rPr>
+              <a:t>Lab M1 : DC Motor</a:t>
+            </a:r>
+          </a:p>
+          <a:p>
+            <a:pPr marL="800100" marR="0" lvl="1" indent="-342900" algn="l" defTabSz="914400" rtl="0" eaLnBrk="1" fontAlgn="auto" latinLnBrk="0" hangingPunct="1">
+              <a:lnSpc>
+                <a:spcPct val="100000"/>
+              </a:lnSpc>
+              <a:spcBef>
+                <a:spcPts val="0"/>
+              </a:spcBef>
+              <a:spcAft>
+                <a:spcPts val="0"/>
+              </a:spcAft>
+              <a:buClrTx/>
+              <a:buSzTx/>
+              <a:buFont typeface="Arial" panose="020B0604020202020204" pitchFamily="34" charset="0"/>
+              <a:buChar char="•"/>
+              <a:tabLst/>
+              <a:defRPr/>
+            </a:pPr>
+            <a:r>
+              <a:rPr kumimoji="0" lang="en-GB" sz="2000" b="0" i="0" u="none" strike="noStrike" kern="1200" cap="none" spc="0" normalizeH="0" baseline="0" noProof="0" dirty="0">
+                <a:ln>
+                  <a:noFill/>
+                </a:ln>
+                <a:solidFill>
+                  <a:srgbClr val="00B0F0"/>
+                </a:solidFill>
+                <a:effectLst/>
+                <a:uLnTx/>
+                <a:uFillTx/>
+                <a:latin typeface="Aptos" panose="02110004020202020204"/>
+                <a:ea typeface="+mn-ea"/>
+                <a:cs typeface="+mn-cs"/>
+              </a:rPr>
+              <a:t>Lab M2: Stepper Motor</a:t>
+            </a:r>
+          </a:p>
+          <a:p>
+            <a:pPr marL="342900" marR="0" lvl="0" indent="-342900" algn="l" defTabSz="914400" rtl="0" eaLnBrk="1" fontAlgn="auto" latinLnBrk="0" hangingPunct="1">
+              <a:lnSpc>
+                <a:spcPct val="100000"/>
+              </a:lnSpc>
+              <a:spcBef>
+                <a:spcPts val="0"/>
+              </a:spcBef>
+              <a:spcAft>
+                <a:spcPts val="0"/>
+              </a:spcAft>
+              <a:buClrTx/>
+              <a:buSzTx/>
+              <a:buFont typeface="Arial" panose="020B0604020202020204" pitchFamily="34" charset="0"/>
+              <a:buChar char="•"/>
+              <a:tabLst/>
+              <a:defRPr/>
+            </a:pPr>
+            <a:endParaRPr kumimoji="0" lang="en-GB" sz="2000" b="0" i="0" u="none" strike="noStrike" kern="1200" cap="none" spc="0" normalizeH="0" baseline="0" noProof="0" dirty="0">
+              <a:ln>
+                <a:noFill/>
+              </a:ln>
+              <a:effectLst/>
+              <a:uLnTx/>
+              <a:uFillTx/>
+              <a:latin typeface="Aptos" panose="02110004020202020204"/>
+              <a:ea typeface="+mn-ea"/>
+              <a:cs typeface="+mn-cs"/>
+            </a:endParaRPr>
+          </a:p>
+          <a:p>
+            <a:pPr marL="342900" marR="0" lvl="0" indent="-342900" algn="l" defTabSz="914400" rtl="0" eaLnBrk="1" fontAlgn="auto" latinLnBrk="0" hangingPunct="1">
+              <a:lnSpc>
+                <a:spcPct val="100000"/>
+              </a:lnSpc>
+              <a:spcBef>
+                <a:spcPts val="0"/>
+              </a:spcBef>
+              <a:spcAft>
+                <a:spcPts val="0"/>
+              </a:spcAft>
+              <a:buClrTx/>
+              <a:buSzTx/>
+              <a:buFont typeface="Arial" panose="020B0604020202020204" pitchFamily="34" charset="0"/>
+              <a:buChar char="•"/>
+              <a:tabLst/>
+              <a:defRPr/>
+            </a:pPr>
+            <a:r>
+              <a:rPr kumimoji="0" lang="en-GB" sz="2000" b="0" i="0" u="none" strike="noStrike" kern="1200" cap="none" spc="0" normalizeH="0" baseline="0" noProof="0" dirty="0">
+                <a:ln>
+                  <a:noFill/>
+                </a:ln>
+                <a:effectLst/>
+                <a:uLnTx/>
+                <a:uFillTx/>
+                <a:latin typeface="Aptos" panose="02110004020202020204"/>
+                <a:ea typeface="+mn-ea"/>
+                <a:cs typeface="+mn-cs"/>
+              </a:rPr>
+              <a:t>Conduct the Following Labs on the Creative Board</a:t>
+            </a:r>
+          </a:p>
+          <a:p>
+            <a:pPr marL="800100" marR="0" lvl="1" indent="-342900" algn="l" defTabSz="914400" rtl="0" eaLnBrk="1" fontAlgn="auto" latinLnBrk="0" hangingPunct="1">
+              <a:lnSpc>
+                <a:spcPct val="100000"/>
+              </a:lnSpc>
+              <a:spcBef>
+                <a:spcPts val="0"/>
+              </a:spcBef>
+              <a:spcAft>
+                <a:spcPts val="0"/>
+              </a:spcAft>
+              <a:buClrTx/>
+              <a:buSzTx/>
+              <a:buFont typeface="Arial" panose="020B0604020202020204" pitchFamily="34" charset="0"/>
+              <a:buChar char="•"/>
+              <a:tabLst/>
+              <a:defRPr/>
+            </a:pPr>
+            <a:r>
+              <a:rPr lang="en-GB" sz="2000" dirty="0">
+                <a:solidFill>
+                  <a:srgbClr val="00B0F0"/>
+                </a:solidFill>
+                <a:latin typeface="Aptos" panose="02110004020202020204"/>
+              </a:rPr>
+              <a:t>Lab M3: Encoder</a:t>
+            </a:r>
+            <a:r>
+              <a:rPr kumimoji="0" lang="en-GB" sz="2000" b="0" i="0" u="none" strike="noStrike" kern="1200" cap="none" spc="0" normalizeH="0" baseline="0" noProof="0" dirty="0">
+                <a:ln>
+                  <a:noFill/>
+                </a:ln>
+                <a:solidFill>
+                  <a:srgbClr val="00B0F0"/>
+                </a:solidFill>
+                <a:effectLst/>
+                <a:uLnTx/>
+                <a:uFillTx/>
+                <a:latin typeface="Aptos" panose="02110004020202020204"/>
+                <a:ea typeface="+mn-ea"/>
+                <a:cs typeface="+mn-cs"/>
+              </a:rPr>
+              <a:t> Motor – </a:t>
+            </a:r>
+            <a:r>
+              <a:rPr lang="en-GB" sz="2000" dirty="0">
+                <a:solidFill>
+                  <a:srgbClr val="00B0F0"/>
+                </a:solidFill>
+                <a:latin typeface="Aptos" panose="02110004020202020204"/>
+              </a:rPr>
+              <a:t>Set</a:t>
+            </a:r>
+            <a:r>
+              <a:rPr kumimoji="0" lang="en-GB" sz="2000" b="0" i="0" u="none" strike="noStrike" kern="1200" cap="none" spc="0" normalizeH="0" baseline="0" noProof="0" dirty="0">
+                <a:ln>
+                  <a:noFill/>
+                </a:ln>
+                <a:solidFill>
+                  <a:srgbClr val="00B0F0"/>
+                </a:solidFill>
+                <a:effectLst/>
+                <a:uLnTx/>
+                <a:uFillTx/>
+                <a:latin typeface="Aptos" panose="02110004020202020204"/>
+                <a:ea typeface="+mn-ea"/>
+                <a:cs typeface="+mn-cs"/>
+              </a:rPr>
+              <a:t> Ticks by Hand</a:t>
+            </a:r>
+          </a:p>
+          <a:p>
+            <a:pPr marL="800100" marR="0" lvl="1" indent="-342900" algn="l" defTabSz="914400" rtl="0" eaLnBrk="1" fontAlgn="auto" latinLnBrk="0" hangingPunct="1">
+              <a:lnSpc>
+                <a:spcPct val="100000"/>
+              </a:lnSpc>
+              <a:spcBef>
+                <a:spcPts val="0"/>
+              </a:spcBef>
+              <a:spcAft>
+                <a:spcPts val="0"/>
+              </a:spcAft>
+              <a:buClrTx/>
+              <a:buSzTx/>
+              <a:buFont typeface="Arial" panose="020B0604020202020204" pitchFamily="34" charset="0"/>
+              <a:buChar char="•"/>
+              <a:tabLst/>
+              <a:defRPr/>
+            </a:pPr>
+            <a:r>
+              <a:rPr kumimoji="0" lang="en-GB" sz="2000" b="0" i="0" u="none" strike="noStrike" kern="1200" cap="none" spc="0" normalizeH="0" baseline="0" noProof="0" dirty="0">
+                <a:ln>
+                  <a:noFill/>
+                </a:ln>
+                <a:solidFill>
+                  <a:srgbClr val="00B0F0"/>
+                </a:solidFill>
+                <a:effectLst/>
+                <a:uLnTx/>
+                <a:uFillTx/>
+                <a:latin typeface="Aptos" panose="02110004020202020204"/>
+                <a:ea typeface="+mn-ea"/>
+                <a:cs typeface="+mn-cs"/>
+              </a:rPr>
+              <a:t>Lab M4: Encoder Motor – Target Ticks using PID Controller</a:t>
+            </a:r>
+          </a:p>
+          <a:p>
+            <a:pPr marL="800100" marR="0" lvl="1" indent="-342900" algn="l" defTabSz="914400" rtl="0" eaLnBrk="1" fontAlgn="auto" latinLnBrk="0" hangingPunct="1">
+              <a:lnSpc>
+                <a:spcPct val="100000"/>
+              </a:lnSpc>
+              <a:spcBef>
+                <a:spcPts val="0"/>
+              </a:spcBef>
+              <a:spcAft>
+                <a:spcPts val="0"/>
+              </a:spcAft>
+              <a:buClrTx/>
+              <a:buSzTx/>
+              <a:buFont typeface="Arial" panose="020B0604020202020204" pitchFamily="34" charset="0"/>
+              <a:buChar char="•"/>
+              <a:tabLst/>
+              <a:defRPr/>
+            </a:pPr>
+            <a:endParaRPr kumimoji="0" lang="en-GB" sz="2000" b="0" i="0" u="none" strike="noStrike" kern="1200" cap="none" spc="0" normalizeH="0" baseline="0" noProof="0" dirty="0">
+              <a:ln>
+                <a:noFill/>
+              </a:ln>
+              <a:effectLst/>
+              <a:uLnTx/>
+              <a:uFillTx/>
+              <a:latin typeface="Aptos" panose="02110004020202020204"/>
+              <a:ea typeface="+mn-ea"/>
+              <a:cs typeface="+mn-cs"/>
+            </a:endParaRPr>
+          </a:p>
+          <a:p>
+            <a:pPr marL="342900" marR="0" lvl="0" indent="-342900" algn="l" defTabSz="914400" rtl="0" eaLnBrk="1" fontAlgn="auto" latinLnBrk="0" hangingPunct="1">
+              <a:lnSpc>
+                <a:spcPct val="100000"/>
+              </a:lnSpc>
+              <a:spcBef>
+                <a:spcPts val="0"/>
+              </a:spcBef>
+              <a:spcAft>
+                <a:spcPts val="0"/>
+              </a:spcAft>
+              <a:buClrTx/>
+              <a:buSzTx/>
+              <a:buFont typeface="Arial" panose="020B0604020202020204" pitchFamily="34" charset="0"/>
+              <a:buChar char="•"/>
+              <a:tabLst/>
+              <a:defRPr/>
+            </a:pPr>
+            <a:r>
+              <a:rPr kumimoji="0" lang="en-GB" sz="2000" b="0" i="0" u="none" strike="noStrike" kern="1200" cap="none" spc="0" normalizeH="0" baseline="0" noProof="0" dirty="0">
+                <a:ln>
+                  <a:noFill/>
+                </a:ln>
+                <a:effectLst/>
+                <a:uLnTx/>
+                <a:uFillTx/>
+                <a:latin typeface="Aptos" panose="02110004020202020204"/>
+                <a:ea typeface="+mn-ea"/>
+                <a:cs typeface="+mn-cs"/>
+              </a:rPr>
+              <a:t>Discuss the </a:t>
+            </a:r>
+            <a:r>
+              <a:rPr kumimoji="0" lang="en-GB" sz="2000" b="0" i="0" u="sng" strike="noStrike" kern="1200" cap="none" spc="0" normalizeH="0" baseline="0" noProof="0" dirty="0">
+                <a:ln>
+                  <a:noFill/>
+                </a:ln>
+                <a:effectLst/>
+                <a:uLnTx/>
+                <a:uFillTx/>
+                <a:latin typeface="Aptos" panose="02110004020202020204"/>
+                <a:ea typeface="+mn-ea"/>
+                <a:cs typeface="+mn-cs"/>
+              </a:rPr>
+              <a:t>Bread Board of the Creative Board</a:t>
+            </a:r>
+          </a:p>
+        </p:txBody>
+      </p:sp>
+      <p:pic>
+        <p:nvPicPr>
+          <p:cNvPr id="6" name="Picture 5">
+            <a:extLst>
+              <a:ext uri="{FF2B5EF4-FFF2-40B4-BE49-F238E27FC236}">
+                <a16:creationId xmlns:a16="http://schemas.microsoft.com/office/drawing/2014/main" id="{42E8D333-A37F-421E-8125-EFA7B86337E3}"/>
+              </a:ext>
+            </a:extLst>
+          </p:cNvPr>
+          <p:cNvPicPr>
+            <a:picLocks noChangeAspect="1"/>
+          </p:cNvPicPr>
+          <p:nvPr/>
+        </p:nvPicPr>
+        <p:blipFill>
+          <a:blip r:embed="rId2" cstate="print">
+            <a:extLst>
+              <a:ext uri="{28A0092B-C50C-407E-A947-70E740481C1C}">
+                <a14:useLocalDpi xmlns:a14="http://schemas.microsoft.com/office/drawing/2010/main" val="0"/>
+              </a:ext>
+            </a:extLst>
+          </a:blip>
+          <a:stretch>
+            <a:fillRect/>
+          </a:stretch>
+        </p:blipFill>
+        <p:spPr>
+          <a:xfrm>
+            <a:off x="9004852" y="1"/>
+            <a:ext cx="3125372" cy="842386"/>
+          </a:xfrm>
+          <a:prstGeom prst="rect">
+            <a:avLst/>
+          </a:prstGeom>
+        </p:spPr>
+      </p:pic>
+    </p:spTree>
+    <p:extLst>
+      <p:ext uri="{BB962C8B-B14F-4D97-AF65-F5344CB8AC3E}">
+        <p14:creationId xmlns:p14="http://schemas.microsoft.com/office/powerpoint/2010/main" val="917141570"/>
+      </p:ext>
+    </p:extLst>
+  </p:cSld>
+  <p:clrMapOvr>
+    <a:masterClrMapping/>
+  </p:clrMapOvr>
+</p:sld>
+</file>
+
+<file path=ppt/slides/slide20.xml><?xml version="1.0" encoding="utf-8"?>
+<p:sld xmlns:a="http://schemas.openxmlformats.org/drawingml/2006/main" xmlns:r="http://schemas.openxmlformats.org/officeDocument/2006/relationships" xmlns:p="http://schemas.openxmlformats.org/presentationml/2006/main">
+  <p:cSld>
+    <p:spTree>
+      <p:nvGrpSpPr>
+        <p:cNvPr id="1" name=""/>
+        <p:cNvGrpSpPr/>
+        <p:nvPr/>
+      </p:nvGrpSpPr>
+      <p:grpSpPr>
+        <a:xfrm>
+          <a:off x="0" y="0"/>
+          <a:ext cx="0" cy="0"/>
+          <a:chOff x="0" y="0"/>
+          <a:chExt cx="0" cy="0"/>
+        </a:xfrm>
+      </p:grpSpPr>
+      <p:sp>
+        <p:nvSpPr>
+          <p:cNvPr id="2" name="Title 1">
+            <a:extLst>
+              <a:ext uri="{FF2B5EF4-FFF2-40B4-BE49-F238E27FC236}">
+                <a16:creationId xmlns:a16="http://schemas.microsoft.com/office/drawing/2014/main" id="{C2273D77-7429-86D0-6DBE-B88578D6F41F}"/>
+              </a:ext>
+            </a:extLst>
+          </p:cNvPr>
+          <p:cNvSpPr>
+            <a:spLocks noGrp="1"/>
+          </p:cNvSpPr>
+          <p:nvPr>
+            <p:ph type="title"/>
+          </p:nvPr>
+        </p:nvSpPr>
+        <p:spPr/>
+        <p:txBody>
+          <a:bodyPr vert="horz" lIns="91440" tIns="45720" rIns="91440" bIns="45720" rtlCol="0" anchor="ctr">
+            <a:normAutofit/>
+          </a:bodyPr>
+          <a:lstStyle/>
+          <a:p>
+            <a:r>
+              <a:rPr lang="en-GB" b="1" dirty="0">
+                <a:solidFill>
+                  <a:srgbClr val="FF3300"/>
+                </a:solidFill>
+                <a:latin typeface="Calibri Light" panose="020F0302020204030204" pitchFamily="34" charset="0"/>
+                <a:ea typeface="Calibri Light" panose="020F0302020204030204" pitchFamily="34" charset="0"/>
+                <a:cs typeface="Calibri Light" panose="020F0302020204030204" pitchFamily="34" charset="0"/>
+              </a:rPr>
               <a:t>Summary</a:t>
             </a:r>
           </a:p>
@@ -11275,8 +14065,8 @@
         </p:nvSpPr>
         <p:spPr bwMode="auto">
           <a:xfrm>
-            <a:off x="838200" y="2570132"/>
-            <a:ext cx="10785966" cy="2862322"/>
+            <a:off x="914400" y="1338160"/>
+            <a:ext cx="10439400" cy="4893647"/>
           </a:xfrm>
           <a:prstGeom prst="rect">
             <a:avLst/>
@@ -11316,7 +14106,7 @@
           </a:extLst>
         </p:spPr>
         <p:txBody>
-          <a:bodyPr vert="horz" wrap="none" lIns="91440" tIns="45720" rIns="91440" bIns="45720" numCol="1" anchor="ctr" anchorCtr="0" compatLnSpc="1">
+          <a:bodyPr vert="horz" wrap="square" lIns="91440" tIns="45720" rIns="91440" bIns="45720" numCol="1" anchor="ctr" anchorCtr="0" compatLnSpc="1">
             <a:prstTxWarp prst="textNoShape">
               <a:avLst/>
             </a:prstTxWarp>
@@ -11341,7 +14131,7 @@
               <a:tabLst/>
             </a:pPr>
             <a:r>
-              <a:rPr kumimoji="0" lang="en-US" altLang="en-US" sz="1800" b="1" i="0" u="none" strike="noStrike" cap="none" normalizeH="0" baseline="0" dirty="0">
+              <a:rPr kumimoji="0" lang="en-US" altLang="en-US" sz="2400" b="1" i="0" u="none" strike="noStrike" cap="none" normalizeH="0" baseline="0" dirty="0">
                 <a:ln>
                   <a:noFill/>
                 </a:ln>
@@ -11354,7 +14144,7 @@
               <a:t>Previously:</a:t>
             </a:r>
             <a:br>
-              <a:rPr kumimoji="0" lang="en-US" altLang="en-US" sz="1800" b="0" i="0" u="none" strike="noStrike" cap="none" normalizeH="0" baseline="0" dirty="0">
+              <a:rPr kumimoji="0" lang="en-US" altLang="en-US" sz="2400" b="0" i="0" u="none" strike="noStrike" cap="none" normalizeH="0" baseline="0" dirty="0">
                 <a:ln>
                   <a:noFill/>
                 </a:ln>
@@ -11366,7 +14156,7 @@
               </a:rPr>
             </a:br>
             <a:r>
-              <a:rPr kumimoji="0" lang="en-US" altLang="en-US" sz="1800" b="0" i="0" u="none" strike="noStrike" cap="none" normalizeH="0" baseline="0" dirty="0">
+              <a:rPr kumimoji="0" lang="en-US" altLang="en-US" sz="2400" b="0" i="0" u="none" strike="noStrike" cap="none" normalizeH="0" baseline="0" dirty="0">
                 <a:ln>
                   <a:noFill/>
                 </a:ln>
@@ -11379,7 +14169,7 @@
               <a:t>We explored the </a:t>
             </a:r>
             <a:r>
-              <a:rPr kumimoji="0" lang="en-US" altLang="en-US" sz="1800" b="1" i="0" u="none" strike="noStrike" cap="none" normalizeH="0" baseline="0" dirty="0">
+              <a:rPr kumimoji="0" lang="en-US" altLang="en-US" sz="2400" b="1" i="0" u="none" strike="noStrike" cap="none" normalizeH="0" baseline="0" dirty="0">
                 <a:ln>
                   <a:noFill/>
                 </a:ln>
@@ -11392,7 +14182,7 @@
               <a:t>Sensor Kit</a:t>
             </a:r>
             <a:r>
-              <a:rPr kumimoji="0" lang="en-US" altLang="en-US" sz="1800" b="0" i="0" u="none" strike="noStrike" cap="none" normalizeH="0" baseline="0" dirty="0">
+              <a:rPr kumimoji="0" lang="en-US" altLang="en-US" sz="2400" b="0" i="0" u="none" strike="noStrike" cap="none" normalizeH="0" baseline="0" dirty="0">
                 <a:ln>
                   <a:noFill/>
                 </a:ln>
@@ -11423,13 +14213,13 @@
               <a:tabLst/>
             </a:pPr>
             <a:r>
-              <a:rPr lang="en-US" altLang="en-US" sz="1800" b="1" dirty="0">
+              <a:rPr lang="en-US" altLang="en-US" sz="2400" b="1" dirty="0">
                 <a:latin typeface="Arial" panose="020B0604020202020204" pitchFamily="34" charset="0"/>
               </a:rPr>
               <a:t>Present Session</a:t>
             </a:r>
             <a:r>
-              <a:rPr kumimoji="0" lang="en-US" altLang="en-US" sz="1800" b="1" i="0" u="none" strike="noStrike" cap="none" normalizeH="0" baseline="0" dirty="0">
+              <a:rPr kumimoji="0" lang="en-US" altLang="en-US" sz="2400" b="1" i="0" u="none" strike="noStrike" cap="none" normalizeH="0" baseline="0" dirty="0">
                 <a:ln>
                   <a:noFill/>
                 </a:ln>
@@ -11442,7 +14232,7 @@
               <a:t>:</a:t>
             </a:r>
             <a:br>
-              <a:rPr kumimoji="0" lang="en-US" altLang="en-US" sz="1800" b="0" i="0" u="none" strike="noStrike" cap="none" normalizeH="0" baseline="0" dirty="0">
+              <a:rPr kumimoji="0" lang="en-US" altLang="en-US" sz="2400" b="0" i="0" u="none" strike="noStrike" cap="none" normalizeH="0" baseline="0" dirty="0">
                 <a:ln>
                   <a:noFill/>
                 </a:ln>
@@ -11454,7 +14244,7 @@
               </a:rPr>
             </a:br>
             <a:r>
-              <a:rPr kumimoji="0" lang="en-US" altLang="en-US" sz="1800" b="0" i="0" u="none" strike="noStrike" cap="none" normalizeH="0" baseline="0" dirty="0">
+              <a:rPr kumimoji="0" lang="en-US" altLang="en-US" sz="2400" b="0" i="0" u="none" strike="noStrike" cap="none" normalizeH="0" baseline="0" dirty="0">
                 <a:ln>
                   <a:noFill/>
                 </a:ln>
@@ -11467,7 +14257,7 @@
               <a:t>We covered the second kit in the series — the </a:t>
             </a:r>
             <a:r>
-              <a:rPr kumimoji="0" lang="en-US" altLang="en-US" sz="1800" b="1" i="0" u="none" strike="noStrike" cap="none" normalizeH="0" baseline="0" dirty="0">
+              <a:rPr kumimoji="0" lang="en-US" altLang="en-US" sz="2400" b="1" i="0" u="none" strike="noStrike" cap="none" normalizeH="0" baseline="0" dirty="0">
                 <a:ln>
                   <a:noFill/>
                 </a:ln>
@@ -11480,7 +14270,7 @@
               <a:t>Motion Kit</a:t>
             </a:r>
             <a:r>
-              <a:rPr kumimoji="0" lang="en-US" altLang="en-US" sz="1800" b="0" i="0" u="none" strike="noStrike" cap="none" normalizeH="0" baseline="0" dirty="0">
+              <a:rPr kumimoji="0" lang="en-US" altLang="en-US" sz="2400" b="0" i="0" u="none" strike="noStrike" cap="none" normalizeH="0" baseline="0" dirty="0">
                 <a:ln>
                   <a:noFill/>
                 </a:ln>
@@ -11493,7 +14283,7 @@
               <a:t>, focusing on how robots </a:t>
             </a:r>
             <a:r>
-              <a:rPr kumimoji="0" lang="en-US" altLang="en-US" sz="1800" b="1" i="0" u="none" strike="noStrike" cap="none" normalizeH="0" baseline="0" dirty="0">
+              <a:rPr kumimoji="0" lang="en-US" altLang="en-US" sz="2400" b="1" i="0" u="none" strike="noStrike" cap="none" normalizeH="0" baseline="0" dirty="0">
                 <a:ln>
                   <a:noFill/>
                 </a:ln>
@@ -11506,7 +14296,7 @@
               <a:t>move and navigate</a:t>
             </a:r>
             <a:r>
-              <a:rPr kumimoji="0" lang="en-US" altLang="en-US" sz="1800" b="0" i="0" u="none" strike="noStrike" cap="none" normalizeH="0" baseline="0" dirty="0">
+              <a:rPr kumimoji="0" lang="en-US" altLang="en-US" sz="2400" b="0" i="0" u="none" strike="noStrike" cap="none" normalizeH="0" baseline="0" dirty="0">
                 <a:ln>
                   <a:noFill/>
                 </a:ln>
@@ -11537,7 +14327,7 @@
               <a:tabLst/>
             </a:pPr>
             <a:r>
-              <a:rPr kumimoji="0" lang="en-US" altLang="en-US" sz="1800" b="1" i="0" u="none" strike="noStrike" cap="none" normalizeH="0" baseline="0" dirty="0">
+              <a:rPr kumimoji="0" lang="en-US" altLang="en-US" sz="2400" b="1" i="0" u="none" strike="noStrike" cap="none" normalizeH="0" baseline="0" dirty="0">
                 <a:ln>
                   <a:noFill/>
                 </a:ln>
@@ -11549,7 +14339,7 @@
               </a:rPr>
               <a:t>Key Topics Covered / Demoed:</a:t>
             </a:r>
-            <a:endParaRPr kumimoji="0" lang="en-US" altLang="en-US" sz="1800" b="0" i="0" u="none" strike="noStrike" cap="none" normalizeH="0" baseline="0" dirty="0">
+            <a:endParaRPr kumimoji="0" lang="en-US" altLang="en-US" sz="2400" b="0" i="0" u="none" strike="noStrike" cap="none" normalizeH="0" baseline="0" dirty="0">
               <a:ln>
                 <a:noFill/>
               </a:ln>
@@ -11578,7 +14368,7 @@
               <a:tabLst/>
             </a:pPr>
             <a:r>
-              <a:rPr kumimoji="0" lang="en-US" altLang="en-US" sz="1800" b="0" i="0" u="none" strike="noStrike" cap="none" normalizeH="0" baseline="0" dirty="0">
+              <a:rPr kumimoji="0" lang="en-US" altLang="en-US" sz="2400" b="0" i="0" u="none" strike="noStrike" cap="none" normalizeH="0" baseline="0" dirty="0">
                 <a:ln>
                   <a:noFill/>
                 </a:ln>
@@ -11591,7 +14381,7 @@
               <a:t>Controlling </a:t>
             </a:r>
             <a:r>
-              <a:rPr kumimoji="0" lang="en-US" altLang="en-US" sz="1800" b="1" i="0" u="none" strike="noStrike" cap="none" normalizeH="0" baseline="0" dirty="0">
+              <a:rPr kumimoji="0" lang="en-US" altLang="en-US" sz="2400" b="1" i="0" u="none" strike="noStrike" cap="none" normalizeH="0" baseline="0" dirty="0">
                 <a:ln>
                   <a:noFill/>
                 </a:ln>
@@ -11604,7 +14394,7 @@
               <a:t>DC Motors</a:t>
             </a:r>
             <a:r>
-              <a:rPr kumimoji="0" lang="en-US" altLang="en-US" sz="1800" b="0" i="0" u="none" strike="noStrike" cap="none" normalizeH="0" baseline="0" dirty="0">
+              <a:rPr kumimoji="0" lang="en-US" altLang="en-US" sz="2400" b="0" i="0" u="none" strike="noStrike" cap="none" normalizeH="0" baseline="0" dirty="0">
                 <a:ln>
                   <a:noFill/>
                 </a:ln>
@@ -11617,7 +14407,7 @@
               <a:t> using the </a:t>
             </a:r>
             <a:r>
-              <a:rPr kumimoji="0" lang="en-US" altLang="en-US" sz="1800" b="1" i="0" u="none" strike="noStrike" cap="none" normalizeH="0" baseline="0" dirty="0">
+              <a:rPr kumimoji="0" lang="en-US" altLang="en-US" sz="2400" b="1" i="0" u="none" strike="noStrike" cap="none" normalizeH="0" baseline="0" dirty="0">
                 <a:ln>
                   <a:noFill/>
                 </a:ln>
@@ -11629,7 +14419,7 @@
               </a:rPr>
               <a:t>TB6612 motor driver</a:t>
             </a:r>
-            <a:endParaRPr kumimoji="0" lang="en-US" altLang="en-US" sz="1800" b="0" i="0" u="none" strike="noStrike" cap="none" normalizeH="0" baseline="0" dirty="0">
+            <a:endParaRPr kumimoji="0" lang="en-US" altLang="en-US" sz="2400" b="0" i="0" u="none" strike="noStrike" cap="none" normalizeH="0" baseline="0" dirty="0">
               <a:ln>
                 <a:noFill/>
               </a:ln>
@@ -11658,7 +14448,7 @@
               <a:tabLst/>
             </a:pPr>
             <a:r>
-              <a:rPr kumimoji="0" lang="en-US" altLang="en-US" sz="1800" b="0" i="0" u="none" strike="noStrike" cap="none" normalizeH="0" baseline="0" dirty="0">
+              <a:rPr kumimoji="0" lang="en-US" altLang="en-US" sz="2400" b="0" i="0" u="none" strike="noStrike" cap="none" normalizeH="0" baseline="0" dirty="0">
                 <a:ln>
                   <a:noFill/>
                 </a:ln>
@@ -11671,7 +14461,7 @@
               <a:t>Controlling </a:t>
             </a:r>
             <a:r>
-              <a:rPr kumimoji="0" lang="en-US" altLang="en-US" sz="1800" b="1" i="0" u="none" strike="noStrike" cap="none" normalizeH="0" baseline="0" dirty="0">
+              <a:rPr kumimoji="0" lang="en-US" altLang="en-US" sz="2400" b="1" i="0" u="none" strike="noStrike" cap="none" normalizeH="0" baseline="0" dirty="0">
                 <a:ln>
                   <a:noFill/>
                 </a:ln>
@@ -11684,7 +14474,7 @@
               <a:t>Stepper Motors</a:t>
             </a:r>
             <a:r>
-              <a:rPr kumimoji="0" lang="en-US" altLang="en-US" sz="1800" b="0" i="0" u="none" strike="noStrike" cap="none" normalizeH="0" baseline="0" dirty="0">
+              <a:rPr kumimoji="0" lang="en-US" altLang="en-US" sz="2400" b="0" i="0" u="none" strike="noStrike" cap="none" normalizeH="0" baseline="0" dirty="0">
                 <a:ln>
                   <a:noFill/>
                 </a:ln>
@@ -11697,7 +14487,7 @@
               <a:t> using the </a:t>
             </a:r>
             <a:r>
-              <a:rPr kumimoji="0" lang="en-US" altLang="en-US" sz="1800" b="1" i="0" u="none" strike="noStrike" cap="none" normalizeH="0" baseline="0" dirty="0">
+              <a:rPr kumimoji="0" lang="en-US" altLang="en-US" sz="2400" b="1" i="0" u="none" strike="noStrike" cap="none" normalizeH="0" baseline="0" dirty="0">
                 <a:ln>
                   <a:noFill/>
                 </a:ln>
@@ -11709,7 +14499,7 @@
               </a:rPr>
               <a:t>ULN2003 driver</a:t>
             </a:r>
-            <a:endParaRPr kumimoji="0" lang="en-US" altLang="en-US" sz="1800" b="0" i="0" u="none" strike="noStrike" cap="none" normalizeH="0" baseline="0" dirty="0">
+            <a:endParaRPr kumimoji="0" lang="en-US" altLang="en-US" sz="2400" b="0" i="0" u="none" strike="noStrike" cap="none" normalizeH="0" baseline="0" dirty="0">
               <a:ln>
                 <a:noFill/>
               </a:ln>
@@ -11738,7 +14528,7 @@
               <a:tabLst/>
             </a:pPr>
             <a:r>
-              <a:rPr kumimoji="0" lang="en-US" altLang="en-US" sz="1800" b="0" i="0" u="none" strike="noStrike" cap="none" normalizeH="0" baseline="0" dirty="0">
+              <a:rPr kumimoji="0" lang="en-US" altLang="en-US" sz="2400" b="0" i="0" u="none" strike="noStrike" cap="none" normalizeH="0" baseline="0" dirty="0">
                 <a:ln>
                   <a:noFill/>
                 </a:ln>
@@ -11751,7 +14541,7 @@
               <a:t>Working with </a:t>
             </a:r>
             <a:r>
-              <a:rPr kumimoji="0" lang="en-US" altLang="en-US" sz="1800" b="1" i="0" u="none" strike="noStrike" cap="none" normalizeH="0" baseline="0" dirty="0">
+              <a:rPr kumimoji="0" lang="en-US" altLang="en-US" sz="2400" b="1" i="0" u="none" strike="noStrike" cap="none" normalizeH="0" baseline="0" dirty="0">
                 <a:ln>
                   <a:noFill/>
                 </a:ln>
@@ -11763,7 +14553,7 @@
               </a:rPr>
               <a:t>Encoder Motors with PID Control</a:t>
             </a:r>
-            <a:endParaRPr kumimoji="0" lang="en-US" altLang="en-US" sz="1800" b="0" i="0" u="none" strike="noStrike" cap="none" normalizeH="0" baseline="0" dirty="0">
+            <a:endParaRPr kumimoji="0" lang="en-US" altLang="en-US" sz="2400" b="0" i="0" u="none" strike="noStrike" cap="none" normalizeH="0" baseline="0" dirty="0">
               <a:ln>
                 <a:noFill/>
               </a:ln>
@@ -11792,7 +14582,7 @@
               <a:tabLst/>
             </a:pPr>
             <a:r>
-              <a:rPr kumimoji="0" lang="en-US" altLang="en-US" sz="1800" b="1" i="0" u="none" strike="noStrike" cap="none" normalizeH="0" baseline="0" dirty="0">
+              <a:rPr kumimoji="0" lang="en-US" altLang="en-US" sz="2400" b="1" i="0" u="none" strike="noStrike" cap="none" normalizeH="0" baseline="0" dirty="0">
                 <a:ln>
                   <a:noFill/>
                 </a:ln>
@@ -11805,7 +14595,7 @@
               <a:t>Next Session:</a:t>
             </a:r>
             <a:br>
-              <a:rPr kumimoji="0" lang="en-US" altLang="en-US" sz="1800" b="0" i="0" u="none" strike="noStrike" cap="none" normalizeH="0" baseline="0" dirty="0">
+              <a:rPr kumimoji="0" lang="en-US" altLang="en-US" sz="2400" b="0" i="0" u="none" strike="noStrike" cap="none" normalizeH="0" baseline="0" dirty="0">
                 <a:ln>
                   <a:noFill/>
                 </a:ln>
@@ -11817,7 +14607,7 @@
               </a:rPr>
             </a:br>
             <a:r>
-              <a:rPr kumimoji="0" lang="en-US" altLang="en-US" sz="1800" b="0" i="0" u="none" strike="noStrike" cap="none" normalizeH="0" baseline="0" dirty="0">
+              <a:rPr kumimoji="0" lang="en-US" altLang="en-US" sz="2400" b="0" i="0" u="none" strike="noStrike" cap="none" normalizeH="0" baseline="0" dirty="0">
                 <a:ln>
                   <a:noFill/>
                 </a:ln>
@@ -11830,7 +14620,7 @@
               <a:t>We will explore the final kit in the ZAS Robotics Foundational Series — the </a:t>
             </a:r>
             <a:r>
-              <a:rPr kumimoji="0" lang="en-US" altLang="en-US" sz="1800" b="1" i="0" u="none" strike="noStrike" cap="none" normalizeH="0" baseline="0" dirty="0">
+              <a:rPr kumimoji="0" lang="en-US" altLang="en-US" sz="2400" b="1" i="0" u="none" strike="noStrike" cap="none" normalizeH="0" baseline="0" dirty="0">
                 <a:ln>
                   <a:noFill/>
                 </a:ln>
@@ -11843,7 +14633,7 @@
               <a:t>Communication Kit</a:t>
             </a:r>
             <a:r>
-              <a:rPr kumimoji="0" lang="en-US" altLang="en-US" sz="1800" b="0" i="0" u="none" strike="noStrike" cap="none" normalizeH="0" baseline="0" dirty="0">
+              <a:rPr kumimoji="0" lang="en-US" altLang="en-US" sz="2400" b="0" i="0" u="none" strike="noStrike" cap="none" normalizeH="0" baseline="0" dirty="0">
                 <a:ln>
                   <a:noFill/>
                 </a:ln>
@@ -11858,6 +14648,99 @@
           </a:p>
         </p:txBody>
       </p:sp>
+      <p:sp>
+        <p:nvSpPr>
+          <p:cNvPr id="3" name="Date Placeholder 2">
+            <a:extLst>
+              <a:ext uri="{FF2B5EF4-FFF2-40B4-BE49-F238E27FC236}">
+                <a16:creationId xmlns:a16="http://schemas.microsoft.com/office/drawing/2014/main" id="{B95E8408-0266-82E5-CDF5-E1CEC3112743}"/>
+              </a:ext>
+            </a:extLst>
+          </p:cNvPr>
+          <p:cNvSpPr>
+            <a:spLocks noGrp="1"/>
+          </p:cNvSpPr>
+          <p:nvPr>
+            <p:ph type="dt" sz="half" idx="10"/>
+          </p:nvPr>
+        </p:nvSpPr>
+        <p:spPr/>
+        <p:txBody>
+          <a:bodyPr/>
+          <a:lstStyle/>
+          <a:p>
+            <a:r>
+              <a:rPr lang="en-GB"/>
+              <a:t>06/12/2025</a:t>
+            </a:r>
+          </a:p>
+        </p:txBody>
+      </p:sp>
+      <p:sp>
+        <p:nvSpPr>
+          <p:cNvPr id="5" name="Slide Number Placeholder 4">
+            <a:extLst>
+              <a:ext uri="{FF2B5EF4-FFF2-40B4-BE49-F238E27FC236}">
+                <a16:creationId xmlns:a16="http://schemas.microsoft.com/office/drawing/2014/main" id="{593E2803-7FAF-A2AC-7957-DDE7DFF2FB2C}"/>
+              </a:ext>
+            </a:extLst>
+          </p:cNvPr>
+          <p:cNvSpPr>
+            <a:spLocks noGrp="1"/>
+          </p:cNvSpPr>
+          <p:nvPr>
+            <p:ph type="sldNum" sz="quarter" idx="12"/>
+          </p:nvPr>
+        </p:nvSpPr>
+        <p:spPr/>
+        <p:txBody>
+          <a:bodyPr/>
+          <a:lstStyle/>
+          <a:p>
+            <a:fld id="{C33A2A5D-5A42-4533-ACF4-15D55555B360}" type="slidenum">
+              <a:rPr lang="en-GB" smtClean="0"/>
+              <a:t>20</a:t>
+            </a:fld>
+            <a:endParaRPr lang="en-GB"/>
+          </a:p>
+        </p:txBody>
+      </p:sp>
+      <p:pic>
+        <p:nvPicPr>
+          <p:cNvPr id="6" name="Picture 5">
+            <a:extLst>
+              <a:ext uri="{FF2B5EF4-FFF2-40B4-BE49-F238E27FC236}">
+                <a16:creationId xmlns:a16="http://schemas.microsoft.com/office/drawing/2014/main" id="{37981EC8-2E81-F198-493A-E3505E593622}"/>
+              </a:ext>
+            </a:extLst>
+          </p:cNvPr>
+          <p:cNvPicPr>
+            <a:picLocks noChangeAspect="1"/>
+          </p:cNvPicPr>
+          <p:nvPr/>
+        </p:nvPicPr>
+        <p:blipFill>
+          <a:blip r:embed="rId2" cstate="print">
+            <a:extLst>
+              <a:ext uri="{28A0092B-C50C-407E-A947-70E740481C1C}">
+                <a14:useLocalDpi xmlns:a14="http://schemas.microsoft.com/office/drawing/2010/main" val="0"/>
+              </a:ext>
+            </a:extLst>
+          </a:blip>
+          <a:stretch>
+            <a:fillRect/>
+          </a:stretch>
+        </p:blipFill>
+        <p:spPr>
+          <a:xfrm>
+            <a:off x="9004852" y="1"/>
+            <a:ext cx="3125372" cy="842386"/>
+          </a:xfrm>
+          <a:prstGeom prst="rect">
+            <a:avLst/>
+          </a:prstGeom>
+        </p:spPr>
+      </p:pic>
     </p:spTree>
     <p:extLst>
       <p:ext uri="{BB962C8B-B14F-4D97-AF65-F5344CB8AC3E}">
@@ -11871,761 +14754,7 @@
 </p:sld>
 </file>
 
-<file path=ppt/slides/slide2.xml><?xml version="1.0" encoding="utf-8"?>
-<p:sld xmlns:a="http://schemas.openxmlformats.org/drawingml/2006/main" xmlns:r="http://schemas.openxmlformats.org/officeDocument/2006/relationships" xmlns:p="http://schemas.openxmlformats.org/presentationml/2006/main">
-  <p:cSld>
-    <p:bg>
-      <p:bgPr>
-        <a:solidFill>
-          <a:schemeClr val="tx2"/>
-        </a:solidFill>
-        <a:effectLst/>
-      </p:bgPr>
-    </p:bg>
-    <p:spTree>
-      <p:nvGrpSpPr>
-        <p:cNvPr id="1" name="">
-          <a:extLst>
-            <a:ext uri="{FF2B5EF4-FFF2-40B4-BE49-F238E27FC236}">
-              <a16:creationId xmlns:a16="http://schemas.microsoft.com/office/drawing/2014/main" id="{53F681BD-7BBB-877C-DF26-A67D0773BEAE}"/>
-            </a:ext>
-          </a:extLst>
-        </p:cNvPr>
-        <p:cNvGrpSpPr/>
-        <p:nvPr/>
-      </p:nvGrpSpPr>
-      <p:grpSpPr>
-        <a:xfrm>
-          <a:off x="0" y="0"/>
-          <a:ext cx="0" cy="0"/>
-          <a:chOff x="0" y="0"/>
-          <a:chExt cx="0" cy="0"/>
-        </a:xfrm>
-      </p:grpSpPr>
-      <p:sp>
-        <p:nvSpPr>
-          <p:cNvPr id="2" name="Title 1">
-            <a:extLst>
-              <a:ext uri="{FF2B5EF4-FFF2-40B4-BE49-F238E27FC236}">
-                <a16:creationId xmlns:a16="http://schemas.microsoft.com/office/drawing/2014/main" id="{C03E3FA3-F13E-2E6F-9FB3-D6768582DFD4}"/>
-              </a:ext>
-            </a:extLst>
-          </p:cNvPr>
-          <p:cNvSpPr>
-            <a:spLocks noGrp="1"/>
-          </p:cNvSpPr>
-          <p:nvPr>
-            <p:ph type="title"/>
-          </p:nvPr>
-        </p:nvSpPr>
-        <p:spPr>
-          <a:xfrm>
-            <a:off x="10884" y="-4988"/>
-            <a:ext cx="10515600" cy="1325563"/>
-          </a:xfrm>
-        </p:spPr>
-        <p:txBody>
-          <a:bodyPr/>
-          <a:lstStyle/>
-          <a:p>
-            <a:r>
-              <a:rPr lang="en-GB" dirty="0">
-                <a:solidFill>
-                  <a:schemeClr val="bg1"/>
-                </a:solidFill>
-              </a:rPr>
-              <a:t>Kit 2 (Motion Kit) Objectives</a:t>
-            </a:r>
-          </a:p>
-        </p:txBody>
-      </p:sp>
-      <p:sp>
-        <p:nvSpPr>
-          <p:cNvPr id="3" name="TextBox 2">
-            <a:extLst>
-              <a:ext uri="{FF2B5EF4-FFF2-40B4-BE49-F238E27FC236}">
-                <a16:creationId xmlns:a16="http://schemas.microsoft.com/office/drawing/2014/main" id="{103349F5-019B-F31A-E1ED-462C2A8733A0}"/>
-              </a:ext>
-            </a:extLst>
-          </p:cNvPr>
-          <p:cNvSpPr txBox="1"/>
-          <p:nvPr/>
-        </p:nvSpPr>
-        <p:spPr>
-          <a:xfrm>
-            <a:off x="10885" y="1102861"/>
-            <a:ext cx="12170232" cy="5632311"/>
-          </a:xfrm>
-          <a:prstGeom prst="rect">
-            <a:avLst/>
-          </a:prstGeom>
-          <a:noFill/>
-        </p:spPr>
-        <p:txBody>
-          <a:bodyPr wrap="square" rtlCol="0">
-            <a:spAutoFit/>
-          </a:bodyPr>
-          <a:lstStyle/>
-          <a:p>
-            <a:pPr marL="342900" marR="0" lvl="0" indent="-342900" algn="l" defTabSz="914400" rtl="0" eaLnBrk="1" fontAlgn="auto" latinLnBrk="0" hangingPunct="1">
-              <a:lnSpc>
-                <a:spcPct val="100000"/>
-              </a:lnSpc>
-              <a:spcBef>
-                <a:spcPts val="0"/>
-              </a:spcBef>
-              <a:spcAft>
-                <a:spcPts val="0"/>
-              </a:spcAft>
-              <a:buClrTx/>
-              <a:buSzTx/>
-              <a:buFont typeface="Arial" panose="020B0604020202020204" pitchFamily="34" charset="0"/>
-              <a:buChar char="•"/>
-              <a:tabLst/>
-              <a:defRPr/>
-            </a:pPr>
-            <a:r>
-              <a:rPr kumimoji="0" lang="en-GB" sz="2400" b="1" i="0" u="none" strike="noStrike" kern="1200" cap="none" spc="0" normalizeH="0" baseline="0" noProof="0" dirty="0">
-                <a:ln>
-                  <a:noFill/>
-                </a:ln>
-                <a:solidFill>
-                  <a:srgbClr val="FF715B"/>
-                </a:solidFill>
-                <a:effectLst/>
-                <a:uLnTx/>
-                <a:uFillTx/>
-                <a:latin typeface="Aptos" panose="02110004020202020204"/>
-                <a:ea typeface="+mn-ea"/>
-                <a:cs typeface="+mn-cs"/>
-              </a:rPr>
-              <a:t>Review the Contents in the Box</a:t>
-            </a:r>
-          </a:p>
-          <a:p>
-            <a:pPr marL="342900" marR="0" lvl="0" indent="-342900" algn="l" defTabSz="914400" rtl="0" eaLnBrk="1" fontAlgn="auto" latinLnBrk="0" hangingPunct="1">
-              <a:lnSpc>
-                <a:spcPct val="100000"/>
-              </a:lnSpc>
-              <a:spcBef>
-                <a:spcPts val="0"/>
-              </a:spcBef>
-              <a:spcAft>
-                <a:spcPts val="0"/>
-              </a:spcAft>
-              <a:buClrTx/>
-              <a:buSzTx/>
-              <a:buFont typeface="Arial" panose="020B0604020202020204" pitchFamily="34" charset="0"/>
-              <a:buChar char="•"/>
-              <a:tabLst/>
-              <a:defRPr/>
-            </a:pPr>
-            <a:endParaRPr kumimoji="0" lang="en-GB" sz="2400" b="0" i="0" u="none" strike="noStrike" kern="1200" cap="none" spc="0" normalizeH="0" baseline="0" noProof="0" dirty="0">
-              <a:ln>
-                <a:noFill/>
-              </a:ln>
-              <a:solidFill>
-                <a:srgbClr val="F9CB40"/>
-              </a:solidFill>
-              <a:effectLst/>
-              <a:uLnTx/>
-              <a:uFillTx/>
-              <a:latin typeface="Aptos" panose="02110004020202020204"/>
-              <a:ea typeface="+mn-ea"/>
-              <a:cs typeface="+mn-cs"/>
-            </a:endParaRPr>
-          </a:p>
-          <a:p>
-            <a:pPr marL="342900" marR="0" lvl="0" indent="-342900" algn="l" defTabSz="914400" rtl="0" eaLnBrk="1" fontAlgn="auto" latinLnBrk="0" hangingPunct="1">
-              <a:lnSpc>
-                <a:spcPct val="100000"/>
-              </a:lnSpc>
-              <a:spcBef>
-                <a:spcPts val="0"/>
-              </a:spcBef>
-              <a:spcAft>
-                <a:spcPts val="0"/>
-              </a:spcAft>
-              <a:buClrTx/>
-              <a:buSzTx/>
-              <a:buFont typeface="Arial" panose="020B0604020202020204" pitchFamily="34" charset="0"/>
-              <a:buChar char="•"/>
-              <a:tabLst/>
-              <a:defRPr/>
-            </a:pPr>
-            <a:r>
-              <a:rPr kumimoji="0" lang="en-GB" sz="2400" b="0" i="0" u="none" strike="noStrike" kern="1200" cap="none" spc="0" normalizeH="0" baseline="0" noProof="0" dirty="0">
-                <a:ln>
-                  <a:noFill/>
-                </a:ln>
-                <a:solidFill>
-                  <a:srgbClr val="F9CB40"/>
-                </a:solidFill>
-                <a:effectLst/>
-                <a:uLnTx/>
-                <a:uFillTx/>
-                <a:latin typeface="Aptos" panose="02110004020202020204"/>
-                <a:ea typeface="+mn-ea"/>
-                <a:cs typeface="+mn-cs"/>
-              </a:rPr>
-              <a:t>Review &amp; Discuss the Motion Creative Board</a:t>
-            </a:r>
-          </a:p>
-          <a:p>
-            <a:pPr marL="342900" marR="0" lvl="0" indent="-342900" algn="l" defTabSz="914400" rtl="0" eaLnBrk="1" fontAlgn="auto" latinLnBrk="0" hangingPunct="1">
-              <a:lnSpc>
-                <a:spcPct val="100000"/>
-              </a:lnSpc>
-              <a:spcBef>
-                <a:spcPts val="0"/>
-              </a:spcBef>
-              <a:spcAft>
-                <a:spcPts val="0"/>
-              </a:spcAft>
-              <a:buClrTx/>
-              <a:buSzTx/>
-              <a:buFont typeface="Arial" panose="020B0604020202020204" pitchFamily="34" charset="0"/>
-              <a:buChar char="•"/>
-              <a:tabLst/>
-              <a:defRPr/>
-            </a:pPr>
-            <a:endParaRPr kumimoji="0" lang="en-GB" sz="2400" b="0" i="0" u="none" strike="noStrike" kern="1200" cap="none" spc="0" normalizeH="0" baseline="0" noProof="0" dirty="0">
-              <a:ln>
-                <a:noFill/>
-              </a:ln>
-              <a:solidFill>
-                <a:srgbClr val="F9CB40"/>
-              </a:solidFill>
-              <a:effectLst/>
-              <a:uLnTx/>
-              <a:uFillTx/>
-              <a:latin typeface="Aptos" panose="02110004020202020204"/>
-              <a:ea typeface="+mn-ea"/>
-              <a:cs typeface="+mn-cs"/>
-            </a:endParaRPr>
-          </a:p>
-          <a:p>
-            <a:pPr marL="342900" marR="0" lvl="0" indent="-342900" algn="l" defTabSz="914400" rtl="0" eaLnBrk="1" fontAlgn="auto" latinLnBrk="0" hangingPunct="1">
-              <a:lnSpc>
-                <a:spcPct val="100000"/>
-              </a:lnSpc>
-              <a:spcBef>
-                <a:spcPts val="0"/>
-              </a:spcBef>
-              <a:spcAft>
-                <a:spcPts val="0"/>
-              </a:spcAft>
-              <a:buClrTx/>
-              <a:buSzTx/>
-              <a:buFont typeface="Arial" panose="020B0604020202020204" pitchFamily="34" charset="0"/>
-              <a:buChar char="•"/>
-              <a:tabLst/>
-              <a:defRPr/>
-            </a:pPr>
-            <a:r>
-              <a:rPr kumimoji="0" lang="en-GB" sz="2400" b="0" i="0" u="none" strike="noStrike" kern="1200" cap="none" spc="0" normalizeH="0" baseline="0" noProof="0" dirty="0">
-                <a:ln>
-                  <a:noFill/>
-                </a:ln>
-                <a:solidFill>
-                  <a:srgbClr val="F9CB40"/>
-                </a:solidFill>
-                <a:effectLst/>
-                <a:uLnTx/>
-                <a:uFillTx/>
-                <a:latin typeface="Aptos" panose="02110004020202020204"/>
-                <a:ea typeface="+mn-ea"/>
-                <a:cs typeface="+mn-cs"/>
-              </a:rPr>
-              <a:t>Discuss the Health &amp; Safety Precautions, Power Supply and Sensor Modules V/G Pins</a:t>
-            </a:r>
-          </a:p>
-          <a:p>
-            <a:pPr marL="342900" marR="0" lvl="0" indent="-342900" algn="l" defTabSz="914400" rtl="0" eaLnBrk="1" fontAlgn="auto" latinLnBrk="0" hangingPunct="1">
-              <a:lnSpc>
-                <a:spcPct val="100000"/>
-              </a:lnSpc>
-              <a:spcBef>
-                <a:spcPts val="0"/>
-              </a:spcBef>
-              <a:spcAft>
-                <a:spcPts val="0"/>
-              </a:spcAft>
-              <a:buClrTx/>
-              <a:buSzTx/>
-              <a:buFont typeface="Arial" panose="020B0604020202020204" pitchFamily="34" charset="0"/>
-              <a:buChar char="•"/>
-              <a:tabLst/>
-              <a:defRPr/>
-            </a:pPr>
-            <a:endParaRPr kumimoji="0" lang="en-GB" sz="2400" b="0" i="0" u="none" strike="noStrike" kern="1200" cap="none" spc="0" normalizeH="0" baseline="0" noProof="0" dirty="0">
-              <a:ln>
-                <a:noFill/>
-              </a:ln>
-              <a:solidFill>
-                <a:prstClr val="white"/>
-              </a:solidFill>
-              <a:effectLst/>
-              <a:uLnTx/>
-              <a:uFillTx/>
-              <a:latin typeface="Aptos" panose="02110004020202020204"/>
-              <a:ea typeface="+mn-ea"/>
-              <a:cs typeface="+mn-cs"/>
-            </a:endParaRPr>
-          </a:p>
-          <a:p>
-            <a:pPr marL="342900" marR="0" lvl="0" indent="-342900" algn="l" defTabSz="914400" rtl="0" eaLnBrk="1" fontAlgn="auto" latinLnBrk="0" hangingPunct="1">
-              <a:lnSpc>
-                <a:spcPct val="100000"/>
-              </a:lnSpc>
-              <a:spcBef>
-                <a:spcPts val="0"/>
-              </a:spcBef>
-              <a:spcAft>
-                <a:spcPts val="0"/>
-              </a:spcAft>
-              <a:buClrTx/>
-              <a:buSzTx/>
-              <a:buFont typeface="Arial" panose="020B0604020202020204" pitchFamily="34" charset="0"/>
-              <a:buChar char="•"/>
-              <a:tabLst/>
-              <a:defRPr/>
-            </a:pPr>
-            <a:r>
-              <a:rPr kumimoji="0" lang="en-GB" sz="2400" b="0" i="0" u="none" strike="noStrike" kern="1200" cap="none" spc="0" normalizeH="0" baseline="0" noProof="0" dirty="0">
-                <a:ln>
-                  <a:noFill/>
-                </a:ln>
-                <a:solidFill>
-                  <a:prstClr val="white"/>
-                </a:solidFill>
-                <a:effectLst/>
-                <a:uLnTx/>
-                <a:uFillTx/>
-                <a:latin typeface="Aptos" panose="02110004020202020204"/>
-                <a:ea typeface="+mn-ea"/>
-                <a:cs typeface="+mn-cs"/>
-              </a:rPr>
-              <a:t>Conduct the Following Labs on both the </a:t>
-            </a:r>
-            <a:r>
-              <a:rPr kumimoji="0" lang="en-GB" sz="2400" b="0" i="0" u="none" strike="noStrike" kern="1200" cap="none" spc="0" normalizeH="0" baseline="0" noProof="0" dirty="0">
-                <a:ln>
-                  <a:noFill/>
-                </a:ln>
-                <a:solidFill>
-                  <a:srgbClr val="FF715B"/>
-                </a:solidFill>
-                <a:effectLst/>
-                <a:uLnTx/>
-                <a:uFillTx/>
-                <a:latin typeface="Aptos" panose="02110004020202020204"/>
-                <a:ea typeface="+mn-ea"/>
-                <a:cs typeface="+mn-cs"/>
-              </a:rPr>
-              <a:t>Bread Board</a:t>
-            </a:r>
-            <a:r>
-              <a:rPr kumimoji="0" lang="en-GB" sz="2400" b="0" i="0" u="none" strike="noStrike" kern="1200" cap="none" spc="0" normalizeH="0" baseline="0" noProof="0" dirty="0">
-                <a:ln>
-                  <a:noFill/>
-                </a:ln>
-                <a:solidFill>
-                  <a:prstClr val="white"/>
-                </a:solidFill>
-                <a:effectLst/>
-                <a:uLnTx/>
-                <a:uFillTx/>
-                <a:latin typeface="Aptos" panose="02110004020202020204"/>
-                <a:ea typeface="+mn-ea"/>
-                <a:cs typeface="+mn-cs"/>
-              </a:rPr>
-              <a:t> and </a:t>
-            </a:r>
-            <a:r>
-              <a:rPr kumimoji="0" lang="en-GB" sz="2400" b="0" i="0" u="none" strike="noStrike" kern="1200" cap="none" spc="0" normalizeH="0" baseline="0" noProof="0" dirty="0">
-                <a:ln>
-                  <a:noFill/>
-                </a:ln>
-                <a:solidFill>
-                  <a:srgbClr val="F9CB40"/>
-                </a:solidFill>
-                <a:effectLst/>
-                <a:uLnTx/>
-                <a:uFillTx/>
-                <a:latin typeface="Aptos" panose="02110004020202020204"/>
-                <a:ea typeface="+mn-ea"/>
-                <a:cs typeface="+mn-cs"/>
-              </a:rPr>
-              <a:t>Creative Board</a:t>
-            </a:r>
-          </a:p>
-          <a:p>
-            <a:pPr marL="800100" marR="0" lvl="1" indent="-342900" algn="l" defTabSz="914400" rtl="0" eaLnBrk="1" fontAlgn="auto" latinLnBrk="0" hangingPunct="1">
-              <a:lnSpc>
-                <a:spcPct val="100000"/>
-              </a:lnSpc>
-              <a:spcBef>
-                <a:spcPts val="0"/>
-              </a:spcBef>
-              <a:spcAft>
-                <a:spcPts val="0"/>
-              </a:spcAft>
-              <a:buClrTx/>
-              <a:buSzTx/>
-              <a:buFont typeface="Arial" panose="020B0604020202020204" pitchFamily="34" charset="0"/>
-              <a:buChar char="•"/>
-              <a:tabLst/>
-              <a:defRPr/>
-            </a:pPr>
-            <a:r>
-              <a:rPr kumimoji="0" lang="en-GB" sz="2400" b="0" i="0" u="none" strike="noStrike" kern="1200" cap="none" spc="0" normalizeH="0" baseline="0" noProof="0" dirty="0">
-                <a:ln>
-                  <a:noFill/>
-                </a:ln>
-                <a:solidFill>
-                  <a:srgbClr val="F9CB40"/>
-                </a:solidFill>
-                <a:effectLst/>
-                <a:uLnTx/>
-                <a:uFillTx/>
-                <a:latin typeface="Aptos" panose="02110004020202020204"/>
-                <a:ea typeface="+mn-ea"/>
-                <a:cs typeface="+mn-cs"/>
-              </a:rPr>
-              <a:t>DC Motor</a:t>
-            </a:r>
-          </a:p>
-          <a:p>
-            <a:pPr marL="800100" marR="0" lvl="1" indent="-342900" algn="l" defTabSz="914400" rtl="0" eaLnBrk="1" fontAlgn="auto" latinLnBrk="0" hangingPunct="1">
-              <a:lnSpc>
-                <a:spcPct val="100000"/>
-              </a:lnSpc>
-              <a:spcBef>
-                <a:spcPts val="0"/>
-              </a:spcBef>
-              <a:spcAft>
-                <a:spcPts val="0"/>
-              </a:spcAft>
-              <a:buClrTx/>
-              <a:buSzTx/>
-              <a:buFont typeface="Arial" panose="020B0604020202020204" pitchFamily="34" charset="0"/>
-              <a:buChar char="•"/>
-              <a:tabLst/>
-              <a:defRPr/>
-            </a:pPr>
-            <a:r>
-              <a:rPr kumimoji="0" lang="en-GB" sz="2400" b="0" i="0" u="none" strike="noStrike" kern="1200" cap="none" spc="0" normalizeH="0" baseline="0" noProof="0" dirty="0">
-                <a:ln>
-                  <a:noFill/>
-                </a:ln>
-                <a:solidFill>
-                  <a:srgbClr val="F9CB40"/>
-                </a:solidFill>
-                <a:effectLst/>
-                <a:uLnTx/>
-                <a:uFillTx/>
-                <a:latin typeface="Aptos" panose="02110004020202020204"/>
-                <a:ea typeface="+mn-ea"/>
-                <a:cs typeface="+mn-cs"/>
-              </a:rPr>
-              <a:t>Stepper Motor</a:t>
-            </a:r>
-          </a:p>
-          <a:p>
-            <a:pPr marL="342900" marR="0" lvl="0" indent="-342900" algn="l" defTabSz="914400" rtl="0" eaLnBrk="1" fontAlgn="auto" latinLnBrk="0" hangingPunct="1">
-              <a:lnSpc>
-                <a:spcPct val="100000"/>
-              </a:lnSpc>
-              <a:spcBef>
-                <a:spcPts val="0"/>
-              </a:spcBef>
-              <a:spcAft>
-                <a:spcPts val="0"/>
-              </a:spcAft>
-              <a:buClrTx/>
-              <a:buSzTx/>
-              <a:buFont typeface="Arial" panose="020B0604020202020204" pitchFamily="34" charset="0"/>
-              <a:buChar char="•"/>
-              <a:tabLst/>
-              <a:defRPr/>
-            </a:pPr>
-            <a:endParaRPr kumimoji="0" lang="en-GB" sz="2400" b="0" i="0" u="none" strike="noStrike" kern="1200" cap="none" spc="0" normalizeH="0" baseline="0" noProof="0" dirty="0">
-              <a:ln>
-                <a:noFill/>
-              </a:ln>
-              <a:solidFill>
-                <a:prstClr val="white"/>
-              </a:solidFill>
-              <a:effectLst/>
-              <a:uLnTx/>
-              <a:uFillTx/>
-              <a:latin typeface="Aptos" panose="02110004020202020204"/>
-              <a:ea typeface="+mn-ea"/>
-              <a:cs typeface="+mn-cs"/>
-            </a:endParaRPr>
-          </a:p>
-          <a:p>
-            <a:pPr marL="342900" marR="0" lvl="0" indent="-342900" algn="l" defTabSz="914400" rtl="0" eaLnBrk="1" fontAlgn="auto" latinLnBrk="0" hangingPunct="1">
-              <a:lnSpc>
-                <a:spcPct val="100000"/>
-              </a:lnSpc>
-              <a:spcBef>
-                <a:spcPts val="0"/>
-              </a:spcBef>
-              <a:spcAft>
-                <a:spcPts val="0"/>
-              </a:spcAft>
-              <a:buClrTx/>
-              <a:buSzTx/>
-              <a:buFont typeface="Arial" panose="020B0604020202020204" pitchFamily="34" charset="0"/>
-              <a:buChar char="•"/>
-              <a:tabLst/>
-              <a:defRPr/>
-            </a:pPr>
-            <a:r>
-              <a:rPr kumimoji="0" lang="en-GB" sz="2400" b="0" i="0" u="none" strike="noStrike" kern="1200" cap="none" spc="0" normalizeH="0" baseline="0" noProof="0" dirty="0">
-                <a:ln>
-                  <a:noFill/>
-                </a:ln>
-                <a:solidFill>
-                  <a:prstClr val="white"/>
-                </a:solidFill>
-                <a:effectLst/>
-                <a:uLnTx/>
-                <a:uFillTx/>
-                <a:latin typeface="Aptos" panose="02110004020202020204"/>
-                <a:ea typeface="+mn-ea"/>
-                <a:cs typeface="+mn-cs"/>
-              </a:rPr>
-              <a:t>Conduct the Following Labs on the </a:t>
-            </a:r>
-            <a:r>
-              <a:rPr kumimoji="0" lang="en-GB" sz="2400" b="0" i="0" u="none" strike="noStrike" kern="1200" cap="none" spc="0" normalizeH="0" baseline="0" noProof="0" dirty="0">
-                <a:ln>
-                  <a:noFill/>
-                </a:ln>
-                <a:solidFill>
-                  <a:srgbClr val="F9CB40"/>
-                </a:solidFill>
-                <a:effectLst/>
-                <a:uLnTx/>
-                <a:uFillTx/>
-                <a:latin typeface="Aptos" panose="02110004020202020204"/>
-                <a:ea typeface="+mn-ea"/>
-                <a:cs typeface="+mn-cs"/>
-              </a:rPr>
-              <a:t>Creative Board</a:t>
-            </a:r>
-          </a:p>
-          <a:p>
-            <a:pPr marL="800100" marR="0" lvl="1" indent="-342900" algn="l" defTabSz="914400" rtl="0" eaLnBrk="1" fontAlgn="auto" latinLnBrk="0" hangingPunct="1">
-              <a:lnSpc>
-                <a:spcPct val="100000"/>
-              </a:lnSpc>
-              <a:spcBef>
-                <a:spcPts val="0"/>
-              </a:spcBef>
-              <a:spcAft>
-                <a:spcPts val="0"/>
-              </a:spcAft>
-              <a:buClrTx/>
-              <a:buSzTx/>
-              <a:buFont typeface="Arial" panose="020B0604020202020204" pitchFamily="34" charset="0"/>
-              <a:buChar char="•"/>
-              <a:tabLst/>
-              <a:defRPr/>
-            </a:pPr>
-            <a:r>
-              <a:rPr kumimoji="0" lang="en-GB" sz="2400" b="0" i="0" u="none" strike="noStrike" kern="1200" cap="none" spc="0" normalizeH="0" baseline="0" noProof="0" dirty="0">
-                <a:ln>
-                  <a:noFill/>
-                </a:ln>
-                <a:solidFill>
-                  <a:srgbClr val="F9CB40"/>
-                </a:solidFill>
-                <a:effectLst/>
-                <a:uLnTx/>
-                <a:uFillTx/>
-                <a:latin typeface="Aptos" panose="02110004020202020204"/>
-                <a:ea typeface="+mn-ea"/>
-                <a:cs typeface="+mn-cs"/>
-              </a:rPr>
-              <a:t>DC Motor Encoder – Ticks</a:t>
-            </a:r>
-          </a:p>
-          <a:p>
-            <a:pPr marL="800100" marR="0" lvl="1" indent="-342900" algn="l" defTabSz="914400" rtl="0" eaLnBrk="1" fontAlgn="auto" latinLnBrk="0" hangingPunct="1">
-              <a:lnSpc>
-                <a:spcPct val="100000"/>
-              </a:lnSpc>
-              <a:spcBef>
-                <a:spcPts val="0"/>
-              </a:spcBef>
-              <a:spcAft>
-                <a:spcPts val="0"/>
-              </a:spcAft>
-              <a:buClrTx/>
-              <a:buSzTx/>
-              <a:buFont typeface="Arial" panose="020B0604020202020204" pitchFamily="34" charset="0"/>
-              <a:buChar char="•"/>
-              <a:tabLst/>
-              <a:defRPr/>
-            </a:pPr>
-            <a:r>
-              <a:rPr kumimoji="0" lang="en-GB" sz="2400" b="0" i="0" u="none" strike="noStrike" kern="1200" cap="none" spc="0" normalizeH="0" baseline="0" noProof="0" dirty="0">
-                <a:ln>
-                  <a:noFill/>
-                </a:ln>
-                <a:solidFill>
-                  <a:srgbClr val="F9CB40"/>
-                </a:solidFill>
-                <a:effectLst/>
-                <a:uLnTx/>
-                <a:uFillTx/>
-                <a:latin typeface="Aptos" panose="02110004020202020204"/>
-                <a:ea typeface="+mn-ea"/>
-                <a:cs typeface="+mn-cs"/>
-              </a:rPr>
-              <a:t>DC Motor Encoder – PID Controller</a:t>
-            </a:r>
-          </a:p>
-          <a:p>
-            <a:pPr marL="800100" marR="0" lvl="1" indent="-342900" algn="l" defTabSz="914400" rtl="0" eaLnBrk="1" fontAlgn="auto" latinLnBrk="0" hangingPunct="1">
-              <a:lnSpc>
-                <a:spcPct val="100000"/>
-              </a:lnSpc>
-              <a:spcBef>
-                <a:spcPts val="0"/>
-              </a:spcBef>
-              <a:spcAft>
-                <a:spcPts val="0"/>
-              </a:spcAft>
-              <a:buClrTx/>
-              <a:buSzTx/>
-              <a:buFont typeface="Arial" panose="020B0604020202020204" pitchFamily="34" charset="0"/>
-              <a:buChar char="•"/>
-              <a:tabLst/>
-              <a:defRPr/>
-            </a:pPr>
-            <a:endParaRPr kumimoji="0" lang="en-GB" sz="2400" b="0" i="0" u="none" strike="noStrike" kern="1200" cap="none" spc="0" normalizeH="0" baseline="0" noProof="0" dirty="0">
-              <a:ln>
-                <a:noFill/>
-              </a:ln>
-              <a:solidFill>
-                <a:prstClr val="white"/>
-              </a:solidFill>
-              <a:effectLst/>
-              <a:uLnTx/>
-              <a:uFillTx/>
-              <a:latin typeface="Aptos" panose="02110004020202020204"/>
-              <a:ea typeface="+mn-ea"/>
-              <a:cs typeface="+mn-cs"/>
-            </a:endParaRPr>
-          </a:p>
-          <a:p>
-            <a:pPr marL="342900" marR="0" lvl="0" indent="-342900" algn="l" defTabSz="914400" rtl="0" eaLnBrk="1" fontAlgn="auto" latinLnBrk="0" hangingPunct="1">
-              <a:lnSpc>
-                <a:spcPct val="100000"/>
-              </a:lnSpc>
-              <a:spcBef>
-                <a:spcPts val="0"/>
-              </a:spcBef>
-              <a:spcAft>
-                <a:spcPts val="0"/>
-              </a:spcAft>
-              <a:buClrTx/>
-              <a:buSzTx/>
-              <a:buFont typeface="Arial" panose="020B0604020202020204" pitchFamily="34" charset="0"/>
-              <a:buChar char="•"/>
-              <a:tabLst/>
-              <a:defRPr/>
-            </a:pPr>
-            <a:r>
-              <a:rPr kumimoji="0" lang="en-GB" sz="2400" b="0" i="0" u="none" strike="noStrike" kern="1200" cap="none" spc="0" normalizeH="0" baseline="0" noProof="0" dirty="0">
-                <a:ln>
-                  <a:noFill/>
-                </a:ln>
-                <a:solidFill>
-                  <a:prstClr val="white"/>
-                </a:solidFill>
-                <a:effectLst/>
-                <a:uLnTx/>
-                <a:uFillTx/>
-                <a:latin typeface="Aptos" panose="02110004020202020204"/>
-                <a:ea typeface="+mn-ea"/>
-                <a:cs typeface="+mn-cs"/>
-              </a:rPr>
-              <a:t>Discuss the </a:t>
-            </a:r>
-            <a:r>
-              <a:rPr kumimoji="0" lang="en-GB" sz="2400" b="0" i="0" u="sng" strike="noStrike" kern="1200" cap="none" spc="0" normalizeH="0" baseline="0" noProof="0" dirty="0">
-                <a:ln>
-                  <a:noFill/>
-                </a:ln>
-                <a:solidFill>
-                  <a:srgbClr val="219EBC"/>
-                </a:solidFill>
-                <a:effectLst/>
-                <a:uLnTx/>
-                <a:uFillTx/>
-                <a:latin typeface="Aptos" panose="02110004020202020204"/>
-                <a:ea typeface="+mn-ea"/>
-                <a:cs typeface="+mn-cs"/>
-              </a:rPr>
-              <a:t>Bread Board</a:t>
-            </a:r>
-            <a:r>
-              <a:rPr kumimoji="0" lang="en-GB" sz="2400" b="0" i="0" u="sng" strike="noStrike" kern="1200" cap="none" spc="0" normalizeH="0" baseline="0" noProof="0" dirty="0">
-                <a:ln>
-                  <a:noFill/>
-                </a:ln>
-                <a:solidFill>
-                  <a:prstClr val="white"/>
-                </a:solidFill>
-                <a:effectLst/>
-                <a:uLnTx/>
-                <a:uFillTx/>
-                <a:latin typeface="Aptos" panose="02110004020202020204"/>
-                <a:ea typeface="+mn-ea"/>
-                <a:cs typeface="+mn-cs"/>
-              </a:rPr>
-              <a:t> of the </a:t>
-            </a:r>
-            <a:r>
-              <a:rPr kumimoji="0" lang="en-GB" sz="2400" b="0" i="0" u="sng" strike="noStrike" kern="1200" cap="none" spc="0" normalizeH="0" baseline="0" noProof="0" dirty="0">
-                <a:ln>
-                  <a:noFill/>
-                </a:ln>
-                <a:solidFill>
-                  <a:srgbClr val="F9CB40"/>
-                </a:solidFill>
-                <a:effectLst/>
-                <a:uLnTx/>
-                <a:uFillTx/>
-                <a:latin typeface="Aptos" panose="02110004020202020204"/>
-                <a:ea typeface="+mn-ea"/>
-                <a:cs typeface="+mn-cs"/>
-              </a:rPr>
-              <a:t>Creative Board</a:t>
-            </a:r>
-          </a:p>
-        </p:txBody>
-      </p:sp>
-    </p:spTree>
-    <p:extLst>
-      <p:ext uri="{BB962C8B-B14F-4D97-AF65-F5344CB8AC3E}">
-        <p14:creationId xmlns:p14="http://schemas.microsoft.com/office/powerpoint/2010/main" val="3261371233"/>
-      </p:ext>
-    </p:extLst>
-  </p:cSld>
-  <p:clrMapOvr>
-    <a:masterClrMapping/>
-  </p:clrMapOvr>
-</p:sld>
-</file>
-
-<file path=ppt/slides/slide20.xml><?xml version="1.0" encoding="utf-8"?>
+<file path=ppt/slides/slide21.xml><?xml version="1.0" encoding="utf-8"?>
 <p:sld xmlns:a="http://schemas.openxmlformats.org/drawingml/2006/main" xmlns:r="http://schemas.openxmlformats.org/officeDocument/2006/relationships" xmlns:p="http://schemas.openxmlformats.org/presentationml/2006/main">
   <p:cSld>
     <p:spTree>
@@ -12667,7 +14796,14 @@
           <a:p>
             <a:r>
               <a:rPr lang="en-GB" b="1" dirty="0"/>
-              <a:t>DC Motor - Direction Control - with TB6612 Motor Driver</a:t>
+              <a:t>DC Motor</a:t>
+            </a:r>
+            <a:br>
+              <a:rPr lang="en-GB" b="1" dirty="0"/>
+            </a:br>
+            <a:r>
+              <a:rPr lang="en-GB" b="1" dirty="0"/>
+              <a:t>Direction Control - with TB6612 Motor Driver</a:t>
             </a:r>
             <a:br>
               <a:rPr lang="en-GB" b="1" dirty="0"/>
@@ -12977,6 +15113,99 @@
           </a:p>
         </p:txBody>
       </p:sp>
+      <p:sp>
+        <p:nvSpPr>
+          <p:cNvPr id="3" name="Date Placeholder 2">
+            <a:extLst>
+              <a:ext uri="{FF2B5EF4-FFF2-40B4-BE49-F238E27FC236}">
+                <a16:creationId xmlns:a16="http://schemas.microsoft.com/office/drawing/2014/main" id="{EAC83D28-48F5-3BD0-81D5-011E08AA3C32}"/>
+              </a:ext>
+            </a:extLst>
+          </p:cNvPr>
+          <p:cNvSpPr>
+            <a:spLocks noGrp="1"/>
+          </p:cNvSpPr>
+          <p:nvPr>
+            <p:ph type="dt" sz="half" idx="10"/>
+          </p:nvPr>
+        </p:nvSpPr>
+        <p:spPr/>
+        <p:txBody>
+          <a:bodyPr/>
+          <a:lstStyle/>
+          <a:p>
+            <a:r>
+              <a:rPr lang="en-GB"/>
+              <a:t>06/12/2025</a:t>
+            </a:r>
+          </a:p>
+        </p:txBody>
+      </p:sp>
+      <p:sp>
+        <p:nvSpPr>
+          <p:cNvPr id="4" name="Slide Number Placeholder 3">
+            <a:extLst>
+              <a:ext uri="{FF2B5EF4-FFF2-40B4-BE49-F238E27FC236}">
+                <a16:creationId xmlns:a16="http://schemas.microsoft.com/office/drawing/2014/main" id="{7A861F88-4B2E-F114-F452-35A8C94C919C}"/>
+              </a:ext>
+            </a:extLst>
+          </p:cNvPr>
+          <p:cNvSpPr>
+            <a:spLocks noGrp="1"/>
+          </p:cNvSpPr>
+          <p:nvPr>
+            <p:ph type="sldNum" sz="quarter" idx="12"/>
+          </p:nvPr>
+        </p:nvSpPr>
+        <p:spPr/>
+        <p:txBody>
+          <a:bodyPr/>
+          <a:lstStyle/>
+          <a:p>
+            <a:fld id="{C33A2A5D-5A42-4533-ACF4-15D55555B360}" type="slidenum">
+              <a:rPr lang="en-GB" smtClean="0"/>
+              <a:t>21</a:t>
+            </a:fld>
+            <a:endParaRPr lang="en-GB"/>
+          </a:p>
+        </p:txBody>
+      </p:sp>
+      <p:pic>
+        <p:nvPicPr>
+          <p:cNvPr id="5" name="Picture 4">
+            <a:extLst>
+              <a:ext uri="{FF2B5EF4-FFF2-40B4-BE49-F238E27FC236}">
+                <a16:creationId xmlns:a16="http://schemas.microsoft.com/office/drawing/2014/main" id="{FB36A2DB-093E-5CC5-8AE1-FF68816F46F9}"/>
+              </a:ext>
+            </a:extLst>
+          </p:cNvPr>
+          <p:cNvPicPr>
+            <a:picLocks noChangeAspect="1"/>
+          </p:cNvPicPr>
+          <p:nvPr/>
+        </p:nvPicPr>
+        <p:blipFill>
+          <a:blip r:embed="rId3" cstate="print">
+            <a:extLst>
+              <a:ext uri="{28A0092B-C50C-407E-A947-70E740481C1C}">
+                <a14:useLocalDpi xmlns:a14="http://schemas.microsoft.com/office/drawing/2010/main" val="0"/>
+              </a:ext>
+            </a:extLst>
+          </a:blip>
+          <a:stretch>
+            <a:fillRect/>
+          </a:stretch>
+        </p:blipFill>
+        <p:spPr>
+          <a:xfrm>
+            <a:off x="9004852" y="1"/>
+            <a:ext cx="3125372" cy="842386"/>
+          </a:xfrm>
+          <a:prstGeom prst="rect">
+            <a:avLst/>
+          </a:prstGeom>
+        </p:spPr>
+      </p:pic>
     </p:spTree>
     <p:extLst>
       <p:ext uri="{BB962C8B-B14F-4D97-AF65-F5344CB8AC3E}">
@@ -13030,12 +15259,21 @@
           </a:xfrm>
         </p:spPr>
         <p:txBody>
-          <a:bodyPr/>
-          <a:lstStyle/>
-          <a:p>
-            <a:r>
-              <a:rPr lang="en-GB" b="1" dirty="0"/>
-              <a:t>Motion Kit (Contents)</a:t>
+          <a:bodyPr vert="horz" lIns="91440" tIns="45720" rIns="91440" bIns="45720" rtlCol="0" anchor="ctr">
+            <a:normAutofit/>
+          </a:bodyPr>
+          <a:lstStyle/>
+          <a:p>
+            <a:r>
+              <a:rPr lang="en-GB" b="1" dirty="0">
+                <a:solidFill>
+                  <a:srgbClr val="FF3300"/>
+                </a:solidFill>
+                <a:latin typeface="Calibri Light" panose="020F0302020204030204" pitchFamily="34" charset="0"/>
+                <a:ea typeface="Calibri Light" panose="020F0302020204030204" pitchFamily="34" charset="0"/>
+                <a:cs typeface="Calibri Light" panose="020F0302020204030204" pitchFamily="34" charset="0"/>
+              </a:rPr>
+              <a:t>Motion Kit - Contents</a:t>
             </a:r>
           </a:p>
         </p:txBody>
@@ -13170,6 +15408,99 @@
           <a:xfrm>
             <a:off x="6941574" y="1515540"/>
             <a:ext cx="4840544" cy="4538010"/>
+          </a:xfrm>
+          <a:prstGeom prst="rect">
+            <a:avLst/>
+          </a:prstGeom>
+        </p:spPr>
+      </p:pic>
+      <p:sp>
+        <p:nvSpPr>
+          <p:cNvPr id="3" name="Date Placeholder 2">
+            <a:extLst>
+              <a:ext uri="{FF2B5EF4-FFF2-40B4-BE49-F238E27FC236}">
+                <a16:creationId xmlns:a16="http://schemas.microsoft.com/office/drawing/2014/main" id="{2234387A-57AF-85E7-D37E-6EEEF9D35DED}"/>
+              </a:ext>
+            </a:extLst>
+          </p:cNvPr>
+          <p:cNvSpPr>
+            <a:spLocks noGrp="1"/>
+          </p:cNvSpPr>
+          <p:nvPr>
+            <p:ph type="dt" sz="half" idx="10"/>
+          </p:nvPr>
+        </p:nvSpPr>
+        <p:spPr/>
+        <p:txBody>
+          <a:bodyPr/>
+          <a:lstStyle/>
+          <a:p>
+            <a:r>
+              <a:rPr lang="en-GB"/>
+              <a:t>06/12/2025</a:t>
+            </a:r>
+          </a:p>
+        </p:txBody>
+      </p:sp>
+      <p:sp>
+        <p:nvSpPr>
+          <p:cNvPr id="4" name="Slide Number Placeholder 3">
+            <a:extLst>
+              <a:ext uri="{FF2B5EF4-FFF2-40B4-BE49-F238E27FC236}">
+                <a16:creationId xmlns:a16="http://schemas.microsoft.com/office/drawing/2014/main" id="{FCAE077C-C2C2-1A6F-4A31-E6F0AB63312F}"/>
+              </a:ext>
+            </a:extLst>
+          </p:cNvPr>
+          <p:cNvSpPr>
+            <a:spLocks noGrp="1"/>
+          </p:cNvSpPr>
+          <p:nvPr>
+            <p:ph type="sldNum" sz="quarter" idx="12"/>
+          </p:nvPr>
+        </p:nvSpPr>
+        <p:spPr/>
+        <p:txBody>
+          <a:bodyPr/>
+          <a:lstStyle/>
+          <a:p>
+            <a:fld id="{C33A2A5D-5A42-4533-ACF4-15D55555B360}" type="slidenum">
+              <a:rPr lang="en-GB" smtClean="0"/>
+              <a:t>3</a:t>
+            </a:fld>
+            <a:endParaRPr lang="en-GB"/>
+          </a:p>
+        </p:txBody>
+      </p:sp>
+      <p:pic>
+        <p:nvPicPr>
+          <p:cNvPr id="5" name="Picture 4">
+            <a:extLst>
+              <a:ext uri="{FF2B5EF4-FFF2-40B4-BE49-F238E27FC236}">
+                <a16:creationId xmlns:a16="http://schemas.microsoft.com/office/drawing/2014/main" id="{AD3CF65C-3B0D-4730-0E30-DB8DC39960BE}"/>
+              </a:ext>
+            </a:extLst>
+          </p:cNvPr>
+          <p:cNvPicPr>
+            <a:picLocks noChangeAspect="1"/>
+          </p:cNvPicPr>
+          <p:nvPr/>
+        </p:nvPicPr>
+        <p:blipFill>
+          <a:blip r:embed="rId4" cstate="print">
+            <a:extLst>
+              <a:ext uri="{28A0092B-C50C-407E-A947-70E740481C1C}">
+                <a14:useLocalDpi xmlns:a14="http://schemas.microsoft.com/office/drawing/2010/main" val="0"/>
+              </a:ext>
+            </a:extLst>
+          </a:blip>
+          <a:stretch>
+            <a:fillRect/>
+          </a:stretch>
+        </p:blipFill>
+        <p:spPr>
+          <a:xfrm>
+            <a:off x="9004852" y="1"/>
+            <a:ext cx="3125372" cy="842386"/>
           </a:xfrm>
           <a:prstGeom prst="rect">
             <a:avLst/>
@@ -13224,11 +15555,20 @@
         </p:nvSpPr>
         <p:spPr/>
         <p:txBody>
-          <a:bodyPr/>
-          <a:lstStyle/>
-          <a:p>
-            <a:r>
-              <a:rPr lang="en-GB" b="1" dirty="0"/>
+          <a:bodyPr vert="horz" lIns="91440" tIns="45720" rIns="91440" bIns="45720" rtlCol="0" anchor="ctr">
+            <a:normAutofit/>
+          </a:bodyPr>
+          <a:lstStyle/>
+          <a:p>
+            <a:r>
+              <a:rPr lang="en-GB" b="1" dirty="0">
+                <a:solidFill>
+                  <a:srgbClr val="FF3300"/>
+                </a:solidFill>
+                <a:latin typeface="Calibri Light" panose="020F0302020204030204" pitchFamily="34" charset="0"/>
+                <a:ea typeface="Calibri Light" panose="020F0302020204030204" pitchFamily="34" charset="0"/>
+                <a:cs typeface="Calibri Light" panose="020F0302020204030204" pitchFamily="34" charset="0"/>
+              </a:rPr>
               <a:t>Kit 2 Motion Creative Board</a:t>
             </a:r>
           </a:p>
@@ -13370,6 +15710,99 @@
           <a:xfrm>
             <a:off x="6614650" y="1223796"/>
             <a:ext cx="4885191" cy="4769167"/>
+          </a:xfrm>
+          <a:prstGeom prst="rect">
+            <a:avLst/>
+          </a:prstGeom>
+        </p:spPr>
+      </p:pic>
+      <p:sp>
+        <p:nvSpPr>
+          <p:cNvPr id="5" name="Date Placeholder 4">
+            <a:extLst>
+              <a:ext uri="{FF2B5EF4-FFF2-40B4-BE49-F238E27FC236}">
+                <a16:creationId xmlns:a16="http://schemas.microsoft.com/office/drawing/2014/main" id="{B4592180-B009-10B6-47F0-0132E1C23179}"/>
+              </a:ext>
+            </a:extLst>
+          </p:cNvPr>
+          <p:cNvSpPr>
+            <a:spLocks noGrp="1"/>
+          </p:cNvSpPr>
+          <p:nvPr>
+            <p:ph type="dt" sz="half" idx="10"/>
+          </p:nvPr>
+        </p:nvSpPr>
+        <p:spPr/>
+        <p:txBody>
+          <a:bodyPr/>
+          <a:lstStyle/>
+          <a:p>
+            <a:r>
+              <a:rPr lang="en-GB"/>
+              <a:t>06/12/2025</a:t>
+            </a:r>
+          </a:p>
+        </p:txBody>
+      </p:sp>
+      <p:sp>
+        <p:nvSpPr>
+          <p:cNvPr id="6" name="Slide Number Placeholder 5">
+            <a:extLst>
+              <a:ext uri="{FF2B5EF4-FFF2-40B4-BE49-F238E27FC236}">
+                <a16:creationId xmlns:a16="http://schemas.microsoft.com/office/drawing/2014/main" id="{58FAF10D-6228-452B-FE11-D8055D8F4CEC}"/>
+              </a:ext>
+            </a:extLst>
+          </p:cNvPr>
+          <p:cNvSpPr>
+            <a:spLocks noGrp="1"/>
+          </p:cNvSpPr>
+          <p:nvPr>
+            <p:ph type="sldNum" sz="quarter" idx="12"/>
+          </p:nvPr>
+        </p:nvSpPr>
+        <p:spPr/>
+        <p:txBody>
+          <a:bodyPr/>
+          <a:lstStyle/>
+          <a:p>
+            <a:fld id="{C33A2A5D-5A42-4533-ACF4-15D55555B360}" type="slidenum">
+              <a:rPr lang="en-GB" smtClean="0"/>
+              <a:t>4</a:t>
+            </a:fld>
+            <a:endParaRPr lang="en-GB"/>
+          </a:p>
+        </p:txBody>
+      </p:sp>
+      <p:pic>
+        <p:nvPicPr>
+          <p:cNvPr id="7" name="Picture 6">
+            <a:extLst>
+              <a:ext uri="{FF2B5EF4-FFF2-40B4-BE49-F238E27FC236}">
+                <a16:creationId xmlns:a16="http://schemas.microsoft.com/office/drawing/2014/main" id="{474D7AD3-F825-28DE-2ADF-A4EFFBBD6235}"/>
+              </a:ext>
+            </a:extLst>
+          </p:cNvPr>
+          <p:cNvPicPr>
+            <a:picLocks noChangeAspect="1"/>
+          </p:cNvPicPr>
+          <p:nvPr/>
+        </p:nvPicPr>
+        <p:blipFill>
+          <a:blip r:embed="rId4" cstate="print">
+            <a:extLst>
+              <a:ext uri="{28A0092B-C50C-407E-A947-70E740481C1C}">
+                <a14:useLocalDpi xmlns:a14="http://schemas.microsoft.com/office/drawing/2010/main" val="0"/>
+              </a:ext>
+            </a:extLst>
+          </a:blip>
+          <a:stretch>
+            <a:fillRect/>
+          </a:stretch>
+        </p:blipFill>
+        <p:spPr>
+          <a:xfrm>
+            <a:off x="9004852" y="1"/>
+            <a:ext cx="3125372" cy="842386"/>
           </a:xfrm>
           <a:prstGeom prst="rect">
             <a:avLst/>
@@ -13429,14 +15862,22 @@
           </a:xfrm>
         </p:spPr>
         <p:txBody>
-          <a:bodyPr/>
-          <a:lstStyle/>
-          <a:p>
-            <a:r>
-              <a:rPr lang="en-GB" b="1" dirty="0"/>
+          <a:bodyPr vert="horz" lIns="91440" tIns="45720" rIns="91440" bIns="45720" rtlCol="0" anchor="ctr">
+            <a:normAutofit/>
+          </a:bodyPr>
+          <a:lstStyle/>
+          <a:p>
+            <a:r>
+              <a:rPr lang="en-GB" b="1" dirty="0">
+                <a:solidFill>
+                  <a:srgbClr val="FF3300"/>
+                </a:solidFill>
+                <a:latin typeface="Calibri Light" panose="020F0302020204030204" pitchFamily="34" charset="0"/>
+                <a:ea typeface="Calibri Light" panose="020F0302020204030204" pitchFamily="34" charset="0"/>
+                <a:cs typeface="Calibri Light" panose="020F0302020204030204" pitchFamily="34" charset="0"/>
+              </a:rPr>
               <a:t>Kit 2 Motion Creative Board - Features</a:t>
             </a:r>
-            <a:endParaRPr lang="en-GB" dirty="0"/>
           </a:p>
         </p:txBody>
       </p:sp>
@@ -16928,6 +19369,99 @@
           </a:p>
         </p:txBody>
       </p:sp>
+      <p:sp>
+        <p:nvSpPr>
+          <p:cNvPr id="21" name="Date Placeholder 20">
+            <a:extLst>
+              <a:ext uri="{FF2B5EF4-FFF2-40B4-BE49-F238E27FC236}">
+                <a16:creationId xmlns:a16="http://schemas.microsoft.com/office/drawing/2014/main" id="{26F1B65D-9223-1946-F336-56464FF8BFA8}"/>
+              </a:ext>
+            </a:extLst>
+          </p:cNvPr>
+          <p:cNvSpPr>
+            <a:spLocks noGrp="1"/>
+          </p:cNvSpPr>
+          <p:nvPr>
+            <p:ph type="dt" sz="half" idx="10"/>
+          </p:nvPr>
+        </p:nvSpPr>
+        <p:spPr/>
+        <p:txBody>
+          <a:bodyPr/>
+          <a:lstStyle/>
+          <a:p>
+            <a:r>
+              <a:rPr lang="en-GB"/>
+              <a:t>06/12/2025</a:t>
+            </a:r>
+          </a:p>
+        </p:txBody>
+      </p:sp>
+      <p:sp>
+        <p:nvSpPr>
+          <p:cNvPr id="27" name="Slide Number Placeholder 26">
+            <a:extLst>
+              <a:ext uri="{FF2B5EF4-FFF2-40B4-BE49-F238E27FC236}">
+                <a16:creationId xmlns:a16="http://schemas.microsoft.com/office/drawing/2014/main" id="{5E493DE9-5A8E-F67E-B061-FC201E40F9C8}"/>
+              </a:ext>
+            </a:extLst>
+          </p:cNvPr>
+          <p:cNvSpPr>
+            <a:spLocks noGrp="1"/>
+          </p:cNvSpPr>
+          <p:nvPr>
+            <p:ph type="sldNum" sz="quarter" idx="12"/>
+          </p:nvPr>
+        </p:nvSpPr>
+        <p:spPr/>
+        <p:txBody>
+          <a:bodyPr/>
+          <a:lstStyle/>
+          <a:p>
+            <a:fld id="{C33A2A5D-5A42-4533-ACF4-15D55555B360}" type="slidenum">
+              <a:rPr lang="en-GB" smtClean="0"/>
+              <a:t>5</a:t>
+            </a:fld>
+            <a:endParaRPr lang="en-GB"/>
+          </a:p>
+        </p:txBody>
+      </p:sp>
+      <p:pic>
+        <p:nvPicPr>
+          <p:cNvPr id="30" name="Picture 29">
+            <a:extLst>
+              <a:ext uri="{FF2B5EF4-FFF2-40B4-BE49-F238E27FC236}">
+                <a16:creationId xmlns:a16="http://schemas.microsoft.com/office/drawing/2014/main" id="{77476800-6FD4-5506-E5D2-9364A2B75D7D}"/>
+              </a:ext>
+            </a:extLst>
+          </p:cNvPr>
+          <p:cNvPicPr>
+            <a:picLocks noChangeAspect="1"/>
+          </p:cNvPicPr>
+          <p:nvPr/>
+        </p:nvPicPr>
+        <p:blipFill>
+          <a:blip r:embed="rId161" cstate="print">
+            <a:extLst>
+              <a:ext uri="{28A0092B-C50C-407E-A947-70E740481C1C}">
+                <a14:useLocalDpi xmlns:a14="http://schemas.microsoft.com/office/drawing/2010/main" val="0"/>
+              </a:ext>
+            </a:extLst>
+          </a:blip>
+          <a:stretch>
+            <a:fillRect/>
+          </a:stretch>
+        </p:blipFill>
+        <p:spPr>
+          <a:xfrm>
+            <a:off x="9004852" y="1"/>
+            <a:ext cx="3125372" cy="842386"/>
+          </a:xfrm>
+          <a:prstGeom prst="rect">
+            <a:avLst/>
+          </a:prstGeom>
+        </p:spPr>
+      </p:pic>
     </p:spTree>
     <p:extLst>
       <p:ext uri="{BB962C8B-B14F-4D97-AF65-F5344CB8AC3E}">
@@ -16976,16 +19510,22 @@
         </p:nvSpPr>
         <p:spPr/>
         <p:txBody>
-          <a:bodyPr/>
-          <a:lstStyle/>
-          <a:p>
-            <a:r>
-              <a:rPr lang="en-GB" dirty="0">
-                <a:latin typeface="Aptos" panose="02110004020202020204"/>
+          <a:bodyPr vert="horz" lIns="91440" tIns="45720" rIns="91440" bIns="45720" rtlCol="0" anchor="ctr">
+            <a:normAutofit/>
+          </a:bodyPr>
+          <a:lstStyle/>
+          <a:p>
+            <a:r>
+              <a:rPr lang="en-GB" b="1" dirty="0">
+                <a:solidFill>
+                  <a:srgbClr val="FF3300"/>
+                </a:solidFill>
+                <a:latin typeface="Calibri Light" panose="020F0302020204030204" pitchFamily="34" charset="0"/>
+                <a:ea typeface="Calibri Light" panose="020F0302020204030204" pitchFamily="34" charset="0"/>
+                <a:cs typeface="Calibri Light" panose="020F0302020204030204" pitchFamily="34" charset="0"/>
               </a:rPr>
               <a:t>Health &amp; Safety Precautions</a:t>
             </a:r>
-            <a:endParaRPr lang="en-GB" dirty="0"/>
           </a:p>
         </p:txBody>
       </p:sp>
@@ -17008,7 +19548,7 @@
         <p:spPr/>
         <p:txBody>
           <a:bodyPr>
-            <a:normAutofit fontScale="85000" lnSpcReduction="20000"/>
+            <a:normAutofit fontScale="70000" lnSpcReduction="20000"/>
           </a:bodyPr>
           <a:lstStyle/>
           <a:p>
@@ -17146,6 +19686,27 @@
               <a:rPr lang="en-US" dirty="0"/>
               <a:t>Avoid wiring the entire system at once and powering it without intermediate testing.</a:t>
             </a:r>
+          </a:p>
+          <a:p>
+            <a:r>
+              <a:rPr lang="en-US" b="1" dirty="0"/>
+              <a:t>18650 Battery</a:t>
+            </a:r>
+            <a:r>
+              <a:rPr lang="en-US" dirty="0"/>
+              <a:t> </a:t>
+            </a:r>
+            <a:r>
+              <a:rPr lang="en-US" b="1" dirty="0"/>
+              <a:t>Care</a:t>
+            </a:r>
+            <a:r>
+              <a:rPr lang="en-US" dirty="0"/>
+              <a:t>– For long battery life, charge it at regular intervals. Avoid battery complete draining (going down to 0%), Do not leave the battery unattended while charging or charge it overnight. If the battery appears swollen, leakage or bulging, do not use it. Use a proper Li-ion charger, Dispose of faulty batteries safely and responsibly. </a:t>
+            </a:r>
+          </a:p>
+          <a:p>
+            <a:endParaRPr lang="en-US" dirty="0"/>
           </a:p>
           <a:p>
             <a:pPr marL="0" indent="0">
@@ -17155,6 +19716,99 @@
           </a:p>
         </p:txBody>
       </p:sp>
+      <p:sp>
+        <p:nvSpPr>
+          <p:cNvPr id="4" name="Date Placeholder 3">
+            <a:extLst>
+              <a:ext uri="{FF2B5EF4-FFF2-40B4-BE49-F238E27FC236}">
+                <a16:creationId xmlns:a16="http://schemas.microsoft.com/office/drawing/2014/main" id="{50547C8A-AF21-BD0B-4616-A92244516582}"/>
+              </a:ext>
+            </a:extLst>
+          </p:cNvPr>
+          <p:cNvSpPr>
+            <a:spLocks noGrp="1"/>
+          </p:cNvSpPr>
+          <p:nvPr>
+            <p:ph type="dt" sz="half" idx="10"/>
+          </p:nvPr>
+        </p:nvSpPr>
+        <p:spPr/>
+        <p:txBody>
+          <a:bodyPr/>
+          <a:lstStyle/>
+          <a:p>
+            <a:r>
+              <a:rPr lang="en-GB"/>
+              <a:t>06/12/2025</a:t>
+            </a:r>
+          </a:p>
+        </p:txBody>
+      </p:sp>
+      <p:sp>
+        <p:nvSpPr>
+          <p:cNvPr id="5" name="Slide Number Placeholder 4">
+            <a:extLst>
+              <a:ext uri="{FF2B5EF4-FFF2-40B4-BE49-F238E27FC236}">
+                <a16:creationId xmlns:a16="http://schemas.microsoft.com/office/drawing/2014/main" id="{DF28113C-444C-5D0E-AD05-F715E70BD5BC}"/>
+              </a:ext>
+            </a:extLst>
+          </p:cNvPr>
+          <p:cNvSpPr>
+            <a:spLocks noGrp="1"/>
+          </p:cNvSpPr>
+          <p:nvPr>
+            <p:ph type="sldNum" sz="quarter" idx="12"/>
+          </p:nvPr>
+        </p:nvSpPr>
+        <p:spPr/>
+        <p:txBody>
+          <a:bodyPr/>
+          <a:lstStyle/>
+          <a:p>
+            <a:fld id="{C33A2A5D-5A42-4533-ACF4-15D55555B360}" type="slidenum">
+              <a:rPr lang="en-GB" smtClean="0"/>
+              <a:t>6</a:t>
+            </a:fld>
+            <a:endParaRPr lang="en-GB"/>
+          </a:p>
+        </p:txBody>
+      </p:sp>
+      <p:pic>
+        <p:nvPicPr>
+          <p:cNvPr id="6" name="Picture 5">
+            <a:extLst>
+              <a:ext uri="{FF2B5EF4-FFF2-40B4-BE49-F238E27FC236}">
+                <a16:creationId xmlns:a16="http://schemas.microsoft.com/office/drawing/2014/main" id="{BCE53AB4-6BF0-0BAE-4DE8-1AB935829976}"/>
+              </a:ext>
+            </a:extLst>
+          </p:cNvPr>
+          <p:cNvPicPr>
+            <a:picLocks noChangeAspect="1"/>
+          </p:cNvPicPr>
+          <p:nvPr/>
+        </p:nvPicPr>
+        <p:blipFill>
+          <a:blip r:embed="rId2" cstate="print">
+            <a:extLst>
+              <a:ext uri="{28A0092B-C50C-407E-A947-70E740481C1C}">
+                <a14:useLocalDpi xmlns:a14="http://schemas.microsoft.com/office/drawing/2010/main" val="0"/>
+              </a:ext>
+            </a:extLst>
+          </a:blip>
+          <a:stretch>
+            <a:fillRect/>
+          </a:stretch>
+        </p:blipFill>
+        <p:spPr>
+          <a:xfrm>
+            <a:off x="9004852" y="1"/>
+            <a:ext cx="3125372" cy="842386"/>
+          </a:xfrm>
+          <a:prstGeom prst="rect">
+            <a:avLst/>
+          </a:prstGeom>
+        </p:spPr>
+      </p:pic>
     </p:spTree>
     <p:extLst>
       <p:ext uri="{BB962C8B-B14F-4D97-AF65-F5344CB8AC3E}">
@@ -17203,14 +19857,43 @@
         </p:nvSpPr>
         <p:spPr/>
         <p:txBody>
-          <a:bodyPr/>
-          <a:lstStyle/>
-          <a:p>
-            <a:r>
-              <a:rPr lang="en-GB" b="1" dirty="0"/>
-              <a:t>DC Motor - Direction Control - with TB6612 Motor Driver</a:t>
-            </a:r>
-            <a:endParaRPr lang="en-GB" dirty="0"/>
+          <a:bodyPr vert="horz" lIns="91440" tIns="45720" rIns="91440" bIns="45720" rtlCol="0" anchor="ctr">
+            <a:normAutofit/>
+          </a:bodyPr>
+          <a:lstStyle/>
+          <a:p>
+            <a:r>
+              <a:rPr lang="en-GB" b="1" dirty="0">
+                <a:solidFill>
+                  <a:srgbClr val="FF3300"/>
+                </a:solidFill>
+                <a:latin typeface="Calibri Light" panose="020F0302020204030204" pitchFamily="34" charset="0"/>
+                <a:ea typeface="Calibri Light" panose="020F0302020204030204" pitchFamily="34" charset="0"/>
+                <a:cs typeface="Calibri Light" panose="020F0302020204030204" pitchFamily="34" charset="0"/>
+              </a:rPr>
+              <a:t>Lab M1: DC Motor</a:t>
+            </a:r>
+            <a:br>
+              <a:rPr lang="en-GB" b="1" dirty="0">
+                <a:solidFill>
+                  <a:srgbClr val="FF3300"/>
+                </a:solidFill>
+                <a:latin typeface="Calibri Light" panose="020F0302020204030204" pitchFamily="34" charset="0"/>
+                <a:ea typeface="Calibri Light" panose="020F0302020204030204" pitchFamily="34" charset="0"/>
+                <a:cs typeface="Calibri Light" panose="020F0302020204030204" pitchFamily="34" charset="0"/>
+              </a:rPr>
+            </a:br>
+            <a:r>
+              <a:rPr lang="en-GB" b="1" dirty="0">
+                <a:solidFill>
+                  <a:srgbClr val="FF3300"/>
+                </a:solidFill>
+                <a:latin typeface="Calibri Light" panose="020F0302020204030204" pitchFamily="34" charset="0"/>
+                <a:ea typeface="Calibri Light" panose="020F0302020204030204" pitchFamily="34" charset="0"/>
+                <a:cs typeface="Calibri Light" panose="020F0302020204030204" pitchFamily="34" charset="0"/>
+              </a:rPr>
+              <a:t>Direction Control - with TB6612 Motor Driver</a:t>
+            </a:r>
           </a:p>
         </p:txBody>
       </p:sp>
@@ -17324,8 +20007,8 @@
         </p:blipFill>
         <p:spPr>
           <a:xfrm>
-            <a:off x="7402518" y="3751225"/>
-            <a:ext cx="4153260" cy="2857748"/>
+            <a:off x="6996675" y="4001294"/>
+            <a:ext cx="3708949" cy="2552029"/>
           </a:xfrm>
           <a:prstGeom prst="rect">
             <a:avLst/>
@@ -17414,8 +20097,101 @@
         </p:blipFill>
         <p:spPr>
           <a:xfrm rot="5400000">
-            <a:off x="8622478" y="990970"/>
+            <a:off x="8299669" y="1307352"/>
             <a:ext cx="2408129" cy="2842506"/>
+          </a:xfrm>
+          <a:prstGeom prst="rect">
+            <a:avLst/>
+          </a:prstGeom>
+        </p:spPr>
+      </p:pic>
+      <p:sp>
+        <p:nvSpPr>
+          <p:cNvPr id="4" name="Date Placeholder 3">
+            <a:extLst>
+              <a:ext uri="{FF2B5EF4-FFF2-40B4-BE49-F238E27FC236}">
+                <a16:creationId xmlns:a16="http://schemas.microsoft.com/office/drawing/2014/main" id="{8AB1C53E-9C7C-7C76-988C-68F857A193CE}"/>
+              </a:ext>
+            </a:extLst>
+          </p:cNvPr>
+          <p:cNvSpPr>
+            <a:spLocks noGrp="1"/>
+          </p:cNvSpPr>
+          <p:nvPr>
+            <p:ph type="dt" sz="half" idx="10"/>
+          </p:nvPr>
+        </p:nvSpPr>
+        <p:spPr/>
+        <p:txBody>
+          <a:bodyPr/>
+          <a:lstStyle/>
+          <a:p>
+            <a:r>
+              <a:rPr lang="en-GB"/>
+              <a:t>06/12/2025</a:t>
+            </a:r>
+          </a:p>
+        </p:txBody>
+      </p:sp>
+      <p:sp>
+        <p:nvSpPr>
+          <p:cNvPr id="11" name="Slide Number Placeholder 10">
+            <a:extLst>
+              <a:ext uri="{FF2B5EF4-FFF2-40B4-BE49-F238E27FC236}">
+                <a16:creationId xmlns:a16="http://schemas.microsoft.com/office/drawing/2014/main" id="{AD5E7C16-1C1D-463F-54CE-8B8C1486886D}"/>
+              </a:ext>
+            </a:extLst>
+          </p:cNvPr>
+          <p:cNvSpPr>
+            <a:spLocks noGrp="1"/>
+          </p:cNvSpPr>
+          <p:nvPr>
+            <p:ph type="sldNum" sz="quarter" idx="12"/>
+          </p:nvPr>
+        </p:nvSpPr>
+        <p:spPr/>
+        <p:txBody>
+          <a:bodyPr/>
+          <a:lstStyle/>
+          <a:p>
+            <a:fld id="{C33A2A5D-5A42-4533-ACF4-15D55555B360}" type="slidenum">
+              <a:rPr lang="en-GB" smtClean="0"/>
+              <a:t>7</a:t>
+            </a:fld>
+            <a:endParaRPr lang="en-GB"/>
+          </a:p>
+        </p:txBody>
+      </p:sp>
+      <p:pic>
+        <p:nvPicPr>
+          <p:cNvPr id="12" name="Picture 11">
+            <a:extLst>
+              <a:ext uri="{FF2B5EF4-FFF2-40B4-BE49-F238E27FC236}">
+                <a16:creationId xmlns:a16="http://schemas.microsoft.com/office/drawing/2014/main" id="{EEE69B09-5F94-D984-AC4B-9E9BEB82FD84}"/>
+              </a:ext>
+            </a:extLst>
+          </p:cNvPr>
+          <p:cNvPicPr>
+            <a:picLocks noChangeAspect="1"/>
+          </p:cNvPicPr>
+          <p:nvPr/>
+        </p:nvPicPr>
+        <p:blipFill>
+          <a:blip r:embed="rId8" cstate="print">
+            <a:extLst>
+              <a:ext uri="{28A0092B-C50C-407E-A947-70E740481C1C}">
+                <a14:useLocalDpi xmlns:a14="http://schemas.microsoft.com/office/drawing/2010/main" val="0"/>
+              </a:ext>
+            </a:extLst>
+          </a:blip>
+          <a:stretch>
+            <a:fillRect/>
+          </a:stretch>
+        </p:blipFill>
+        <p:spPr>
+          <a:xfrm>
+            <a:off x="9004852" y="1"/>
+            <a:ext cx="3125372" cy="842386"/>
           </a:xfrm>
           <a:prstGeom prst="rect">
             <a:avLst/>
@@ -17452,80 +20228,12 @@
           <a:chExt cx="0" cy="0"/>
         </a:xfrm>
       </p:grpSpPr>
-      <p:sp>
-        <p:nvSpPr>
-          <p:cNvPr id="2" name="Title 1">
-            <a:extLst>
-              <a:ext uri="{FF2B5EF4-FFF2-40B4-BE49-F238E27FC236}">
-                <a16:creationId xmlns:a16="http://schemas.microsoft.com/office/drawing/2014/main" id="{72FEA597-8492-5667-9547-C838F992B764}"/>
-              </a:ext>
-            </a:extLst>
-          </p:cNvPr>
-          <p:cNvSpPr>
-            <a:spLocks noGrp="1"/>
-          </p:cNvSpPr>
-          <p:nvPr>
-            <p:ph type="title"/>
-          </p:nvPr>
-        </p:nvSpPr>
-        <p:spPr/>
-        <p:txBody>
-          <a:bodyPr/>
-          <a:lstStyle/>
-          <a:p>
-            <a:r>
-              <a:rPr lang="en-GB" b="1" dirty="0"/>
-              <a:t>DC Motor - Direction Control - with TB6612 Motor Driver</a:t>
-            </a:r>
-            <a:endParaRPr lang="en-GB" dirty="0"/>
-          </a:p>
-        </p:txBody>
-      </p:sp>
-      <p:sp>
-        <p:nvSpPr>
-          <p:cNvPr id="7" name="TextBox 6">
-            <a:extLst>
-              <a:ext uri="{FF2B5EF4-FFF2-40B4-BE49-F238E27FC236}">
-                <a16:creationId xmlns:a16="http://schemas.microsoft.com/office/drawing/2014/main" id="{3A43F170-1902-BDDB-6561-0660DC54430B}"/>
-              </a:ext>
-            </a:extLst>
-          </p:cNvPr>
-          <p:cNvSpPr txBox="1"/>
-          <p:nvPr/>
-        </p:nvSpPr>
-        <p:spPr>
-          <a:xfrm>
-            <a:off x="9842233" y="2968880"/>
-            <a:ext cx="1936812" cy="1200329"/>
-          </a:xfrm>
-          <a:prstGeom prst="rect">
-            <a:avLst/>
-          </a:prstGeom>
-          <a:noFill/>
-        </p:spPr>
-        <p:txBody>
-          <a:bodyPr wrap="square" rtlCol="0">
-            <a:spAutoFit/>
-          </a:bodyPr>
-          <a:lstStyle/>
-          <a:p>
-            <a:r>
-              <a:rPr lang="en-GB" sz="2400" b="1" dirty="0">
-                <a:solidFill>
-                  <a:srgbClr val="FF0000"/>
-                </a:solidFill>
-              </a:rPr>
-              <a:t>Power and Ground connections</a:t>
-            </a:r>
-          </a:p>
-        </p:txBody>
-      </p:sp>
       <p:pic>
         <p:nvPicPr>
-          <p:cNvPr id="4" name="Picture 3">
-            <a:extLst>
-              <a:ext uri="{FF2B5EF4-FFF2-40B4-BE49-F238E27FC236}">
-                <a16:creationId xmlns:a16="http://schemas.microsoft.com/office/drawing/2014/main" id="{4A448DF7-9588-1A31-6136-638EF97D718D}"/>
+          <p:cNvPr id="11" name="Picture 10">
+            <a:extLst>
+              <a:ext uri="{FF2B5EF4-FFF2-40B4-BE49-F238E27FC236}">
+                <a16:creationId xmlns:a16="http://schemas.microsoft.com/office/drawing/2014/main" id="{2EFFE123-0FCF-F30F-0B0B-D219C529F516}"/>
               </a:ext>
             </a:extLst>
           </p:cNvPr>
@@ -17542,14 +20250,111 @@
         </p:blipFill>
         <p:spPr>
           <a:xfrm>
-            <a:off x="1130125" y="1622606"/>
-            <a:ext cx="7788315" cy="5235394"/>
+            <a:off x="1208277" y="1770567"/>
+            <a:ext cx="6973406" cy="4722307"/>
           </a:xfrm>
           <a:prstGeom prst="rect">
             <a:avLst/>
           </a:prstGeom>
         </p:spPr>
       </p:pic>
+      <p:sp>
+        <p:nvSpPr>
+          <p:cNvPr id="2" name="Title 1">
+            <a:extLst>
+              <a:ext uri="{FF2B5EF4-FFF2-40B4-BE49-F238E27FC236}">
+                <a16:creationId xmlns:a16="http://schemas.microsoft.com/office/drawing/2014/main" id="{72FEA597-8492-5667-9547-C838F992B764}"/>
+              </a:ext>
+            </a:extLst>
+          </p:cNvPr>
+          <p:cNvSpPr>
+            <a:spLocks noGrp="1"/>
+          </p:cNvSpPr>
+          <p:nvPr>
+            <p:ph type="title"/>
+          </p:nvPr>
+        </p:nvSpPr>
+        <p:spPr/>
+        <p:txBody>
+          <a:bodyPr vert="horz" lIns="91440" tIns="45720" rIns="91440" bIns="45720" rtlCol="0" anchor="ctr">
+            <a:normAutofit/>
+          </a:bodyPr>
+          <a:lstStyle/>
+          <a:p>
+            <a:r>
+              <a:rPr lang="en-GB" b="1" dirty="0">
+                <a:solidFill>
+                  <a:srgbClr val="FF3300"/>
+                </a:solidFill>
+                <a:latin typeface="Calibri Light" panose="020F0302020204030204" pitchFamily="34" charset="0"/>
+                <a:ea typeface="Calibri Light" panose="020F0302020204030204" pitchFamily="34" charset="0"/>
+                <a:cs typeface="Calibri Light" panose="020F0302020204030204" pitchFamily="34" charset="0"/>
+              </a:rPr>
+              <a:t>Lab M1: DC Motor</a:t>
+            </a:r>
+            <a:br>
+              <a:rPr lang="en-GB" b="1" dirty="0">
+                <a:solidFill>
+                  <a:srgbClr val="FF3300"/>
+                </a:solidFill>
+                <a:latin typeface="Calibri Light" panose="020F0302020204030204" pitchFamily="34" charset="0"/>
+                <a:ea typeface="Calibri Light" panose="020F0302020204030204" pitchFamily="34" charset="0"/>
+                <a:cs typeface="Calibri Light" panose="020F0302020204030204" pitchFamily="34" charset="0"/>
+              </a:rPr>
+            </a:br>
+            <a:r>
+              <a:rPr lang="en-GB" b="1" dirty="0">
+                <a:solidFill>
+                  <a:srgbClr val="FF3300"/>
+                </a:solidFill>
+                <a:latin typeface="Calibri Light" panose="020F0302020204030204" pitchFamily="34" charset="0"/>
+                <a:ea typeface="Calibri Light" panose="020F0302020204030204" pitchFamily="34" charset="0"/>
+                <a:cs typeface="Calibri Light" panose="020F0302020204030204" pitchFamily="34" charset="0"/>
+              </a:rPr>
+              <a:t>Direction Control - with TB6612 Motor Driver</a:t>
+            </a:r>
+          </a:p>
+        </p:txBody>
+      </p:sp>
+      <p:sp>
+        <p:nvSpPr>
+          <p:cNvPr id="7" name="TextBox 6">
+            <a:extLst>
+              <a:ext uri="{FF2B5EF4-FFF2-40B4-BE49-F238E27FC236}">
+                <a16:creationId xmlns:a16="http://schemas.microsoft.com/office/drawing/2014/main" id="{3A43F170-1902-BDDB-6561-0660DC54430B}"/>
+              </a:ext>
+            </a:extLst>
+          </p:cNvPr>
+          <p:cNvSpPr txBox="1"/>
+          <p:nvPr/>
+        </p:nvSpPr>
+        <p:spPr>
+          <a:xfrm>
+            <a:off x="9842233" y="2968880"/>
+            <a:ext cx="1936812" cy="1200329"/>
+          </a:xfrm>
+          <a:prstGeom prst="rect">
+            <a:avLst/>
+          </a:prstGeom>
+          <a:noFill/>
+        </p:spPr>
+        <p:txBody>
+          <a:bodyPr wrap="square" rtlCol="0">
+            <a:spAutoFit/>
+          </a:bodyPr>
+          <a:lstStyle/>
+          <a:p>
+            <a:r>
+              <a:rPr lang="en-GB" sz="2400" b="1" dirty="0">
+                <a:solidFill>
+                  <a:srgbClr val="FF0000"/>
+                </a:solidFill>
+              </a:rPr>
+              <a:t>Power and Ground connections</a:t>
+            </a:r>
+          </a:p>
+        </p:txBody>
+      </p:sp>
       <p:pic>
         <p:nvPicPr>
           <p:cNvPr id="10" name="Picture 9">
@@ -17572,8 +20377,101 @@
         </p:blipFill>
         <p:spPr>
           <a:xfrm>
-            <a:off x="5768311" y="4740123"/>
+            <a:off x="5320642" y="4603598"/>
             <a:ext cx="655377" cy="1752752"/>
+          </a:xfrm>
+          <a:prstGeom prst="rect">
+            <a:avLst/>
+          </a:prstGeom>
+        </p:spPr>
+      </p:pic>
+      <p:sp>
+        <p:nvSpPr>
+          <p:cNvPr id="3" name="Date Placeholder 2">
+            <a:extLst>
+              <a:ext uri="{FF2B5EF4-FFF2-40B4-BE49-F238E27FC236}">
+                <a16:creationId xmlns:a16="http://schemas.microsoft.com/office/drawing/2014/main" id="{34CD2A58-C4F5-8112-047B-2FA3DDFBEE90}"/>
+              </a:ext>
+            </a:extLst>
+          </p:cNvPr>
+          <p:cNvSpPr>
+            <a:spLocks noGrp="1"/>
+          </p:cNvSpPr>
+          <p:nvPr>
+            <p:ph type="dt" sz="half" idx="10"/>
+          </p:nvPr>
+        </p:nvSpPr>
+        <p:spPr/>
+        <p:txBody>
+          <a:bodyPr/>
+          <a:lstStyle/>
+          <a:p>
+            <a:r>
+              <a:rPr lang="en-GB"/>
+              <a:t>06/12/2025</a:t>
+            </a:r>
+          </a:p>
+        </p:txBody>
+      </p:sp>
+      <p:sp>
+        <p:nvSpPr>
+          <p:cNvPr id="5" name="Slide Number Placeholder 4">
+            <a:extLst>
+              <a:ext uri="{FF2B5EF4-FFF2-40B4-BE49-F238E27FC236}">
+                <a16:creationId xmlns:a16="http://schemas.microsoft.com/office/drawing/2014/main" id="{69AF215A-0643-5D1E-511F-7E4BAC8684B8}"/>
+              </a:ext>
+            </a:extLst>
+          </p:cNvPr>
+          <p:cNvSpPr>
+            <a:spLocks noGrp="1"/>
+          </p:cNvSpPr>
+          <p:nvPr>
+            <p:ph type="sldNum" sz="quarter" idx="12"/>
+          </p:nvPr>
+        </p:nvSpPr>
+        <p:spPr/>
+        <p:txBody>
+          <a:bodyPr/>
+          <a:lstStyle/>
+          <a:p>
+            <a:fld id="{C33A2A5D-5A42-4533-ACF4-15D55555B360}" type="slidenum">
+              <a:rPr lang="en-GB" smtClean="0"/>
+              <a:t>8</a:t>
+            </a:fld>
+            <a:endParaRPr lang="en-GB"/>
+          </a:p>
+        </p:txBody>
+      </p:sp>
+      <p:pic>
+        <p:nvPicPr>
+          <p:cNvPr id="12" name="Picture 11">
+            <a:extLst>
+              <a:ext uri="{FF2B5EF4-FFF2-40B4-BE49-F238E27FC236}">
+                <a16:creationId xmlns:a16="http://schemas.microsoft.com/office/drawing/2014/main" id="{B06E3285-F725-A52C-0131-DC3F3BADF9B9}"/>
+              </a:ext>
+            </a:extLst>
+          </p:cNvPr>
+          <p:cNvPicPr>
+            <a:picLocks noChangeAspect="1"/>
+          </p:cNvPicPr>
+          <p:nvPr/>
+        </p:nvPicPr>
+        <p:blipFill>
+          <a:blip r:embed="rId4" cstate="print">
+            <a:extLst>
+              <a:ext uri="{28A0092B-C50C-407E-A947-70E740481C1C}">
+                <a14:useLocalDpi xmlns:a14="http://schemas.microsoft.com/office/drawing/2010/main" val="0"/>
+              </a:ext>
+            </a:extLst>
+          </a:blip>
+          <a:stretch>
+            <a:fillRect/>
+          </a:stretch>
+        </p:blipFill>
+        <p:spPr>
+          <a:xfrm>
+            <a:off x="9004852" y="1"/>
+            <a:ext cx="3125372" cy="842386"/>
           </a:xfrm>
           <a:prstGeom prst="rect">
             <a:avLst/>
@@ -17628,47 +20526,46 @@
         </p:nvSpPr>
         <p:spPr/>
         <p:txBody>
-          <a:bodyPr/>
-          <a:lstStyle/>
-          <a:p>
-            <a:r>
-              <a:rPr lang="en-GB" b="1" dirty="0"/>
-              <a:t>DC Motor - Direction Control - with TB6612 Motor Driver</a:t>
-            </a:r>
-            <a:endParaRPr lang="en-GB" dirty="0"/>
-          </a:p>
-        </p:txBody>
-      </p:sp>
-      <p:pic>
-        <p:nvPicPr>
-          <p:cNvPr id="5" name="Picture 4">
-            <a:extLst>
-              <a:ext uri="{FF2B5EF4-FFF2-40B4-BE49-F238E27FC236}">
-                <a16:creationId xmlns:a16="http://schemas.microsoft.com/office/drawing/2014/main" id="{89032A0E-1B0D-EAB9-5418-C47C1280E852}"/>
-              </a:ext>
-            </a:extLst>
-          </p:cNvPr>
-          <p:cNvPicPr>
-            <a:picLocks noChangeAspect="1"/>
-          </p:cNvPicPr>
-          <p:nvPr/>
-        </p:nvPicPr>
-        <p:blipFill>
-          <a:blip r:embed="rId2"/>
-          <a:stretch>
-            <a:fillRect/>
-          </a:stretch>
-        </p:blipFill>
-        <p:spPr>
-          <a:xfrm>
-            <a:off x="838200" y="1690688"/>
-            <a:ext cx="7750212" cy="5387807"/>
-          </a:xfrm>
-          <a:prstGeom prst="rect">
-            <a:avLst/>
-          </a:prstGeom>
-        </p:spPr>
-      </p:pic>
+          <a:bodyPr vert="horz" lIns="91440" tIns="45720" rIns="91440" bIns="45720" rtlCol="0" anchor="ctr">
+            <a:normAutofit/>
+          </a:bodyPr>
+          <a:lstStyle/>
+          <a:p>
+            <a:r>
+              <a:rPr lang="en-GB" b="1" dirty="0">
+                <a:solidFill>
+                  <a:srgbClr val="FF3300"/>
+                </a:solidFill>
+                <a:latin typeface="Calibri Light" panose="020F0302020204030204" pitchFamily="34" charset="0"/>
+                <a:ea typeface="Calibri Light" panose="020F0302020204030204" pitchFamily="34" charset="0"/>
+                <a:cs typeface="Calibri Light" panose="020F0302020204030204" pitchFamily="34" charset="0"/>
+              </a:rPr>
+              <a:t>Lab M1: DC Motor</a:t>
+            </a:r>
+            <a:br>
+              <a:rPr lang="en-GB" b="1" dirty="0">
+                <a:solidFill>
+                  <a:srgbClr val="FF3300"/>
+                </a:solidFill>
+                <a:latin typeface="Calibri Light" panose="020F0302020204030204" pitchFamily="34" charset="0"/>
+                <a:ea typeface="Calibri Light" panose="020F0302020204030204" pitchFamily="34" charset="0"/>
+                <a:cs typeface="Calibri Light" panose="020F0302020204030204" pitchFamily="34" charset="0"/>
+              </a:rPr>
+            </a:br>
+            <a:r>
+              <a:rPr lang="en-GB" b="1" dirty="0">
+                <a:solidFill>
+                  <a:srgbClr val="FF3300"/>
+                </a:solidFill>
+                <a:latin typeface="Calibri Light" panose="020F0302020204030204" pitchFamily="34" charset="0"/>
+                <a:ea typeface="Calibri Light" panose="020F0302020204030204" pitchFamily="34" charset="0"/>
+                <a:cs typeface="Calibri Light" panose="020F0302020204030204" pitchFamily="34" charset="0"/>
+              </a:rPr>
+              <a:t>Direction Control - with TB6612 Motor Driver</a:t>
+            </a:r>
+          </a:p>
+        </p:txBody>
+      </p:sp>
       <p:graphicFrame>
         <p:nvGraphicFramePr>
           <p:cNvPr id="6" name="Table 5">
@@ -18011,6 +20908,129 @@
           </a:graphicData>
         </a:graphic>
       </p:graphicFrame>
+      <p:sp>
+        <p:nvSpPr>
+          <p:cNvPr id="3" name="Date Placeholder 2">
+            <a:extLst>
+              <a:ext uri="{FF2B5EF4-FFF2-40B4-BE49-F238E27FC236}">
+                <a16:creationId xmlns:a16="http://schemas.microsoft.com/office/drawing/2014/main" id="{BEE76F97-B315-32FA-A9F5-C76D1D8E2DD7}"/>
+              </a:ext>
+            </a:extLst>
+          </p:cNvPr>
+          <p:cNvSpPr>
+            <a:spLocks noGrp="1"/>
+          </p:cNvSpPr>
+          <p:nvPr>
+            <p:ph type="dt" sz="half" idx="10"/>
+          </p:nvPr>
+        </p:nvSpPr>
+        <p:spPr/>
+        <p:txBody>
+          <a:bodyPr/>
+          <a:lstStyle/>
+          <a:p>
+            <a:r>
+              <a:rPr lang="en-GB"/>
+              <a:t>06/12/2025</a:t>
+            </a:r>
+          </a:p>
+        </p:txBody>
+      </p:sp>
+      <p:sp>
+        <p:nvSpPr>
+          <p:cNvPr id="4" name="Slide Number Placeholder 3">
+            <a:extLst>
+              <a:ext uri="{FF2B5EF4-FFF2-40B4-BE49-F238E27FC236}">
+                <a16:creationId xmlns:a16="http://schemas.microsoft.com/office/drawing/2014/main" id="{3F773635-0403-3CDF-28E9-58B8E7A12479}"/>
+              </a:ext>
+            </a:extLst>
+          </p:cNvPr>
+          <p:cNvSpPr>
+            <a:spLocks noGrp="1"/>
+          </p:cNvSpPr>
+          <p:nvPr>
+            <p:ph type="sldNum" sz="quarter" idx="12"/>
+          </p:nvPr>
+        </p:nvSpPr>
+        <p:spPr/>
+        <p:txBody>
+          <a:bodyPr/>
+          <a:lstStyle/>
+          <a:p>
+            <a:fld id="{C33A2A5D-5A42-4533-ACF4-15D55555B360}" type="slidenum">
+              <a:rPr lang="en-GB" smtClean="0"/>
+              <a:t>9</a:t>
+            </a:fld>
+            <a:endParaRPr lang="en-GB"/>
+          </a:p>
+        </p:txBody>
+      </p:sp>
+      <p:pic>
+        <p:nvPicPr>
+          <p:cNvPr id="10" name="Picture 9">
+            <a:extLst>
+              <a:ext uri="{FF2B5EF4-FFF2-40B4-BE49-F238E27FC236}">
+                <a16:creationId xmlns:a16="http://schemas.microsoft.com/office/drawing/2014/main" id="{EDAE1025-39B7-B688-4D49-E96BE3822170}"/>
+              </a:ext>
+            </a:extLst>
+          </p:cNvPr>
+          <p:cNvPicPr>
+            <a:picLocks noChangeAspect="1"/>
+          </p:cNvPicPr>
+          <p:nvPr/>
+        </p:nvPicPr>
+        <p:blipFill>
+          <a:blip r:embed="rId2"/>
+          <a:stretch>
+            <a:fillRect/>
+          </a:stretch>
+        </p:blipFill>
+        <p:spPr>
+          <a:xfrm>
+            <a:off x="1078246" y="1600307"/>
+            <a:ext cx="6944877" cy="4846425"/>
+          </a:xfrm>
+          <a:prstGeom prst="rect">
+            <a:avLst/>
+          </a:prstGeom>
+        </p:spPr>
+      </p:pic>
+      <p:pic>
+        <p:nvPicPr>
+          <p:cNvPr id="11" name="Picture 10">
+            <a:extLst>
+              <a:ext uri="{FF2B5EF4-FFF2-40B4-BE49-F238E27FC236}">
+                <a16:creationId xmlns:a16="http://schemas.microsoft.com/office/drawing/2014/main" id="{6F1B0AE4-A421-3C34-47A6-7D6D84DED85E}"/>
+              </a:ext>
+            </a:extLst>
+          </p:cNvPr>
+          <p:cNvPicPr>
+            <a:picLocks noChangeAspect="1"/>
+          </p:cNvPicPr>
+          <p:nvPr/>
+        </p:nvPicPr>
+        <p:blipFill>
+          <a:blip r:embed="rId3" cstate="print">
+            <a:extLst>
+              <a:ext uri="{28A0092B-C50C-407E-A947-70E740481C1C}">
+                <a14:useLocalDpi xmlns:a14="http://schemas.microsoft.com/office/drawing/2010/main" val="0"/>
+              </a:ext>
+            </a:extLst>
+          </a:blip>
+          <a:stretch>
+            <a:fillRect/>
+          </a:stretch>
+        </p:blipFill>
+        <p:spPr>
+          <a:xfrm>
+            <a:off x="9004852" y="1"/>
+            <a:ext cx="3125372" cy="842386"/>
+          </a:xfrm>
+          <a:prstGeom prst="rect">
+            <a:avLst/>
+          </a:prstGeom>
+        </p:spPr>
+      </p:pic>
     </p:spTree>
     <p:extLst>
       <p:ext uri="{BB962C8B-B14F-4D97-AF65-F5344CB8AC3E}">
@@ -18632,4 +21652,299 @@
     </a:ext>
   </a:extLst>
 </a:theme>
+</file>
+
+<file path=ppt/theme/theme3.xml><?xml version="1.0" encoding="utf-8"?>
+<a:theme xmlns:a="http://schemas.openxmlformats.org/drawingml/2006/main" name="Office Theme">
+  <a:themeElements>
+    <a:clrScheme name="Office">
+      <a:dk1>
+        <a:sysClr val="windowText" lastClr="000000"/>
+      </a:dk1>
+      <a:lt1>
+        <a:sysClr val="window" lastClr="FFFFFF"/>
+      </a:lt1>
+      <a:dk2>
+        <a:srgbClr val="44546A"/>
+      </a:dk2>
+      <a:lt2>
+        <a:srgbClr val="E7E6E6"/>
+      </a:lt2>
+      <a:accent1>
+        <a:srgbClr val="4472C4"/>
+      </a:accent1>
+      <a:accent2>
+        <a:srgbClr val="ED7D31"/>
+      </a:accent2>
+      <a:accent3>
+        <a:srgbClr val="A5A5A5"/>
+      </a:accent3>
+      <a:accent4>
+        <a:srgbClr val="FFC000"/>
+      </a:accent4>
+      <a:accent5>
+        <a:srgbClr val="5B9BD5"/>
+      </a:accent5>
+      <a:accent6>
+        <a:srgbClr val="70AD47"/>
+      </a:accent6>
+      <a:hlink>
+        <a:srgbClr val="0563C1"/>
+      </a:hlink>
+      <a:folHlink>
+        <a:srgbClr val="954F72"/>
+      </a:folHlink>
+    </a:clrScheme>
+    <a:fontScheme name="Office">
+      <a:majorFont>
+        <a:latin typeface="Calibri Light" panose="020F0302020204030204"/>
+        <a:ea typeface=""/>
+        <a:cs typeface=""/>
+        <a:font script="Jpan" typeface="游ゴシック Light"/>
+        <a:font script="Hang" typeface="맑은 고딕"/>
+        <a:font script="Hans" typeface="等线 Light"/>
+        <a:font script="Hant" typeface="新細明體"/>
+        <a:font script="Arab" typeface="Times New Roman"/>
+        <a:font script="Hebr" typeface="Times New Roman"/>
+        <a:font script="Thai" typeface="Angsana New"/>
+        <a:font script="Ethi" typeface="Nyala"/>
+        <a:font script="Beng" typeface="Vrinda"/>
+        <a:font script="Gujr" typeface="Shruti"/>
+        <a:font script="Khmr" typeface="MoolBoran"/>
+        <a:font script="Knda" typeface="Tunga"/>
+        <a:font script="Guru" typeface="Raavi"/>
+        <a:font script="Cans" typeface="Euphemia"/>
+        <a:font script="Cher" typeface="Plantagenet Cherokee"/>
+        <a:font script="Yiii" typeface="Microsoft Yi Baiti"/>
+        <a:font script="Tibt" typeface="Microsoft Himalaya"/>
+        <a:font script="Thaa" typeface="MV Boli"/>
+        <a:font script="Deva" typeface="Mangal"/>
+        <a:font script="Telu" typeface="Gautami"/>
+        <a:font script="Taml" typeface="Latha"/>
+        <a:font script="Syrc" typeface="Estrangelo Edessa"/>
+        <a:font script="Orya" typeface="Kalinga"/>
+        <a:font script="Mlym" typeface="Kartika"/>
+        <a:font script="Laoo" typeface="DokChampa"/>
+        <a:font script="Sinh" typeface="Iskoola Pota"/>
+        <a:font script="Mong" typeface="Mongolian Baiti"/>
+        <a:font script="Viet" typeface="Times New Roman"/>
+        <a:font script="Uigh" typeface="Microsoft Uighur"/>
+        <a:font script="Geor" typeface="Sylfaen"/>
+        <a:font script="Armn" typeface="Arial"/>
+        <a:font script="Bugi" typeface="Leelawadee UI"/>
+        <a:font script="Bopo" typeface="Microsoft JhengHei"/>
+        <a:font script="Java" typeface="Javanese Text"/>
+        <a:font script="Lisu" typeface="Segoe UI"/>
+        <a:font script="Mymr" typeface="Myanmar Text"/>
+        <a:font script="Nkoo" typeface="Ebrima"/>
+        <a:font script="Olck" typeface="Nirmala UI"/>
+        <a:font script="Osma" typeface="Ebrima"/>
+        <a:font script="Phag" typeface="Phagspa"/>
+        <a:font script="Syrn" typeface="Estrangelo Edessa"/>
+        <a:font script="Syrj" typeface="Estrangelo Edessa"/>
+        <a:font script="Syre" typeface="Estrangelo Edessa"/>
+        <a:font script="Sora" typeface="Nirmala UI"/>
+        <a:font script="Tale" typeface="Microsoft Tai Le"/>
+        <a:font script="Talu" typeface="Microsoft New Tai Lue"/>
+        <a:font script="Tfng" typeface="Ebrima"/>
+      </a:majorFont>
+      <a:minorFont>
+        <a:latin typeface="Calibri" panose="020F0502020204030204"/>
+        <a:ea typeface=""/>
+        <a:cs typeface=""/>
+        <a:font script="Jpan" typeface="游ゴシック"/>
+        <a:font script="Hang" typeface="맑은 고딕"/>
+        <a:font script="Hans" typeface="等线"/>
+        <a:font script="Hant" typeface="新細明體"/>
+        <a:font script="Arab" typeface="Arial"/>
+        <a:font script="Hebr" typeface="Arial"/>
+        <a:font script="Thai" typeface="Cordia New"/>
+        <a:font script="Ethi" typeface="Nyala"/>
+        <a:font script="Beng" typeface="Vrinda"/>
+        <a:font script="Gujr" typeface="Shruti"/>
+        <a:font script="Khmr" typeface="DaunPenh"/>
+        <a:font script="Knda" typeface="Tunga"/>
+        <a:font script="Guru" typeface="Raavi"/>
+        <a:font script="Cans" typeface="Euphemia"/>
+        <a:font script="Cher" typeface="Plantagenet Cherokee"/>
+        <a:font script="Yiii" typeface="Microsoft Yi Baiti"/>
+        <a:font script="Tibt" typeface="Microsoft Himalaya"/>
+        <a:font script="Thaa" typeface="MV Boli"/>
+        <a:font script="Deva" typeface="Mangal"/>
+        <a:font script="Telu" typeface="Gautami"/>
+        <a:font script="Taml" typeface="Latha"/>
+        <a:font script="Syrc" typeface="Estrangelo Edessa"/>
+        <a:font script="Orya" typeface="Kalinga"/>
+        <a:font script="Mlym" typeface="Kartika"/>
+        <a:font script="Laoo" typeface="DokChampa"/>
+        <a:font script="Sinh" typeface="Iskoola Pota"/>
+        <a:font script="Mong" typeface="Mongolian Baiti"/>
+        <a:font script="Viet" typeface="Arial"/>
+        <a:font script="Uigh" typeface="Microsoft Uighur"/>
+        <a:font script="Geor" typeface="Sylfaen"/>
+        <a:font script="Armn" typeface="Arial"/>
+        <a:font script="Bugi" typeface="Leelawadee UI"/>
+        <a:font script="Bopo" typeface="Microsoft JhengHei"/>
+        <a:font script="Java" typeface="Javanese Text"/>
+        <a:font script="Lisu" typeface="Segoe UI"/>
+        <a:font script="Mymr" typeface="Myanmar Text"/>
+        <a:font script="Nkoo" typeface="Ebrima"/>
+        <a:font script="Olck" typeface="Nirmala UI"/>
+        <a:font script="Osma" typeface="Ebrima"/>
+        <a:font script="Phag" typeface="Phagspa"/>
+        <a:font script="Syrn" typeface="Estrangelo Edessa"/>
+        <a:font script="Syrj" typeface="Estrangelo Edessa"/>
+        <a:font script="Syre" typeface="Estrangelo Edessa"/>
+        <a:font script="Sora" typeface="Nirmala UI"/>
+        <a:font script="Tale" typeface="Microsoft Tai Le"/>
+        <a:font script="Talu" typeface="Microsoft New Tai Lue"/>
+        <a:font script="Tfng" typeface="Ebrima"/>
+      </a:minorFont>
+    </a:fontScheme>
+    <a:fmtScheme name="Office">
+      <a:fillStyleLst>
+        <a:solidFill>
+          <a:schemeClr val="phClr"/>
+        </a:solidFill>
+        <a:gradFill rotWithShape="1">
+          <a:gsLst>
+            <a:gs pos="0">
+              <a:schemeClr val="phClr">
+                <a:lumMod val="110000"/>
+                <a:satMod val="105000"/>
+                <a:tint val="67000"/>
+              </a:schemeClr>
+            </a:gs>
+            <a:gs pos="50000">
+              <a:schemeClr val="phClr">
+                <a:lumMod val="105000"/>
+                <a:satMod val="103000"/>
+                <a:tint val="73000"/>
+              </a:schemeClr>
+            </a:gs>
+            <a:gs pos="100000">
+              <a:schemeClr val="phClr">
+                <a:lumMod val="105000"/>
+                <a:satMod val="109000"/>
+                <a:tint val="81000"/>
+              </a:schemeClr>
+            </a:gs>
+          </a:gsLst>
+          <a:lin ang="5400000" scaled="0"/>
+        </a:gradFill>
+        <a:gradFill rotWithShape="1">
+          <a:gsLst>
+            <a:gs pos="0">
+              <a:schemeClr val="phClr">
+                <a:satMod val="103000"/>
+                <a:lumMod val="102000"/>
+                <a:tint val="94000"/>
+              </a:schemeClr>
+            </a:gs>
+            <a:gs pos="50000">
+              <a:schemeClr val="phClr">
+                <a:satMod val="110000"/>
+                <a:lumMod val="100000"/>
+                <a:shade val="100000"/>
+              </a:schemeClr>
+            </a:gs>
+            <a:gs pos="100000">
+              <a:schemeClr val="phClr">
+                <a:lumMod val="99000"/>
+                <a:satMod val="120000"/>
+                <a:shade val="78000"/>
+              </a:schemeClr>
+            </a:gs>
+          </a:gsLst>
+          <a:lin ang="5400000" scaled="0"/>
+        </a:gradFill>
+      </a:fillStyleLst>
+      <a:lnStyleLst>
+        <a:ln w="6350" cap="flat" cmpd="sng" algn="ctr">
+          <a:solidFill>
+            <a:schemeClr val="phClr"/>
+          </a:solidFill>
+          <a:prstDash val="solid"/>
+          <a:miter lim="800000"/>
+        </a:ln>
+        <a:ln w="12700" cap="flat" cmpd="sng" algn="ctr">
+          <a:solidFill>
+            <a:schemeClr val="phClr"/>
+          </a:solidFill>
+          <a:prstDash val="solid"/>
+          <a:miter lim="800000"/>
+        </a:ln>
+        <a:ln w="19050" cap="flat" cmpd="sng" algn="ctr">
+          <a:solidFill>
+            <a:schemeClr val="phClr"/>
+          </a:solidFill>
+          <a:prstDash val="solid"/>
+          <a:miter lim="800000"/>
+        </a:ln>
+      </a:lnStyleLst>
+      <a:effectStyleLst>
+        <a:effectStyle>
+          <a:effectLst/>
+        </a:effectStyle>
+        <a:effectStyle>
+          <a:effectLst/>
+        </a:effectStyle>
+        <a:effectStyle>
+          <a:effectLst>
+            <a:outerShdw blurRad="57150" dist="19050" dir="5400000" algn="ctr" rotWithShape="0">
+              <a:srgbClr val="000000">
+                <a:alpha val="63000"/>
+              </a:srgbClr>
+            </a:outerShdw>
+          </a:effectLst>
+        </a:effectStyle>
+      </a:effectStyleLst>
+      <a:bgFillStyleLst>
+        <a:solidFill>
+          <a:schemeClr val="phClr"/>
+        </a:solidFill>
+        <a:solidFill>
+          <a:schemeClr val="phClr">
+            <a:tint val="95000"/>
+            <a:satMod val="170000"/>
+          </a:schemeClr>
+        </a:solidFill>
+        <a:gradFill rotWithShape="1">
+          <a:gsLst>
+            <a:gs pos="0">
+              <a:schemeClr val="phClr">
+                <a:tint val="93000"/>
+                <a:satMod val="150000"/>
+                <a:shade val="98000"/>
+                <a:lumMod val="102000"/>
+              </a:schemeClr>
+            </a:gs>
+            <a:gs pos="50000">
+              <a:schemeClr val="phClr">
+                <a:tint val="98000"/>
+                <a:satMod val="130000"/>
+                <a:shade val="90000"/>
+                <a:lumMod val="103000"/>
+              </a:schemeClr>
+            </a:gs>
+            <a:gs pos="100000">
+              <a:schemeClr val="phClr">
+                <a:shade val="63000"/>
+                <a:satMod val="120000"/>
+              </a:schemeClr>
+            </a:gs>
+          </a:gsLst>
+          <a:lin ang="5400000" scaled="0"/>
+        </a:gradFill>
+      </a:bgFillStyleLst>
+    </a:fmtScheme>
+  </a:themeElements>
+  <a:objectDefaults/>
+  <a:extraClrSchemeLst/>
+  <a:extLst>
+    <a:ext uri="{05A4C25C-085E-4340-85A3-A5531E510DB2}">
+      <thm15:themeFamily xmlns:thm15="http://schemas.microsoft.com/office/thememl/2012/main" name="Office Theme" id="{62F939B6-93AF-4DB8-9C6B-D6C7DFDC589F}" vid="{4A3C46E8-61CC-4603-A589-7422A47A8E4A}"/>
+    </a:ext>
+  </a:extLst>
+</a:theme>
 </file>